--- a/Presentacion_Resultados.pptx
+++ b/Presentacion_Resultados.pptx
@@ -109,6 +109,11 @@
       </a:defRPr>
     </a:lvl9pPr>
   </p:defaultTextStyle>
+  <p:extLst>
+    <p:ext uri="{EFAFB233-063F-42B5-8137-9DF3F51BA10A}">
+      <p15:sldGuideLst xmlns:p15="http://schemas.microsoft.com/office/powerpoint/2012/main"/>
+    </p:ext>
+  </p:extLst>
 </p:presentation>
 </file>
 
@@ -1020,20 +1025,12 @@
               </a:defRPr>
             </a:pPr>
             <a:r>
-              <a:rPr lang="es-GT"/>
-              <a:t>Comparativa Ejecución Secuencial Archivos</a:t>
+              <a:rPr lang="en-US"/>
+              <a:t>Tiempos entre los 6 casos</a:t>
             </a:r>
           </a:p>
         </c:rich>
       </c:tx>
-      <c:layout>
-        <c:manualLayout>
-          <c:xMode val="edge"/>
-          <c:yMode val="edge"/>
-          <c:x val="0.16673900244479756"/>
-          <c:y val="4.0404040404040407E-2"/>
-        </c:manualLayout>
-      </c:layout>
       <c:overlay val="0"/>
       <c:spPr>
         <a:noFill/>
@@ -1070,23 +1067,15 @@
         <c:grouping val="standard"/>
         <c:varyColors val="0"/>
         <c:ser>
-          <c:idx val="0"/>
-          <c:order val="0"/>
+          <c:idx val="2"/>
+          <c:order val="2"/>
           <c:tx>
-            <c:strRef>
-              <c:f>'Gráficas pc Mario'!$A$2</c:f>
-              <c:strCache>
-                <c:ptCount val="1"/>
-                <c:pt idx="0">
-                  <c:v>1 core - 1 hilo</c:v>
-                </c:pt>
-              </c:strCache>
-            </c:strRef>
+            <c:v>C2H2</c:v>
           </c:tx>
           <c:spPr>
             <a:ln w="28575" cap="rnd">
               <a:solidFill>
-                <a:schemeClr val="accent1"/>
+                <a:schemeClr val="accent3"/>
               </a:solidFill>
               <a:round/>
             </a:ln>
@@ -1097,80 +1086,101 @@
             <c:size val="5"/>
             <c:spPr>
               <a:solidFill>
-                <a:schemeClr val="accent1"/>
+                <a:schemeClr val="accent3"/>
               </a:solidFill>
               <a:ln w="9525">
                 <a:solidFill>
-                  <a:schemeClr val="accent1"/>
+                  <a:schemeClr val="accent3"/>
                 </a:solidFill>
               </a:ln>
               <a:effectLst/>
             </c:spPr>
           </c:marker>
+          <c:cat>
+            <c:strLit>
+              <c:ptCount val="8"/>
+              <c:pt idx="0">
+                <c:v>3</c:v>
+              </c:pt>
+              <c:pt idx="1">
+                <c:v>4</c:v>
+              </c:pt>
+              <c:pt idx="2">
+                <c:v>5</c:v>
+              </c:pt>
+              <c:pt idx="3">
+                <c:v>6</c:v>
+              </c:pt>
+              <c:pt idx="4">
+                <c:v>7</c:v>
+              </c:pt>
+              <c:pt idx="5">
+                <c:v>8</c:v>
+              </c:pt>
+              <c:pt idx="6">
+                <c:v>9</c:v>
+              </c:pt>
+              <c:pt idx="7">
+                <c:v>10</c:v>
+              </c:pt>
+              <c:extLst>
+                <c:ext xmlns:c15="http://schemas.microsoft.com/office/drawing/2012/chart" uri="{02D57815-91ED-43cb-92C2-25804820EDAC}">
+                  <c15:autoCat val="1"/>
+                </c:ext>
+              </c:extLst>
+            </c:strLit>
+          </c:cat>
           <c:val>
             <c:numRef>
-              <c:f>'Gráficas pc Mario'!$B$2:$K$2</c:f>
+              <c:f>Funciones!$K$8:$K$15</c:f>
               <c:numCache>
                 <c:formatCode>General</c:formatCode>
-                <c:ptCount val="10"/>
+                <c:ptCount val="8"/>
                 <c:pt idx="0">
-                  <c:v>17.059999999999999</c:v>
+                  <c:v>4689</c:v>
                 </c:pt>
                 <c:pt idx="1">
-                  <c:v>16.96</c:v>
+                  <c:v>4559</c:v>
                 </c:pt>
                 <c:pt idx="2">
-                  <c:v>17.12</c:v>
+                  <c:v>4551</c:v>
                 </c:pt>
                 <c:pt idx="3">
-                  <c:v>16.89</c:v>
+                  <c:v>4612</c:v>
                 </c:pt>
                 <c:pt idx="4">
-                  <c:v>17.46</c:v>
+                  <c:v>4722</c:v>
                 </c:pt>
                 <c:pt idx="5">
-                  <c:v>17.059999999999999</c:v>
+                  <c:v>4685</c:v>
                 </c:pt>
                 <c:pt idx="6">
-                  <c:v>17.52</c:v>
+                  <c:v>4543</c:v>
                 </c:pt>
                 <c:pt idx="7">
-                  <c:v>17.62</c:v>
-                </c:pt>
-                <c:pt idx="8">
-                  <c:v>17.440000000000001</c:v>
-                </c:pt>
-                <c:pt idx="9">
-                  <c:v>16.7</c:v>
+                  <c:v>4503</c:v>
                 </c:pt>
               </c:numCache>
+              <c:extLst/>
             </c:numRef>
           </c:val>
           <c:smooth val="0"/>
           <c:extLst>
             <c:ext xmlns:c16="http://schemas.microsoft.com/office/drawing/2014/chart" uri="{C3380CC4-5D6E-409C-BE32-E72D297353CC}">
-              <c16:uniqueId val="{00000000-42BD-4671-9C8F-A0AD4BA2768F}"/>
+              <c16:uniqueId val="{00000000-199A-42D1-A038-3B2D716EE1AE}"/>
             </c:ext>
           </c:extLst>
         </c:ser>
         <c:ser>
-          <c:idx val="1"/>
-          <c:order val="1"/>
+          <c:idx val="3"/>
+          <c:order val="3"/>
           <c:tx>
-            <c:strRef>
-              <c:f>'Gráficas pc Mario'!$A$3</c:f>
-              <c:strCache>
-                <c:ptCount val="1"/>
-                <c:pt idx="0">
-                  <c:v>1 core - 4 hilos</c:v>
-                </c:pt>
-              </c:strCache>
-            </c:strRef>
+            <c:v>C2H4</c:v>
           </c:tx>
           <c:spPr>
             <a:ln w="28575" cap="rnd">
               <a:solidFill>
-                <a:schemeClr val="accent2"/>
+                <a:schemeClr val="accent4"/>
               </a:solidFill>
               <a:round/>
             </a:ln>
@@ -1181,59 +1191,298 @@
             <c:size val="5"/>
             <c:spPr>
               <a:solidFill>
-                <a:schemeClr val="accent2"/>
+                <a:schemeClr val="accent4"/>
               </a:solidFill>
               <a:ln w="9525">
                 <a:solidFill>
-                  <a:schemeClr val="accent2"/>
+                  <a:schemeClr val="accent4"/>
                 </a:solidFill>
               </a:ln>
               <a:effectLst/>
             </c:spPr>
           </c:marker>
+          <c:cat>
+            <c:strLit>
+              <c:ptCount val="8"/>
+              <c:pt idx="0">
+                <c:v>3</c:v>
+              </c:pt>
+              <c:pt idx="1">
+                <c:v>4</c:v>
+              </c:pt>
+              <c:pt idx="2">
+                <c:v>5</c:v>
+              </c:pt>
+              <c:pt idx="3">
+                <c:v>6</c:v>
+              </c:pt>
+              <c:pt idx="4">
+                <c:v>7</c:v>
+              </c:pt>
+              <c:pt idx="5">
+                <c:v>8</c:v>
+              </c:pt>
+              <c:pt idx="6">
+                <c:v>9</c:v>
+              </c:pt>
+              <c:pt idx="7">
+                <c:v>10</c:v>
+              </c:pt>
+              <c:extLst>
+                <c:ext xmlns:c15="http://schemas.microsoft.com/office/drawing/2012/chart" uri="{02D57815-91ED-43cb-92C2-25804820EDAC}">
+                  <c15:autoCat val="1"/>
+                </c:ext>
+              </c:extLst>
+            </c:strLit>
+          </c:cat>
           <c:val>
             <c:numRef>
-              <c:f>'Gráficas pc Mario'!$B$3:$K$3</c:f>
+              <c:f>Funciones!$O$8:$O$15</c:f>
               <c:numCache>
                 <c:formatCode>General</c:formatCode>
-                <c:ptCount val="10"/>
+                <c:ptCount val="8"/>
                 <c:pt idx="0">
-                  <c:v>17.670000000000002</c:v>
+                  <c:v>4869</c:v>
                 </c:pt>
                 <c:pt idx="1">
-                  <c:v>19.48</c:v>
+                  <c:v>4800</c:v>
                 </c:pt>
                 <c:pt idx="2">
-                  <c:v>17.73</c:v>
+                  <c:v>4710</c:v>
                 </c:pt>
                 <c:pt idx="3">
-                  <c:v>17.989999999999998</c:v>
+                  <c:v>4804</c:v>
                 </c:pt>
                 <c:pt idx="4">
-                  <c:v>17.829999999999998</c:v>
+                  <c:v>4807</c:v>
                 </c:pt>
                 <c:pt idx="5">
-                  <c:v>18.100000000000001</c:v>
+                  <c:v>4859</c:v>
                 </c:pt>
                 <c:pt idx="6">
-                  <c:v>17.760000000000002</c:v>
+                  <c:v>4885</c:v>
                 </c:pt>
                 <c:pt idx="7">
-                  <c:v>17.57</c:v>
-                </c:pt>
-                <c:pt idx="8">
-                  <c:v>17.61</c:v>
-                </c:pt>
-                <c:pt idx="9">
-                  <c:v>18.2</c:v>
+                  <c:v>4846</c:v>
                 </c:pt>
               </c:numCache>
+              <c:extLst/>
             </c:numRef>
           </c:val>
           <c:smooth val="0"/>
           <c:extLst>
             <c:ext xmlns:c16="http://schemas.microsoft.com/office/drawing/2014/chart" uri="{C3380CC4-5D6E-409C-BE32-E72D297353CC}">
-              <c16:uniqueId val="{00000001-42BD-4671-9C8F-A0AD4BA2768F}"/>
+              <c16:uniqueId val="{00000001-199A-42D1-A038-3B2D716EE1AE}"/>
+            </c:ext>
+          </c:extLst>
+        </c:ser>
+        <c:ser>
+          <c:idx val="4"/>
+          <c:order val="4"/>
+          <c:tx>
+            <c:v>C2H8</c:v>
+          </c:tx>
+          <c:spPr>
+            <a:ln w="28575" cap="rnd">
+              <a:solidFill>
+                <a:schemeClr val="accent5"/>
+              </a:solidFill>
+              <a:round/>
+            </a:ln>
+            <a:effectLst/>
+          </c:spPr>
+          <c:marker>
+            <c:symbol val="circle"/>
+            <c:size val="5"/>
+            <c:spPr>
+              <a:solidFill>
+                <a:schemeClr val="accent5"/>
+              </a:solidFill>
+              <a:ln w="9525">
+                <a:solidFill>
+                  <a:schemeClr val="accent5"/>
+                </a:solidFill>
+              </a:ln>
+              <a:effectLst/>
+            </c:spPr>
+          </c:marker>
+          <c:cat>
+            <c:strLit>
+              <c:ptCount val="8"/>
+              <c:pt idx="0">
+                <c:v>3</c:v>
+              </c:pt>
+              <c:pt idx="1">
+                <c:v>4</c:v>
+              </c:pt>
+              <c:pt idx="2">
+                <c:v>5</c:v>
+              </c:pt>
+              <c:pt idx="3">
+                <c:v>6</c:v>
+              </c:pt>
+              <c:pt idx="4">
+                <c:v>7</c:v>
+              </c:pt>
+              <c:pt idx="5">
+                <c:v>8</c:v>
+              </c:pt>
+              <c:pt idx="6">
+                <c:v>9</c:v>
+              </c:pt>
+              <c:pt idx="7">
+                <c:v>10</c:v>
+              </c:pt>
+              <c:extLst>
+                <c:ext xmlns:c15="http://schemas.microsoft.com/office/drawing/2012/chart" uri="{02D57815-91ED-43cb-92C2-25804820EDAC}">
+                  <c15:autoCat val="1"/>
+                </c:ext>
+              </c:extLst>
+            </c:strLit>
+          </c:cat>
+          <c:val>
+            <c:numRef>
+              <c:f>Funciones!$S$8:$S$15</c:f>
+              <c:numCache>
+                <c:formatCode>General</c:formatCode>
+                <c:ptCount val="8"/>
+                <c:pt idx="0">
+                  <c:v>5420</c:v>
+                </c:pt>
+                <c:pt idx="1">
+                  <c:v>5473</c:v>
+                </c:pt>
+                <c:pt idx="2">
+                  <c:v>5264</c:v>
+                </c:pt>
+                <c:pt idx="3">
+                  <c:v>5333</c:v>
+                </c:pt>
+                <c:pt idx="4">
+                  <c:v>5224</c:v>
+                </c:pt>
+                <c:pt idx="5">
+                  <c:v>5497</c:v>
+                </c:pt>
+                <c:pt idx="6">
+                  <c:v>5352</c:v>
+                </c:pt>
+                <c:pt idx="7">
+                  <c:v>5298</c:v>
+                </c:pt>
+              </c:numCache>
+              <c:extLst/>
+            </c:numRef>
+          </c:val>
+          <c:smooth val="0"/>
+          <c:extLst>
+            <c:ext xmlns:c16="http://schemas.microsoft.com/office/drawing/2014/chart" uri="{C3380CC4-5D6E-409C-BE32-E72D297353CC}">
+              <c16:uniqueId val="{00000002-199A-42D1-A038-3B2D716EE1AE}"/>
+            </c:ext>
+          </c:extLst>
+        </c:ser>
+        <c:ser>
+          <c:idx val="5"/>
+          <c:order val="5"/>
+          <c:tx>
+            <c:v>C4H8</c:v>
+          </c:tx>
+          <c:spPr>
+            <a:ln w="28575" cap="rnd">
+              <a:solidFill>
+                <a:schemeClr val="accent6"/>
+              </a:solidFill>
+              <a:round/>
+            </a:ln>
+            <a:effectLst/>
+          </c:spPr>
+          <c:marker>
+            <c:symbol val="circle"/>
+            <c:size val="5"/>
+            <c:spPr>
+              <a:solidFill>
+                <a:schemeClr val="accent6"/>
+              </a:solidFill>
+              <a:ln w="9525">
+                <a:solidFill>
+                  <a:schemeClr val="accent6"/>
+                </a:solidFill>
+              </a:ln>
+              <a:effectLst/>
+            </c:spPr>
+          </c:marker>
+          <c:cat>
+            <c:strLit>
+              <c:ptCount val="8"/>
+              <c:pt idx="0">
+                <c:v>3</c:v>
+              </c:pt>
+              <c:pt idx="1">
+                <c:v>4</c:v>
+              </c:pt>
+              <c:pt idx="2">
+                <c:v>5</c:v>
+              </c:pt>
+              <c:pt idx="3">
+                <c:v>6</c:v>
+              </c:pt>
+              <c:pt idx="4">
+                <c:v>7</c:v>
+              </c:pt>
+              <c:pt idx="5">
+                <c:v>8</c:v>
+              </c:pt>
+              <c:pt idx="6">
+                <c:v>9</c:v>
+              </c:pt>
+              <c:pt idx="7">
+                <c:v>10</c:v>
+              </c:pt>
+              <c:extLst>
+                <c:ext xmlns:c15="http://schemas.microsoft.com/office/drawing/2012/chart" uri="{02D57815-91ED-43cb-92C2-25804820EDAC}">
+                  <c15:autoCat val="1"/>
+                </c:ext>
+              </c:extLst>
+            </c:strLit>
+          </c:cat>
+          <c:val>
+            <c:numRef>
+              <c:f>Funciones!$C$23:$C$30</c:f>
+              <c:numCache>
+                <c:formatCode>General</c:formatCode>
+                <c:ptCount val="8"/>
+                <c:pt idx="0">
+                  <c:v>4836</c:v>
+                </c:pt>
+                <c:pt idx="1">
+                  <c:v>5012</c:v>
+                </c:pt>
+                <c:pt idx="2">
+                  <c:v>4994</c:v>
+                </c:pt>
+                <c:pt idx="3">
+                  <c:v>4983</c:v>
+                </c:pt>
+                <c:pt idx="4">
+                  <c:v>4811</c:v>
+                </c:pt>
+                <c:pt idx="5">
+                  <c:v>4881</c:v>
+                </c:pt>
+                <c:pt idx="6">
+                  <c:v>4791</c:v>
+                </c:pt>
+                <c:pt idx="7">
+                  <c:v>4821</c:v>
+                </c:pt>
+              </c:numCache>
+              <c:extLst/>
+            </c:numRef>
+          </c:val>
+          <c:smooth val="0"/>
+          <c:extLst>
+            <c:ext xmlns:c16="http://schemas.microsoft.com/office/drawing/2014/chart" uri="{C3380CC4-5D6E-409C-BE32-E72D297353CC}">
+              <c16:uniqueId val="{00000003-199A-42D1-A038-3B2D716EE1AE}"/>
             </c:ext>
           </c:extLst>
         </c:ser>
@@ -1247,16 +1496,177 @@
         </c:dLbls>
         <c:marker val="1"/>
         <c:smooth val="0"/>
-        <c:axId val="1653794640"/>
-        <c:axId val="1653793200"/>
+        <c:axId val="133208367"/>
+        <c:axId val="133205551"/>
+        <c:extLst>
+          <c:ext xmlns:c15="http://schemas.microsoft.com/office/drawing/2012/chart" uri="{02D57815-91ED-43cb-92C2-25804820EDAC}">
+            <c15:filteredLineSeries>
+              <c15:ser>
+                <c:idx val="0"/>
+                <c:order val="0"/>
+                <c:tx>
+                  <c:v>C1H4</c:v>
+                </c:tx>
+                <c:spPr>
+                  <a:ln w="28575" cap="rnd">
+                    <a:solidFill>
+                      <a:schemeClr val="accent1"/>
+                    </a:solidFill>
+                    <a:round/>
+                  </a:ln>
+                  <a:effectLst/>
+                </c:spPr>
+                <c:marker>
+                  <c:symbol val="circle"/>
+                  <c:size val="5"/>
+                  <c:spPr>
+                    <a:solidFill>
+                      <a:schemeClr val="accent1"/>
+                    </a:solidFill>
+                    <a:ln w="9525">
+                      <a:solidFill>
+                        <a:schemeClr val="accent1"/>
+                      </a:solidFill>
+                    </a:ln>
+                    <a:effectLst/>
+                  </c:spPr>
+                </c:marker>
+                <c:val>
+                  <c:numRef>
+                    <c:extLst>
+                      <c:ext uri="{02D57815-91ED-43cb-92C2-25804820EDAC}">
+                        <c15:formulaRef>
+                          <c15:sqref>Funciones!$G$8:$G$15</c15:sqref>
+                        </c15:formulaRef>
+                      </c:ext>
+                    </c:extLst>
+                    <c:numCache>
+                      <c:formatCode>General</c:formatCode>
+                      <c:ptCount val="8"/>
+                      <c:pt idx="0">
+                        <c:v>5396</c:v>
+                      </c:pt>
+                      <c:pt idx="1">
+                        <c:v>5343</c:v>
+                      </c:pt>
+                      <c:pt idx="2">
+                        <c:v>5356</c:v>
+                      </c:pt>
+                      <c:pt idx="3">
+                        <c:v>5423</c:v>
+                      </c:pt>
+                      <c:pt idx="4">
+                        <c:v>5305</c:v>
+                      </c:pt>
+                      <c:pt idx="5">
+                        <c:v>5393</c:v>
+                      </c:pt>
+                      <c:pt idx="6">
+                        <c:v>5424</c:v>
+                      </c:pt>
+                      <c:pt idx="7">
+                        <c:v>5444</c:v>
+                      </c:pt>
+                    </c:numCache>
+                  </c:numRef>
+                </c:val>
+                <c:smooth val="0"/>
+                <c:extLst>
+                  <c:ext xmlns:c16="http://schemas.microsoft.com/office/drawing/2014/chart" uri="{C3380CC4-5D6E-409C-BE32-E72D297353CC}">
+                    <c16:uniqueId val="{00000004-199A-42D1-A038-3B2D716EE1AE}"/>
+                  </c:ext>
+                </c:extLst>
+              </c15:ser>
+            </c15:filteredLineSeries>
+            <c15:filteredLineSeries>
+              <c15:ser>
+                <c:idx val="1"/>
+                <c:order val="1"/>
+                <c:tx>
+                  <c:v>C1H1</c:v>
+                </c:tx>
+                <c:spPr>
+                  <a:ln w="28575" cap="rnd">
+                    <a:solidFill>
+                      <a:schemeClr val="accent2"/>
+                    </a:solidFill>
+                    <a:round/>
+                  </a:ln>
+                  <a:effectLst/>
+                </c:spPr>
+                <c:marker>
+                  <c:symbol val="circle"/>
+                  <c:size val="5"/>
+                  <c:spPr>
+                    <a:solidFill>
+                      <a:schemeClr val="accent2"/>
+                    </a:solidFill>
+                    <a:ln w="9525">
+                      <a:solidFill>
+                        <a:schemeClr val="accent2"/>
+                      </a:solidFill>
+                    </a:ln>
+                    <a:effectLst/>
+                  </c:spPr>
+                </c:marker>
+                <c:val>
+                  <c:numRef>
+                    <c:extLst xmlns:c15="http://schemas.microsoft.com/office/drawing/2012/chart">
+                      <c:ext xmlns:c15="http://schemas.microsoft.com/office/drawing/2012/chart" uri="{02D57815-91ED-43cb-92C2-25804820EDAC}">
+                        <c15:formulaRef>
+                          <c15:sqref>Funciones!$C$8:$C$15</c15:sqref>
+                        </c15:formulaRef>
+                      </c:ext>
+                    </c:extLst>
+                    <c:numCache>
+                      <c:formatCode>General</c:formatCode>
+                      <c:ptCount val="8"/>
+                      <c:pt idx="0">
+                        <c:v>5188</c:v>
+                      </c:pt>
+                      <c:pt idx="1">
+                        <c:v>5288</c:v>
+                      </c:pt>
+                      <c:pt idx="2">
+                        <c:v>5047</c:v>
+                      </c:pt>
+                      <c:pt idx="3">
+                        <c:v>5021</c:v>
+                      </c:pt>
+                      <c:pt idx="4">
+                        <c:v>5046</c:v>
+                      </c:pt>
+                      <c:pt idx="5">
+                        <c:v>5026</c:v>
+                      </c:pt>
+                      <c:pt idx="6">
+                        <c:v>5062</c:v>
+                      </c:pt>
+                      <c:pt idx="7">
+                        <c:v>5032</c:v>
+                      </c:pt>
+                    </c:numCache>
+                  </c:numRef>
+                </c:val>
+                <c:smooth val="0"/>
+                <c:extLst xmlns:c15="http://schemas.microsoft.com/office/drawing/2012/chart">
+                  <c:ext xmlns:c16="http://schemas.microsoft.com/office/drawing/2014/chart" uri="{C3380CC4-5D6E-409C-BE32-E72D297353CC}">
+                    <c16:uniqueId val="{00000005-199A-42D1-A038-3B2D716EE1AE}"/>
+                  </c:ext>
+                </c:extLst>
+              </c15:ser>
+            </c15:filteredLineSeries>
+          </c:ext>
+        </c:extLst>
       </c:lineChart>
       <c:catAx>
-        <c:axId val="1653794640"/>
+        <c:axId val="133208367"/>
         <c:scaling>
           <c:orientation val="minMax"/>
         </c:scaling>
         <c:delete val="0"/>
         <c:axPos val="b"/>
+        <c:numFmt formatCode="General" sourceLinked="0"/>
         <c:majorTickMark val="none"/>
         <c:minorTickMark val="none"/>
         <c:tickLblPos val="nextTo"/>
@@ -1293,7 +1703,7 @@
             <a:endParaRPr lang="es-GT"/>
           </a:p>
         </c:txPr>
-        <c:crossAx val="1653793200"/>
+        <c:crossAx val="133205551"/>
         <c:crosses val="autoZero"/>
         <c:auto val="1"/>
         <c:lblAlgn val="ctr"/>
@@ -1301,7 +1711,7 @@
         <c:noMultiLvlLbl val="0"/>
       </c:catAx>
       <c:valAx>
-        <c:axId val="1653793200"/>
+        <c:axId val="133205551"/>
         <c:scaling>
           <c:orientation val="minMax"/>
         </c:scaling>
@@ -1352,7 +1762,7 @@
             <a:endParaRPr lang="es-GT"/>
           </a:p>
         </c:txPr>
-        <c:crossAx val="1653794640"/>
+        <c:crossAx val="133208367"/>
         <c:crosses val="autoZero"/>
         <c:crossBetween val="between"/>
       </c:valAx>
@@ -1365,7 +1775,7 @@
       </c:spPr>
     </c:plotArea>
     <c:legend>
-      <c:legendPos val="b"/>
+      <c:legendPos val="r"/>
       <c:overlay val="0"/>
       <c:spPr>
         <a:noFill/>
@@ -1463,461 +1873,9 @@
               </a:defRPr>
             </a:pPr>
             <a:r>
-              <a:rPr lang="es-GT"/>
-              <a:t>Comparativa Ejecución Secuencial Funciones</a:t>
+              <a:rPr lang="en-US"/>
+              <a:t>Tiempos entre los 6 casos</a:t>
             </a:r>
-          </a:p>
-        </c:rich>
-      </c:tx>
-      <c:overlay val="0"/>
-      <c:spPr>
-        <a:noFill/>
-        <a:ln>
-          <a:noFill/>
-        </a:ln>
-        <a:effectLst/>
-      </c:spPr>
-      <c:txPr>
-        <a:bodyPr rot="0" spcFirstLastPara="1" vertOverflow="ellipsis" vert="horz" wrap="square" anchor="ctr" anchorCtr="1"/>
-        <a:lstStyle/>
-        <a:p>
-          <a:pPr>
-            <a:defRPr sz="1400" b="0" i="0" u="none" strike="noStrike" kern="1200" spc="0" baseline="0">
-              <a:solidFill>
-                <a:schemeClr val="tx1">
-                  <a:lumMod val="65000"/>
-                  <a:lumOff val="35000"/>
-                </a:schemeClr>
-              </a:solidFill>
-              <a:latin typeface="+mn-lt"/>
-              <a:ea typeface="+mn-ea"/>
-              <a:cs typeface="+mn-cs"/>
-            </a:defRPr>
-          </a:pPr>
-          <a:endParaRPr lang="es-GT"/>
-        </a:p>
-      </c:txPr>
-    </c:title>
-    <c:autoTitleDeleted val="0"/>
-    <c:plotArea>
-      <c:layout/>
-      <c:lineChart>
-        <c:grouping val="standard"/>
-        <c:varyColors val="0"/>
-        <c:ser>
-          <c:idx val="0"/>
-          <c:order val="0"/>
-          <c:tx>
-            <c:strRef>
-              <c:f>'Gráficas pc Mario'!$A$10</c:f>
-              <c:strCache>
-                <c:ptCount val="1"/>
-                <c:pt idx="0">
-                  <c:v>1 core - 1 hilo</c:v>
-                </c:pt>
-              </c:strCache>
-            </c:strRef>
-          </c:tx>
-          <c:spPr>
-            <a:ln w="28575" cap="rnd">
-              <a:solidFill>
-                <a:schemeClr val="accent1"/>
-              </a:solidFill>
-              <a:round/>
-            </a:ln>
-            <a:effectLst/>
-          </c:spPr>
-          <c:marker>
-            <c:symbol val="circle"/>
-            <c:size val="5"/>
-            <c:spPr>
-              <a:solidFill>
-                <a:schemeClr val="accent1"/>
-              </a:solidFill>
-              <a:ln w="9525">
-                <a:solidFill>
-                  <a:schemeClr val="accent1"/>
-                </a:solidFill>
-              </a:ln>
-              <a:effectLst/>
-            </c:spPr>
-          </c:marker>
-          <c:val>
-            <c:numRef>
-              <c:f>'Gráficas pc Mario'!$B$10:$K$10</c:f>
-              <c:numCache>
-                <c:formatCode>General</c:formatCode>
-                <c:ptCount val="10"/>
-                <c:pt idx="0">
-                  <c:v>17.39</c:v>
-                </c:pt>
-                <c:pt idx="1">
-                  <c:v>17.55</c:v>
-                </c:pt>
-                <c:pt idx="2">
-                  <c:v>17.36</c:v>
-                </c:pt>
-                <c:pt idx="3">
-                  <c:v>17.43</c:v>
-                </c:pt>
-                <c:pt idx="4">
-                  <c:v>17.190000000000001</c:v>
-                </c:pt>
-                <c:pt idx="5">
-                  <c:v>16.920000000000002</c:v>
-                </c:pt>
-                <c:pt idx="6">
-                  <c:v>17.309999999999999</c:v>
-                </c:pt>
-                <c:pt idx="7">
-                  <c:v>16.71</c:v>
-                </c:pt>
-                <c:pt idx="8">
-                  <c:v>16.98</c:v>
-                </c:pt>
-                <c:pt idx="9">
-                  <c:v>17.68</c:v>
-                </c:pt>
-              </c:numCache>
-            </c:numRef>
-          </c:val>
-          <c:smooth val="0"/>
-          <c:extLst>
-            <c:ext xmlns:c16="http://schemas.microsoft.com/office/drawing/2014/chart" uri="{C3380CC4-5D6E-409C-BE32-E72D297353CC}">
-              <c16:uniqueId val="{00000000-3789-4875-A382-D6D7AEC3CCF2}"/>
-            </c:ext>
-          </c:extLst>
-        </c:ser>
-        <c:ser>
-          <c:idx val="1"/>
-          <c:order val="1"/>
-          <c:tx>
-            <c:strRef>
-              <c:f>'Gráficas pc Mario'!$A$11</c:f>
-              <c:strCache>
-                <c:ptCount val="1"/>
-                <c:pt idx="0">
-                  <c:v>1 core - 4 hilos</c:v>
-                </c:pt>
-              </c:strCache>
-            </c:strRef>
-          </c:tx>
-          <c:spPr>
-            <a:ln w="28575" cap="rnd">
-              <a:solidFill>
-                <a:schemeClr val="accent2"/>
-              </a:solidFill>
-              <a:round/>
-            </a:ln>
-            <a:effectLst/>
-          </c:spPr>
-          <c:marker>
-            <c:symbol val="circle"/>
-            <c:size val="5"/>
-            <c:spPr>
-              <a:solidFill>
-                <a:schemeClr val="accent2"/>
-              </a:solidFill>
-              <a:ln w="9525">
-                <a:solidFill>
-                  <a:schemeClr val="accent2"/>
-                </a:solidFill>
-              </a:ln>
-              <a:effectLst/>
-            </c:spPr>
-          </c:marker>
-          <c:val>
-            <c:numRef>
-              <c:f>'Gráficas pc Mario'!$B$11:$K$11</c:f>
-              <c:numCache>
-                <c:formatCode>General</c:formatCode>
-                <c:ptCount val="10"/>
-                <c:pt idx="0">
-                  <c:v>18.809999999999999</c:v>
-                </c:pt>
-                <c:pt idx="1">
-                  <c:v>18.47</c:v>
-                </c:pt>
-                <c:pt idx="2">
-                  <c:v>18.829999999999998</c:v>
-                </c:pt>
-                <c:pt idx="3">
-                  <c:v>18.36</c:v>
-                </c:pt>
-                <c:pt idx="4">
-                  <c:v>18.89</c:v>
-                </c:pt>
-                <c:pt idx="5">
-                  <c:v>18.53</c:v>
-                </c:pt>
-                <c:pt idx="6">
-                  <c:v>18.2</c:v>
-                </c:pt>
-                <c:pt idx="7">
-                  <c:v>18.82</c:v>
-                </c:pt>
-                <c:pt idx="8">
-                  <c:v>19.14</c:v>
-                </c:pt>
-                <c:pt idx="9">
-                  <c:v>18.75</c:v>
-                </c:pt>
-              </c:numCache>
-            </c:numRef>
-          </c:val>
-          <c:smooth val="0"/>
-          <c:extLst>
-            <c:ext xmlns:c16="http://schemas.microsoft.com/office/drawing/2014/chart" uri="{C3380CC4-5D6E-409C-BE32-E72D297353CC}">
-              <c16:uniqueId val="{00000001-3789-4875-A382-D6D7AEC3CCF2}"/>
-            </c:ext>
-          </c:extLst>
-        </c:ser>
-        <c:dLbls>
-          <c:showLegendKey val="0"/>
-          <c:showVal val="0"/>
-          <c:showCatName val="0"/>
-          <c:showSerName val="0"/>
-          <c:showPercent val="0"/>
-          <c:showBubbleSize val="0"/>
-        </c:dLbls>
-        <c:marker val="1"/>
-        <c:smooth val="0"/>
-        <c:axId val="790134048"/>
-        <c:axId val="1653975824"/>
-      </c:lineChart>
-      <c:catAx>
-        <c:axId val="790134048"/>
-        <c:scaling>
-          <c:orientation val="minMax"/>
-        </c:scaling>
-        <c:delete val="0"/>
-        <c:axPos val="b"/>
-        <c:majorTickMark val="none"/>
-        <c:minorTickMark val="none"/>
-        <c:tickLblPos val="nextTo"/>
-        <c:spPr>
-          <a:noFill/>
-          <a:ln w="9525" cap="flat" cmpd="sng" algn="ctr">
-            <a:solidFill>
-              <a:schemeClr val="tx1">
-                <a:lumMod val="15000"/>
-                <a:lumOff val="85000"/>
-              </a:schemeClr>
-            </a:solidFill>
-            <a:round/>
-          </a:ln>
-          <a:effectLst/>
-        </c:spPr>
-        <c:txPr>
-          <a:bodyPr rot="-60000000" spcFirstLastPara="1" vertOverflow="ellipsis" vert="horz" wrap="square" anchor="ctr" anchorCtr="1"/>
-          <a:lstStyle/>
-          <a:p>
-            <a:pPr>
-              <a:defRPr sz="900" b="0" i="0" u="none" strike="noStrike" kern="1200" baseline="0">
-                <a:solidFill>
-                  <a:schemeClr val="tx1">
-                    <a:lumMod val="65000"/>
-                    <a:lumOff val="35000"/>
-                  </a:schemeClr>
-                </a:solidFill>
-                <a:latin typeface="+mn-lt"/>
-                <a:ea typeface="+mn-ea"/>
-                <a:cs typeface="+mn-cs"/>
-              </a:defRPr>
-            </a:pPr>
-            <a:endParaRPr lang="es-GT"/>
-          </a:p>
-        </c:txPr>
-        <c:crossAx val="1653975824"/>
-        <c:crosses val="autoZero"/>
-        <c:auto val="1"/>
-        <c:lblAlgn val="ctr"/>
-        <c:lblOffset val="100"/>
-        <c:noMultiLvlLbl val="0"/>
-      </c:catAx>
-      <c:valAx>
-        <c:axId val="1653975824"/>
-        <c:scaling>
-          <c:orientation val="minMax"/>
-        </c:scaling>
-        <c:delete val="0"/>
-        <c:axPos val="l"/>
-        <c:majorGridlines>
-          <c:spPr>
-            <a:ln w="9525" cap="flat" cmpd="sng" algn="ctr">
-              <a:solidFill>
-                <a:schemeClr val="tx1">
-                  <a:lumMod val="15000"/>
-                  <a:lumOff val="85000"/>
-                </a:schemeClr>
-              </a:solidFill>
-              <a:round/>
-            </a:ln>
-            <a:effectLst/>
-          </c:spPr>
-        </c:majorGridlines>
-        <c:numFmt formatCode="General" sourceLinked="1"/>
-        <c:majorTickMark val="none"/>
-        <c:minorTickMark val="none"/>
-        <c:tickLblPos val="nextTo"/>
-        <c:spPr>
-          <a:noFill/>
-          <a:ln>
-            <a:noFill/>
-          </a:ln>
-          <a:effectLst/>
-        </c:spPr>
-        <c:txPr>
-          <a:bodyPr rot="-60000000" spcFirstLastPara="1" vertOverflow="ellipsis" vert="horz" wrap="square" anchor="ctr" anchorCtr="1"/>
-          <a:lstStyle/>
-          <a:p>
-            <a:pPr>
-              <a:defRPr sz="900" b="0" i="0" u="none" strike="noStrike" kern="1200" baseline="0">
-                <a:solidFill>
-                  <a:schemeClr val="tx1">
-                    <a:lumMod val="65000"/>
-                    <a:lumOff val="35000"/>
-                  </a:schemeClr>
-                </a:solidFill>
-                <a:latin typeface="+mn-lt"/>
-                <a:ea typeface="+mn-ea"/>
-                <a:cs typeface="+mn-cs"/>
-              </a:defRPr>
-            </a:pPr>
-            <a:endParaRPr lang="es-GT"/>
-          </a:p>
-        </c:txPr>
-        <c:crossAx val="790134048"/>
-        <c:crosses val="autoZero"/>
-        <c:crossBetween val="between"/>
-      </c:valAx>
-      <c:spPr>
-        <a:noFill/>
-        <a:ln>
-          <a:noFill/>
-        </a:ln>
-        <a:effectLst/>
-      </c:spPr>
-    </c:plotArea>
-    <c:legend>
-      <c:legendPos val="b"/>
-      <c:overlay val="0"/>
-      <c:spPr>
-        <a:noFill/>
-        <a:ln>
-          <a:noFill/>
-        </a:ln>
-        <a:effectLst/>
-      </c:spPr>
-      <c:txPr>
-        <a:bodyPr rot="0" spcFirstLastPara="1" vertOverflow="ellipsis" vert="horz" wrap="square" anchor="ctr" anchorCtr="1"/>
-        <a:lstStyle/>
-        <a:p>
-          <a:pPr>
-            <a:defRPr sz="900" b="0" i="0" u="none" strike="noStrike" kern="1200" baseline="0">
-              <a:solidFill>
-                <a:schemeClr val="tx1">
-                  <a:lumMod val="65000"/>
-                  <a:lumOff val="35000"/>
-                </a:schemeClr>
-              </a:solidFill>
-              <a:latin typeface="+mn-lt"/>
-              <a:ea typeface="+mn-ea"/>
-              <a:cs typeface="+mn-cs"/>
-            </a:defRPr>
-          </a:pPr>
-          <a:endParaRPr lang="es-GT"/>
-        </a:p>
-      </c:txPr>
-    </c:legend>
-    <c:plotVisOnly val="1"/>
-    <c:dispBlanksAs val="gap"/>
-    <c:extLst>
-      <c:ext xmlns:c16r3="http://schemas.microsoft.com/office/drawing/2017/03/chart" uri="{56B9EC1D-385E-4148-901F-78D8002777C0}">
-        <c16r3:dataDisplayOptions16>
-          <c16r3:dispNaAsBlank val="1"/>
-        </c16r3:dataDisplayOptions16>
-      </c:ext>
-    </c:extLst>
-    <c:showDLblsOverMax val="0"/>
-  </c:chart>
-  <c:spPr>
-    <a:noFill/>
-    <a:ln>
-      <a:noFill/>
-    </a:ln>
-    <a:effectLst/>
-  </c:spPr>
-  <c:txPr>
-    <a:bodyPr/>
-    <a:lstStyle/>
-    <a:p>
-      <a:pPr>
-        <a:defRPr/>
-      </a:pPr>
-      <a:endParaRPr lang="es-GT"/>
-    </a:p>
-  </c:txPr>
-  <c:externalData r:id="rId3">
-    <c:autoUpdate val="0"/>
-  </c:externalData>
-</c:chartSpace>
-</file>
-
-<file path=ppt/charts/chart5.xml><?xml version="1.0" encoding="utf-8"?>
-<c:chartSpace xmlns:c="http://schemas.openxmlformats.org/drawingml/2006/chart" xmlns:a="http://schemas.openxmlformats.org/drawingml/2006/main" xmlns:r="http://schemas.openxmlformats.org/officeDocument/2006/relationships" xmlns:c16r2="http://schemas.microsoft.com/office/drawing/2015/06/chart">
-  <c:date1904 val="0"/>
-  <c:lang val="es-ES"/>
-  <c:roundedCorners val="0"/>
-  <mc:AlternateContent xmlns:mc="http://schemas.openxmlformats.org/markup-compatibility/2006">
-    <mc:Choice xmlns:c14="http://schemas.microsoft.com/office/drawing/2007/8/2/chart" Requires="c14">
-      <c14:style val="102"/>
-    </mc:Choice>
-    <mc:Fallback>
-      <c:style val="2"/>
-    </mc:Fallback>
-  </mc:AlternateContent>
-  <c:chart>
-    <c:title>
-      <c:tx>
-        <c:rich>
-          <a:bodyPr rot="0" spcFirstLastPara="1" vertOverflow="ellipsis" vert="horz" wrap="square" anchor="ctr" anchorCtr="1"/>
-          <a:lstStyle/>
-          <a:p>
-            <a:pPr>
-              <a:defRPr sz="1400" b="0" i="0" u="none" strike="noStrike" kern="1200" spc="0" baseline="0">
-                <a:solidFill>
-                  <a:schemeClr val="tx1">
-                    <a:lumMod val="65000"/>
-                    <a:lumOff val="35000"/>
-                  </a:schemeClr>
-                </a:solidFill>
-                <a:latin typeface="+mn-lt"/>
-                <a:ea typeface="+mn-ea"/>
-                <a:cs typeface="+mn-cs"/>
-              </a:defRPr>
-            </a:pPr>
-            <a:r>
-              <a:rPr lang="en-US" dirty="0" err="1"/>
-              <a:t>Tiempos</a:t>
-            </a:r>
-            <a:r>
-              <a:rPr lang="en-US" dirty="0"/>
-              <a:t> entre </a:t>
-            </a:r>
-            <a:r>
-              <a:rPr lang="en-US" dirty="0" err="1"/>
-              <a:t>los</a:t>
-            </a:r>
-            <a:r>
-              <a:rPr lang="en-US" dirty="0"/>
-              <a:t> 4 </a:t>
-            </a:r>
-            <a:r>
-              <a:rPr lang="en-US" dirty="0" err="1"/>
-              <a:t>casos</a:t>
-            </a:r>
-            <a:endParaRPr lang="en-US" dirty="0"/>
           </a:p>
         </c:rich>
       </c:tx>
@@ -1972,829 +1930,19 @@
             <a:effectLst/>
           </c:spPr>
           <c:marker>
-            <c:symbol val="none"/>
-          </c:marker>
-          <c:cat>
-            <c:strLit>
-              <c:ptCount val="8"/>
-              <c:pt idx="0">
-                <c:v>3</c:v>
-              </c:pt>
-              <c:pt idx="1">
-                <c:v>4</c:v>
-              </c:pt>
-              <c:pt idx="2">
-                <c:v>5</c:v>
-              </c:pt>
-              <c:pt idx="3">
-                <c:v>6</c:v>
-              </c:pt>
-              <c:pt idx="4">
-                <c:v>7</c:v>
-              </c:pt>
-              <c:pt idx="5">
-                <c:v>8</c:v>
-              </c:pt>
-              <c:pt idx="6">
-                <c:v>9</c:v>
-              </c:pt>
-              <c:pt idx="7">
-                <c:v>10</c:v>
-              </c:pt>
-              <c:extLst>
-                <c:ext xmlns:c15="http://schemas.microsoft.com/office/drawing/2012/chart" uri="{02D57815-91ED-43cb-92C2-25804820EDAC}">
-                  <c15:autoCat val="1"/>
-                </c:ext>
-              </c:extLst>
-            </c:strLit>
-          </c:cat>
-          <c:val>
-            <c:numRef>
-              <c:f>Funciones!$K$8:$K$15</c:f>
-              <c:numCache>
-                <c:formatCode>General</c:formatCode>
-                <c:ptCount val="8"/>
-                <c:pt idx="0">
-                  <c:v>4689</c:v>
-                </c:pt>
-                <c:pt idx="1">
-                  <c:v>4559</c:v>
-                </c:pt>
-                <c:pt idx="2">
-                  <c:v>4551</c:v>
-                </c:pt>
-                <c:pt idx="3">
-                  <c:v>4612</c:v>
-                </c:pt>
-                <c:pt idx="4">
-                  <c:v>4722</c:v>
-                </c:pt>
-                <c:pt idx="5">
-                  <c:v>4685</c:v>
-                </c:pt>
-                <c:pt idx="6">
-                  <c:v>4543</c:v>
-                </c:pt>
-                <c:pt idx="7">
-                  <c:v>4503</c:v>
-                </c:pt>
-              </c:numCache>
-              <c:extLst/>
-            </c:numRef>
-          </c:val>
-          <c:smooth val="0"/>
-          <c:extLst>
-            <c:ext xmlns:c16="http://schemas.microsoft.com/office/drawing/2014/chart" uri="{C3380CC4-5D6E-409C-BE32-E72D297353CC}">
-              <c16:uniqueId val="{00000000-5D83-40E9-861D-3F7E3FF27AB2}"/>
-            </c:ext>
-          </c:extLst>
-        </c:ser>
-        <c:ser>
-          <c:idx val="3"/>
-          <c:order val="3"/>
-          <c:tx>
-            <c:v>C2H4</c:v>
-          </c:tx>
-          <c:spPr>
-            <a:ln w="28575" cap="rnd">
-              <a:solidFill>
-                <a:schemeClr val="accent4"/>
-              </a:solidFill>
-              <a:round/>
-            </a:ln>
-            <a:effectLst/>
-          </c:spPr>
-          <c:marker>
-            <c:symbol val="none"/>
-          </c:marker>
-          <c:cat>
-            <c:strLit>
-              <c:ptCount val="8"/>
-              <c:pt idx="0">
-                <c:v>3</c:v>
-              </c:pt>
-              <c:pt idx="1">
-                <c:v>4</c:v>
-              </c:pt>
-              <c:pt idx="2">
-                <c:v>5</c:v>
-              </c:pt>
-              <c:pt idx="3">
-                <c:v>6</c:v>
-              </c:pt>
-              <c:pt idx="4">
-                <c:v>7</c:v>
-              </c:pt>
-              <c:pt idx="5">
-                <c:v>8</c:v>
-              </c:pt>
-              <c:pt idx="6">
-                <c:v>9</c:v>
-              </c:pt>
-              <c:pt idx="7">
-                <c:v>10</c:v>
-              </c:pt>
-              <c:extLst>
-                <c:ext xmlns:c15="http://schemas.microsoft.com/office/drawing/2012/chart" uri="{02D57815-91ED-43cb-92C2-25804820EDAC}">
-                  <c15:autoCat val="1"/>
-                </c:ext>
-              </c:extLst>
-            </c:strLit>
-          </c:cat>
-          <c:val>
-            <c:numRef>
-              <c:f>Funciones!$O$8:$O$15</c:f>
-              <c:numCache>
-                <c:formatCode>General</c:formatCode>
-                <c:ptCount val="8"/>
-                <c:pt idx="0">
-                  <c:v>4869</c:v>
-                </c:pt>
-                <c:pt idx="1">
-                  <c:v>4800</c:v>
-                </c:pt>
-                <c:pt idx="2">
-                  <c:v>4710</c:v>
-                </c:pt>
-                <c:pt idx="3">
-                  <c:v>4804</c:v>
-                </c:pt>
-                <c:pt idx="4">
-                  <c:v>4807</c:v>
-                </c:pt>
-                <c:pt idx="5">
-                  <c:v>4859</c:v>
-                </c:pt>
-                <c:pt idx="6">
-                  <c:v>4885</c:v>
-                </c:pt>
-                <c:pt idx="7">
-                  <c:v>4846</c:v>
-                </c:pt>
-              </c:numCache>
-              <c:extLst/>
-            </c:numRef>
-          </c:val>
-          <c:smooth val="0"/>
-          <c:extLst>
-            <c:ext xmlns:c16="http://schemas.microsoft.com/office/drawing/2014/chart" uri="{C3380CC4-5D6E-409C-BE32-E72D297353CC}">
-              <c16:uniqueId val="{00000001-5D83-40E9-861D-3F7E3FF27AB2}"/>
-            </c:ext>
-          </c:extLst>
-        </c:ser>
-        <c:ser>
-          <c:idx val="4"/>
-          <c:order val="4"/>
-          <c:tx>
-            <c:v>C2H8</c:v>
-          </c:tx>
-          <c:spPr>
-            <a:ln w="28575" cap="rnd">
-              <a:solidFill>
-                <a:schemeClr val="accent5"/>
-              </a:solidFill>
-              <a:round/>
-            </a:ln>
-            <a:effectLst/>
-          </c:spPr>
-          <c:marker>
-            <c:symbol val="none"/>
-          </c:marker>
-          <c:cat>
-            <c:strLit>
-              <c:ptCount val="8"/>
-              <c:pt idx="0">
-                <c:v>3</c:v>
-              </c:pt>
-              <c:pt idx="1">
-                <c:v>4</c:v>
-              </c:pt>
-              <c:pt idx="2">
-                <c:v>5</c:v>
-              </c:pt>
-              <c:pt idx="3">
-                <c:v>6</c:v>
-              </c:pt>
-              <c:pt idx="4">
-                <c:v>7</c:v>
-              </c:pt>
-              <c:pt idx="5">
-                <c:v>8</c:v>
-              </c:pt>
-              <c:pt idx="6">
-                <c:v>9</c:v>
-              </c:pt>
-              <c:pt idx="7">
-                <c:v>10</c:v>
-              </c:pt>
-              <c:extLst>
-                <c:ext xmlns:c15="http://schemas.microsoft.com/office/drawing/2012/chart" uri="{02D57815-91ED-43cb-92C2-25804820EDAC}">
-                  <c15:autoCat val="1"/>
-                </c:ext>
-              </c:extLst>
-            </c:strLit>
-          </c:cat>
-          <c:val>
-            <c:numRef>
-              <c:f>Funciones!$S$8:$S$15</c:f>
-              <c:numCache>
-                <c:formatCode>General</c:formatCode>
-                <c:ptCount val="8"/>
-                <c:pt idx="0">
-                  <c:v>5420</c:v>
-                </c:pt>
-                <c:pt idx="1">
-                  <c:v>5473</c:v>
-                </c:pt>
-                <c:pt idx="2">
-                  <c:v>5264</c:v>
-                </c:pt>
-                <c:pt idx="3">
-                  <c:v>5333</c:v>
-                </c:pt>
-                <c:pt idx="4">
-                  <c:v>5224</c:v>
-                </c:pt>
-                <c:pt idx="5">
-                  <c:v>5497</c:v>
-                </c:pt>
-                <c:pt idx="6">
-                  <c:v>5352</c:v>
-                </c:pt>
-                <c:pt idx="7">
-                  <c:v>5298</c:v>
-                </c:pt>
-              </c:numCache>
-              <c:extLst/>
-            </c:numRef>
-          </c:val>
-          <c:smooth val="0"/>
-          <c:extLst>
-            <c:ext xmlns:c16="http://schemas.microsoft.com/office/drawing/2014/chart" uri="{C3380CC4-5D6E-409C-BE32-E72D297353CC}">
-              <c16:uniqueId val="{00000002-5D83-40E9-861D-3F7E3FF27AB2}"/>
-            </c:ext>
-          </c:extLst>
-        </c:ser>
-        <c:ser>
-          <c:idx val="5"/>
-          <c:order val="5"/>
-          <c:tx>
-            <c:v>C4H8</c:v>
-          </c:tx>
-          <c:spPr>
-            <a:ln w="28575" cap="rnd">
-              <a:solidFill>
-                <a:schemeClr val="accent6"/>
-              </a:solidFill>
-              <a:round/>
-            </a:ln>
-            <a:effectLst/>
-          </c:spPr>
-          <c:marker>
-            <c:symbol val="none"/>
-          </c:marker>
-          <c:cat>
-            <c:strLit>
-              <c:ptCount val="8"/>
-              <c:pt idx="0">
-                <c:v>3</c:v>
-              </c:pt>
-              <c:pt idx="1">
-                <c:v>4</c:v>
-              </c:pt>
-              <c:pt idx="2">
-                <c:v>5</c:v>
-              </c:pt>
-              <c:pt idx="3">
-                <c:v>6</c:v>
-              </c:pt>
-              <c:pt idx="4">
-                <c:v>7</c:v>
-              </c:pt>
-              <c:pt idx="5">
-                <c:v>8</c:v>
-              </c:pt>
-              <c:pt idx="6">
-                <c:v>9</c:v>
-              </c:pt>
-              <c:pt idx="7">
-                <c:v>10</c:v>
-              </c:pt>
-              <c:extLst>
-                <c:ext xmlns:c15="http://schemas.microsoft.com/office/drawing/2012/chart" uri="{02D57815-91ED-43cb-92C2-25804820EDAC}">
-                  <c15:autoCat val="1"/>
-                </c:ext>
-              </c:extLst>
-            </c:strLit>
-          </c:cat>
-          <c:val>
-            <c:numRef>
-              <c:f>Funciones!$C$23:$C$30</c:f>
-              <c:numCache>
-                <c:formatCode>General</c:formatCode>
-                <c:ptCount val="8"/>
-                <c:pt idx="0">
-                  <c:v>4836</c:v>
-                </c:pt>
-                <c:pt idx="1">
-                  <c:v>5012</c:v>
-                </c:pt>
-                <c:pt idx="2">
-                  <c:v>4994</c:v>
-                </c:pt>
-                <c:pt idx="3">
-                  <c:v>4983</c:v>
-                </c:pt>
-                <c:pt idx="4">
-                  <c:v>4811</c:v>
-                </c:pt>
-                <c:pt idx="5">
-                  <c:v>4881</c:v>
-                </c:pt>
-                <c:pt idx="6">
-                  <c:v>4791</c:v>
-                </c:pt>
-                <c:pt idx="7">
-                  <c:v>4821</c:v>
-                </c:pt>
-              </c:numCache>
-              <c:extLst/>
-            </c:numRef>
-          </c:val>
-          <c:smooth val="0"/>
-          <c:extLst>
-            <c:ext xmlns:c16="http://schemas.microsoft.com/office/drawing/2014/chart" uri="{C3380CC4-5D6E-409C-BE32-E72D297353CC}">
-              <c16:uniqueId val="{00000003-5D83-40E9-861D-3F7E3FF27AB2}"/>
-            </c:ext>
-          </c:extLst>
-        </c:ser>
-        <c:dLbls>
-          <c:showLegendKey val="0"/>
-          <c:showVal val="0"/>
-          <c:showCatName val="0"/>
-          <c:showSerName val="0"/>
-          <c:showPercent val="0"/>
-          <c:showBubbleSize val="0"/>
-        </c:dLbls>
-        <c:smooth val="0"/>
-        <c:axId val="133208367"/>
-        <c:axId val="133205551"/>
-        <c:extLst>
-          <c:ext xmlns:c15="http://schemas.microsoft.com/office/drawing/2012/chart" uri="{02D57815-91ED-43cb-92C2-25804820EDAC}">
-            <c15:filteredLineSeries>
-              <c15:ser>
-                <c:idx val="0"/>
-                <c:order val="0"/>
-                <c:tx>
-                  <c:v>C1H4</c:v>
-                </c:tx>
-                <c:spPr>
-                  <a:ln w="28575" cap="rnd">
-                    <a:solidFill>
-                      <a:schemeClr val="accent1"/>
-                    </a:solidFill>
-                    <a:round/>
-                  </a:ln>
-                  <a:effectLst/>
-                </c:spPr>
-                <c:marker>
-                  <c:symbol val="none"/>
-                </c:marker>
-                <c:val>
-                  <c:numRef>
-                    <c:extLst>
-                      <c:ext uri="{02D57815-91ED-43cb-92C2-25804820EDAC}">
-                        <c15:formulaRef>
-                          <c15:sqref>Funciones!$G$8:$G$15</c15:sqref>
-                        </c15:formulaRef>
-                      </c:ext>
-                    </c:extLst>
-                    <c:numCache>
-                      <c:formatCode>General</c:formatCode>
-                      <c:ptCount val="8"/>
-                      <c:pt idx="0">
-                        <c:v>5396</c:v>
-                      </c:pt>
-                      <c:pt idx="1">
-                        <c:v>5343</c:v>
-                      </c:pt>
-                      <c:pt idx="2">
-                        <c:v>5356</c:v>
-                      </c:pt>
-                      <c:pt idx="3">
-                        <c:v>5423</c:v>
-                      </c:pt>
-                      <c:pt idx="4">
-                        <c:v>5305</c:v>
-                      </c:pt>
-                      <c:pt idx="5">
-                        <c:v>5393</c:v>
-                      </c:pt>
-                      <c:pt idx="6">
-                        <c:v>5424</c:v>
-                      </c:pt>
-                      <c:pt idx="7">
-                        <c:v>5444</c:v>
-                      </c:pt>
-                    </c:numCache>
-                  </c:numRef>
-                </c:val>
-                <c:smooth val="0"/>
-                <c:extLst>
-                  <c:ext xmlns:c16="http://schemas.microsoft.com/office/drawing/2014/chart" uri="{C3380CC4-5D6E-409C-BE32-E72D297353CC}">
-                    <c16:uniqueId val="{00000004-5D83-40E9-861D-3F7E3FF27AB2}"/>
-                  </c:ext>
-                </c:extLst>
-              </c15:ser>
-            </c15:filteredLineSeries>
-            <c15:filteredLineSeries>
-              <c15:ser>
-                <c:idx val="1"/>
-                <c:order val="1"/>
-                <c:tx>
-                  <c:v>C1H1</c:v>
-                </c:tx>
-                <c:spPr>
-                  <a:ln w="28575" cap="rnd">
-                    <a:solidFill>
-                      <a:schemeClr val="accent2"/>
-                    </a:solidFill>
-                    <a:round/>
-                  </a:ln>
-                  <a:effectLst/>
-                </c:spPr>
-                <c:marker>
-                  <c:symbol val="none"/>
-                </c:marker>
-                <c:val>
-                  <c:numRef>
-                    <c:extLst xmlns:c15="http://schemas.microsoft.com/office/drawing/2012/chart">
-                      <c:ext xmlns:c15="http://schemas.microsoft.com/office/drawing/2012/chart" uri="{02D57815-91ED-43cb-92C2-25804820EDAC}">
-                        <c15:formulaRef>
-                          <c15:sqref>Funciones!$C$8:$C$15</c15:sqref>
-                        </c15:formulaRef>
-                      </c:ext>
-                    </c:extLst>
-                    <c:numCache>
-                      <c:formatCode>General</c:formatCode>
-                      <c:ptCount val="8"/>
-                      <c:pt idx="0">
-                        <c:v>5188</c:v>
-                      </c:pt>
-                      <c:pt idx="1">
-                        <c:v>5288</c:v>
-                      </c:pt>
-                      <c:pt idx="2">
-                        <c:v>5047</c:v>
-                      </c:pt>
-                      <c:pt idx="3">
-                        <c:v>5021</c:v>
-                      </c:pt>
-                      <c:pt idx="4">
-                        <c:v>5046</c:v>
-                      </c:pt>
-                      <c:pt idx="5">
-                        <c:v>5026</c:v>
-                      </c:pt>
-                      <c:pt idx="6">
-                        <c:v>5062</c:v>
-                      </c:pt>
-                      <c:pt idx="7">
-                        <c:v>5032</c:v>
-                      </c:pt>
-                    </c:numCache>
-                  </c:numRef>
-                </c:val>
-                <c:smooth val="0"/>
-                <c:extLst xmlns:c15="http://schemas.microsoft.com/office/drawing/2012/chart">
-                  <c:ext xmlns:c16="http://schemas.microsoft.com/office/drawing/2014/chart" uri="{C3380CC4-5D6E-409C-BE32-E72D297353CC}">
-                    <c16:uniqueId val="{00000005-5D83-40E9-861D-3F7E3FF27AB2}"/>
-                  </c:ext>
-                </c:extLst>
-              </c15:ser>
-            </c15:filteredLineSeries>
-          </c:ext>
-        </c:extLst>
-      </c:lineChart>
-      <c:catAx>
-        <c:axId val="133208367"/>
-        <c:scaling>
-          <c:orientation val="minMax"/>
-        </c:scaling>
-        <c:delete val="0"/>
-        <c:axPos val="b"/>
-        <c:numFmt formatCode="General" sourceLinked="0"/>
-        <c:majorTickMark val="none"/>
-        <c:minorTickMark val="none"/>
-        <c:tickLblPos val="nextTo"/>
-        <c:spPr>
-          <a:noFill/>
-          <a:ln w="9525" cap="flat" cmpd="sng" algn="ctr">
-            <a:solidFill>
-              <a:schemeClr val="tx1">
-                <a:lumMod val="15000"/>
-                <a:lumOff val="85000"/>
-              </a:schemeClr>
-            </a:solidFill>
-            <a:round/>
-          </a:ln>
-          <a:effectLst/>
-        </c:spPr>
-        <c:txPr>
-          <a:bodyPr rot="-60000000" spcFirstLastPara="1" vertOverflow="ellipsis" vert="horz" wrap="square" anchor="ctr" anchorCtr="1"/>
-          <a:lstStyle/>
-          <a:p>
-            <a:pPr>
-              <a:defRPr sz="900" b="0" i="0" u="none" strike="noStrike" kern="1200" baseline="0">
-                <a:solidFill>
-                  <a:schemeClr val="tx1">
-                    <a:lumMod val="65000"/>
-                    <a:lumOff val="35000"/>
-                  </a:schemeClr>
-                </a:solidFill>
-                <a:latin typeface="+mn-lt"/>
-                <a:ea typeface="+mn-ea"/>
-                <a:cs typeface="+mn-cs"/>
-              </a:defRPr>
-            </a:pPr>
-            <a:endParaRPr lang="es-GT"/>
-          </a:p>
-        </c:txPr>
-        <c:crossAx val="133205551"/>
-        <c:crosses val="autoZero"/>
-        <c:auto val="1"/>
-        <c:lblAlgn val="ctr"/>
-        <c:lblOffset val="100"/>
-        <c:noMultiLvlLbl val="0"/>
-      </c:catAx>
-      <c:valAx>
-        <c:axId val="133205551"/>
-        <c:scaling>
-          <c:orientation val="minMax"/>
-        </c:scaling>
-        <c:delete val="0"/>
-        <c:axPos val="l"/>
-        <c:majorGridlines>
-          <c:spPr>
-            <a:ln w="9525" cap="flat" cmpd="sng" algn="ctr">
-              <a:solidFill>
-                <a:schemeClr val="tx1">
-                  <a:lumMod val="15000"/>
-                  <a:lumOff val="85000"/>
-                </a:schemeClr>
-              </a:solidFill>
-              <a:round/>
-            </a:ln>
-            <a:effectLst/>
-          </c:spPr>
-        </c:majorGridlines>
-        <c:title>
-          <c:overlay val="0"/>
-          <c:spPr>
-            <a:noFill/>
-            <a:ln>
-              <a:noFill/>
-            </a:ln>
-            <a:effectLst/>
-          </c:spPr>
-          <c:txPr>
-            <a:bodyPr rot="-5400000" spcFirstLastPara="1" vertOverflow="ellipsis" vert="horz" wrap="square" anchor="ctr" anchorCtr="1"/>
-            <a:lstStyle/>
-            <a:p>
-              <a:pPr>
-                <a:defRPr sz="1000" b="0" i="0" u="none" strike="noStrike" kern="1200" baseline="0">
-                  <a:solidFill>
-                    <a:schemeClr val="tx1">
-                      <a:lumMod val="65000"/>
-                      <a:lumOff val="35000"/>
-                    </a:schemeClr>
-                  </a:solidFill>
-                  <a:latin typeface="+mn-lt"/>
-                  <a:ea typeface="+mn-ea"/>
-                  <a:cs typeface="+mn-cs"/>
-                </a:defRPr>
-              </a:pPr>
-              <a:endParaRPr lang="es-GT"/>
-            </a:p>
-          </c:txPr>
-        </c:title>
-        <c:numFmt formatCode="General" sourceLinked="1"/>
-        <c:majorTickMark val="none"/>
-        <c:minorTickMark val="none"/>
-        <c:tickLblPos val="nextTo"/>
-        <c:spPr>
-          <a:noFill/>
-          <a:ln>
-            <a:noFill/>
-          </a:ln>
-          <a:effectLst/>
-        </c:spPr>
-        <c:txPr>
-          <a:bodyPr rot="-60000000" spcFirstLastPara="1" vertOverflow="ellipsis" vert="horz" wrap="square" anchor="ctr" anchorCtr="1"/>
-          <a:lstStyle/>
-          <a:p>
-            <a:pPr>
-              <a:defRPr sz="900" b="0" i="0" u="none" strike="noStrike" kern="1200" baseline="0">
-                <a:solidFill>
-                  <a:schemeClr val="tx1">
-                    <a:lumMod val="65000"/>
-                    <a:lumOff val="35000"/>
-                  </a:schemeClr>
-                </a:solidFill>
-                <a:latin typeface="+mn-lt"/>
-                <a:ea typeface="+mn-ea"/>
-                <a:cs typeface="+mn-cs"/>
-              </a:defRPr>
-            </a:pPr>
-            <a:endParaRPr lang="es-GT"/>
-          </a:p>
-        </c:txPr>
-        <c:crossAx val="133208367"/>
-        <c:crosses val="autoZero"/>
-        <c:crossBetween val="between"/>
-      </c:valAx>
-      <c:spPr>
-        <a:noFill/>
-        <a:ln>
-          <a:noFill/>
-        </a:ln>
-        <a:effectLst/>
-      </c:spPr>
-    </c:plotArea>
-    <c:legend>
-      <c:legendPos val="r"/>
-      <c:overlay val="0"/>
-      <c:spPr>
-        <a:noFill/>
-        <a:ln>
-          <a:noFill/>
-        </a:ln>
-        <a:effectLst/>
-      </c:spPr>
-      <c:txPr>
-        <a:bodyPr rot="0" spcFirstLastPara="1" vertOverflow="ellipsis" vert="horz" wrap="square" anchor="ctr" anchorCtr="1"/>
-        <a:lstStyle/>
-        <a:p>
-          <a:pPr>
-            <a:defRPr sz="900" b="0" i="0" u="none" strike="noStrike" kern="1200" baseline="0">
-              <a:solidFill>
-                <a:schemeClr val="tx1">
-                  <a:lumMod val="65000"/>
-                  <a:lumOff val="35000"/>
-                </a:schemeClr>
-              </a:solidFill>
-              <a:latin typeface="+mn-lt"/>
-              <a:ea typeface="+mn-ea"/>
-              <a:cs typeface="+mn-cs"/>
-            </a:defRPr>
-          </a:pPr>
-          <a:endParaRPr lang="es-GT"/>
-        </a:p>
-      </c:txPr>
-    </c:legend>
-    <c:plotVisOnly val="1"/>
-    <c:dispBlanksAs val="gap"/>
-    <c:extLst>
-      <c:ext xmlns:c16r3="http://schemas.microsoft.com/office/drawing/2017/03/chart" uri="{56B9EC1D-385E-4148-901F-78D8002777C0}">
-        <c16r3:dataDisplayOptions16>
-          <c16r3:dispNaAsBlank val="1"/>
-        </c16r3:dataDisplayOptions16>
-      </c:ext>
-    </c:extLst>
-    <c:showDLblsOverMax val="0"/>
-  </c:chart>
-  <c:spPr>
-    <a:noFill/>
-    <a:ln>
-      <a:noFill/>
-    </a:ln>
-    <a:effectLst/>
-  </c:spPr>
-  <c:txPr>
-    <a:bodyPr/>
-    <a:lstStyle/>
-    <a:p>
-      <a:pPr>
-        <a:defRPr/>
-      </a:pPr>
-      <a:endParaRPr lang="es-GT"/>
-    </a:p>
-  </c:txPr>
-  <c:externalData r:id="rId3">
-    <c:autoUpdate val="0"/>
-  </c:externalData>
-</c:chartSpace>
-</file>
-
-<file path=ppt/charts/chart6.xml><?xml version="1.0" encoding="utf-8"?>
-<c:chartSpace xmlns:c="http://schemas.openxmlformats.org/drawingml/2006/chart" xmlns:a="http://schemas.openxmlformats.org/drawingml/2006/main" xmlns:r="http://schemas.openxmlformats.org/officeDocument/2006/relationships" xmlns:c16r2="http://schemas.microsoft.com/office/drawing/2015/06/chart">
-  <c:date1904 val="0"/>
-  <c:lang val="es-ES"/>
-  <c:roundedCorners val="0"/>
-  <mc:AlternateContent xmlns:mc="http://schemas.openxmlformats.org/markup-compatibility/2006">
-    <mc:Choice xmlns:c14="http://schemas.microsoft.com/office/drawing/2007/8/2/chart" Requires="c14">
-      <c14:style val="102"/>
-    </mc:Choice>
-    <mc:Fallback>
-      <c:style val="2"/>
-    </mc:Fallback>
-  </mc:AlternateContent>
-  <c:chart>
-    <c:title>
-      <c:tx>
-        <c:rich>
-          <a:bodyPr rot="0" spcFirstLastPara="1" vertOverflow="ellipsis" vert="horz" wrap="square" anchor="ctr" anchorCtr="1"/>
-          <a:lstStyle/>
-          <a:p>
-            <a:pPr>
-              <a:defRPr sz="1400" b="0" i="0" u="none" strike="noStrike" kern="1200" spc="0" baseline="0">
-                <a:solidFill>
-                  <a:schemeClr val="tx1">
-                    <a:lumMod val="65000"/>
-                    <a:lumOff val="35000"/>
-                  </a:schemeClr>
-                </a:solidFill>
-                <a:latin typeface="+mn-lt"/>
-                <a:ea typeface="+mn-ea"/>
-                <a:cs typeface="+mn-cs"/>
-              </a:defRPr>
-            </a:pPr>
-            <a:r>
-              <a:rPr lang="en-US" dirty="0" err="1"/>
-              <a:t>Tiempos</a:t>
-            </a:r>
-            <a:r>
-              <a:rPr lang="en-US" dirty="0"/>
-              <a:t> entre </a:t>
-            </a:r>
-            <a:r>
-              <a:rPr lang="en-US" dirty="0" err="1"/>
-              <a:t>los</a:t>
-            </a:r>
-            <a:r>
-              <a:rPr lang="en-US" dirty="0"/>
-              <a:t> 4 </a:t>
-            </a:r>
-            <a:r>
-              <a:rPr lang="en-US" dirty="0" err="1"/>
-              <a:t>casos</a:t>
-            </a:r>
-            <a:endParaRPr lang="en-US" dirty="0"/>
-          </a:p>
-        </c:rich>
-      </c:tx>
-      <c:overlay val="0"/>
-      <c:spPr>
-        <a:noFill/>
-        <a:ln>
-          <a:noFill/>
-        </a:ln>
-        <a:effectLst/>
-      </c:spPr>
-      <c:txPr>
-        <a:bodyPr rot="0" spcFirstLastPara="1" vertOverflow="ellipsis" vert="horz" wrap="square" anchor="ctr" anchorCtr="1"/>
-        <a:lstStyle/>
-        <a:p>
-          <a:pPr>
-            <a:defRPr sz="1400" b="0" i="0" u="none" strike="noStrike" kern="1200" spc="0" baseline="0">
-              <a:solidFill>
-                <a:schemeClr val="tx1">
-                  <a:lumMod val="65000"/>
-                  <a:lumOff val="35000"/>
-                </a:schemeClr>
-              </a:solidFill>
-              <a:latin typeface="+mn-lt"/>
-              <a:ea typeface="+mn-ea"/>
-              <a:cs typeface="+mn-cs"/>
-            </a:defRPr>
-          </a:pPr>
-          <a:endParaRPr lang="es-GT"/>
-        </a:p>
-      </c:txPr>
-    </c:title>
-    <c:autoTitleDeleted val="0"/>
-    <c:plotArea>
-      <c:layout/>
-      <c:lineChart>
-        <c:grouping val="standard"/>
-        <c:varyColors val="0"/>
-        <c:ser>
-          <c:idx val="2"/>
-          <c:order val="2"/>
-          <c:tx>
-            <c:v>C2H2</c:v>
-          </c:tx>
-          <c:spPr>
-            <a:ln w="28575" cap="rnd">
+            <c:symbol val="circle"/>
+            <c:size val="5"/>
+            <c:spPr>
               <a:solidFill>
                 <a:schemeClr val="accent3"/>
               </a:solidFill>
-              <a:round/>
-            </a:ln>
-            <a:effectLst/>
-          </c:spPr>
-          <c:marker>
-            <c:symbol val="none"/>
+              <a:ln w="9525">
+                <a:solidFill>
+                  <a:schemeClr val="accent3"/>
+                </a:solidFill>
+              </a:ln>
+              <a:effectLst/>
+            </c:spPr>
           </c:marker>
           <c:cat>
             <c:strLit>
@@ -2867,7 +2015,7 @@
           <c:smooth val="0"/>
           <c:extLst>
             <c:ext xmlns:c16="http://schemas.microsoft.com/office/drawing/2014/chart" uri="{C3380CC4-5D6E-409C-BE32-E72D297353CC}">
-              <c16:uniqueId val="{00000000-7F80-4870-837D-E5EDC3007A28}"/>
+              <c16:uniqueId val="{00000000-D248-4574-8877-B82BE8098034}"/>
             </c:ext>
           </c:extLst>
         </c:ser>
@@ -2887,7 +2035,19 @@
             <a:effectLst/>
           </c:spPr>
           <c:marker>
-            <c:symbol val="none"/>
+            <c:symbol val="circle"/>
+            <c:size val="5"/>
+            <c:spPr>
+              <a:solidFill>
+                <a:schemeClr val="accent4"/>
+              </a:solidFill>
+              <a:ln w="9525">
+                <a:solidFill>
+                  <a:schemeClr val="accent4"/>
+                </a:solidFill>
+              </a:ln>
+              <a:effectLst/>
+            </c:spPr>
           </c:marker>
           <c:cat>
             <c:strLit>
@@ -2960,7 +2120,7 @@
           <c:smooth val="0"/>
           <c:extLst>
             <c:ext xmlns:c16="http://schemas.microsoft.com/office/drawing/2014/chart" uri="{C3380CC4-5D6E-409C-BE32-E72D297353CC}">
-              <c16:uniqueId val="{00000001-7F80-4870-837D-E5EDC3007A28}"/>
+              <c16:uniqueId val="{00000001-D248-4574-8877-B82BE8098034}"/>
             </c:ext>
           </c:extLst>
         </c:ser>
@@ -2980,7 +2140,19 @@
             <a:effectLst/>
           </c:spPr>
           <c:marker>
-            <c:symbol val="none"/>
+            <c:symbol val="circle"/>
+            <c:size val="5"/>
+            <c:spPr>
+              <a:solidFill>
+                <a:schemeClr val="accent5"/>
+              </a:solidFill>
+              <a:ln w="9525">
+                <a:solidFill>
+                  <a:schemeClr val="accent5"/>
+                </a:solidFill>
+              </a:ln>
+              <a:effectLst/>
+            </c:spPr>
           </c:marker>
           <c:cat>
             <c:strLit>
@@ -3053,7 +2225,7 @@
           <c:smooth val="0"/>
           <c:extLst>
             <c:ext xmlns:c16="http://schemas.microsoft.com/office/drawing/2014/chart" uri="{C3380CC4-5D6E-409C-BE32-E72D297353CC}">
-              <c16:uniqueId val="{00000002-7F80-4870-837D-E5EDC3007A28}"/>
+              <c16:uniqueId val="{00000002-D248-4574-8877-B82BE8098034}"/>
             </c:ext>
           </c:extLst>
         </c:ser>
@@ -3073,7 +2245,19 @@
             <a:effectLst/>
           </c:spPr>
           <c:marker>
-            <c:symbol val="none"/>
+            <c:symbol val="circle"/>
+            <c:size val="5"/>
+            <c:spPr>
+              <a:solidFill>
+                <a:schemeClr val="accent6"/>
+              </a:solidFill>
+              <a:ln w="9525">
+                <a:solidFill>
+                  <a:schemeClr val="accent6"/>
+                </a:solidFill>
+              </a:ln>
+              <a:effectLst/>
+            </c:spPr>
           </c:marker>
           <c:cat>
             <c:strLit>
@@ -3146,7 +2330,7 @@
           <c:smooth val="0"/>
           <c:extLst>
             <c:ext xmlns:c16="http://schemas.microsoft.com/office/drawing/2014/chart" uri="{C3380CC4-5D6E-409C-BE32-E72D297353CC}">
-              <c16:uniqueId val="{00000003-7F80-4870-837D-E5EDC3007A28}"/>
+              <c16:uniqueId val="{00000003-D248-4574-8877-B82BE8098034}"/>
             </c:ext>
           </c:extLst>
         </c:ser>
@@ -3158,6 +2342,7 @@
           <c:showPercent val="0"/>
           <c:showBubbleSize val="0"/>
         </c:dLbls>
+        <c:marker val="1"/>
         <c:smooth val="0"/>
         <c:axId val="254327776"/>
         <c:axId val="254151168"/>
@@ -3180,7 +2365,19 @@
                   <a:effectLst/>
                 </c:spPr>
                 <c:marker>
-                  <c:symbol val="none"/>
+                  <c:symbol val="circle"/>
+                  <c:size val="5"/>
+                  <c:spPr>
+                    <a:solidFill>
+                      <a:schemeClr val="accent1"/>
+                    </a:solidFill>
+                    <a:ln w="9525">
+                      <a:solidFill>
+                        <a:schemeClr val="accent1"/>
+                      </a:solidFill>
+                    </a:ln>
+                    <a:effectLst/>
+                  </c:spPr>
                 </c:marker>
                 <c:val>
                   <c:numRef>
@@ -3224,7 +2421,7 @@
                 <c:smooth val="0"/>
                 <c:extLst>
                   <c:ext xmlns:c16="http://schemas.microsoft.com/office/drawing/2014/chart" uri="{C3380CC4-5D6E-409C-BE32-E72D297353CC}">
-                    <c16:uniqueId val="{00000004-7F80-4870-837D-E5EDC3007A28}"/>
+                    <c16:uniqueId val="{00000004-D248-4574-8877-B82BE8098034}"/>
                   </c:ext>
                 </c:extLst>
               </c15:ser>
@@ -3246,7 +2443,19 @@
                   <a:effectLst/>
                 </c:spPr>
                 <c:marker>
-                  <c:symbol val="none"/>
+                  <c:symbol val="circle"/>
+                  <c:size val="5"/>
+                  <c:spPr>
+                    <a:solidFill>
+                      <a:schemeClr val="accent2"/>
+                    </a:solidFill>
+                    <a:ln w="9525">
+                      <a:solidFill>
+                        <a:schemeClr val="accent2"/>
+                      </a:solidFill>
+                    </a:ln>
+                    <a:effectLst/>
+                  </c:spPr>
                 </c:marker>
                 <c:val>
                   <c:numRef>
@@ -3290,7 +2499,7 @@
                 <c:smooth val="0"/>
                 <c:extLst xmlns:c15="http://schemas.microsoft.com/office/drawing/2012/chart">
                   <c:ext xmlns:c16="http://schemas.microsoft.com/office/drawing/2014/chart" uri="{C3380CC4-5D6E-409C-BE32-E72D297353CC}">
-                    <c16:uniqueId val="{00000005-7F80-4870-837D-E5EDC3007A28}"/>
+                    <c16:uniqueId val="{00000005-D248-4574-8877-B82BE8098034}"/>
                   </c:ext>
                 </c:extLst>
               </c15:ser>
@@ -3414,1475 +2623,7 @@
       </c:spPr>
     </c:plotArea>
     <c:legend>
-      <c:legendPos val="b"/>
-      <c:overlay val="0"/>
-      <c:spPr>
-        <a:noFill/>
-        <a:ln>
-          <a:noFill/>
-        </a:ln>
-        <a:effectLst/>
-      </c:spPr>
-      <c:txPr>
-        <a:bodyPr rot="0" spcFirstLastPara="1" vertOverflow="ellipsis" vert="horz" wrap="square" anchor="ctr" anchorCtr="1"/>
-        <a:lstStyle/>
-        <a:p>
-          <a:pPr>
-            <a:defRPr sz="900" b="0" i="0" u="none" strike="noStrike" kern="1200" baseline="0">
-              <a:solidFill>
-                <a:schemeClr val="tx1">
-                  <a:lumMod val="65000"/>
-                  <a:lumOff val="35000"/>
-                </a:schemeClr>
-              </a:solidFill>
-              <a:latin typeface="+mn-lt"/>
-              <a:ea typeface="+mn-ea"/>
-              <a:cs typeface="+mn-cs"/>
-            </a:defRPr>
-          </a:pPr>
-          <a:endParaRPr lang="es-GT"/>
-        </a:p>
-      </c:txPr>
-    </c:legend>
-    <c:plotVisOnly val="1"/>
-    <c:dispBlanksAs val="gap"/>
-    <c:extLst>
-      <c:ext xmlns:c16r3="http://schemas.microsoft.com/office/drawing/2017/03/chart" uri="{56B9EC1D-385E-4148-901F-78D8002777C0}">
-        <c16r3:dataDisplayOptions16>
-          <c16r3:dispNaAsBlank val="1"/>
-        </c16r3:dataDisplayOptions16>
-      </c:ext>
-    </c:extLst>
-    <c:showDLblsOverMax val="0"/>
-  </c:chart>
-  <c:spPr>
-    <a:noFill/>
-    <a:ln>
-      <a:noFill/>
-    </a:ln>
-    <a:effectLst/>
-  </c:spPr>
-  <c:txPr>
-    <a:bodyPr/>
-    <a:lstStyle/>
-    <a:p>
-      <a:pPr>
-        <a:defRPr/>
-      </a:pPr>
-      <a:endParaRPr lang="es-GT"/>
-    </a:p>
-  </c:txPr>
-  <c:externalData r:id="rId3">
-    <c:autoUpdate val="0"/>
-  </c:externalData>
-</c:chartSpace>
-</file>
-
-<file path=ppt/charts/chart7.xml><?xml version="1.0" encoding="utf-8"?>
-<c:chartSpace xmlns:c="http://schemas.openxmlformats.org/drawingml/2006/chart" xmlns:a="http://schemas.openxmlformats.org/drawingml/2006/main" xmlns:r="http://schemas.openxmlformats.org/officeDocument/2006/relationships" xmlns:c16r2="http://schemas.microsoft.com/office/drawing/2015/06/chart">
-  <c:date1904 val="0"/>
-  <c:lang val="es-ES"/>
-  <c:roundedCorners val="0"/>
-  <mc:AlternateContent xmlns:mc="http://schemas.openxmlformats.org/markup-compatibility/2006">
-    <mc:Choice xmlns:c14="http://schemas.microsoft.com/office/drawing/2007/8/2/chart" Requires="c14">
-      <c14:style val="102"/>
-    </mc:Choice>
-    <mc:Fallback>
-      <c:style val="2"/>
-    </mc:Fallback>
-  </mc:AlternateContent>
-  <c:chart>
-    <c:title>
-      <c:tx>
-        <c:rich>
-          <a:bodyPr rot="0" spcFirstLastPara="1" vertOverflow="ellipsis" vert="horz" wrap="square" anchor="ctr" anchorCtr="1"/>
-          <a:lstStyle/>
-          <a:p>
-            <a:pPr>
-              <a:defRPr sz="1400" b="0" i="0" u="none" strike="noStrike" kern="1200" spc="0" baseline="0">
-                <a:solidFill>
-                  <a:schemeClr val="tx1">
-                    <a:lumMod val="65000"/>
-                    <a:lumOff val="35000"/>
-                  </a:schemeClr>
-                </a:solidFill>
-                <a:latin typeface="+mn-lt"/>
-                <a:ea typeface="+mn-ea"/>
-                <a:cs typeface="+mn-cs"/>
-              </a:defRPr>
-            </a:pPr>
-            <a:r>
-              <a:rPr lang="es-GT"/>
-              <a:t>Cambio de</a:t>
-            </a:r>
-            <a:r>
-              <a:rPr lang="es-GT" baseline="0"/>
-              <a:t> tiempo paralelización archivos</a:t>
-            </a:r>
-            <a:endParaRPr lang="es-GT"/>
-          </a:p>
-        </c:rich>
-      </c:tx>
-      <c:overlay val="0"/>
-      <c:spPr>
-        <a:noFill/>
-        <a:ln>
-          <a:noFill/>
-        </a:ln>
-        <a:effectLst/>
-      </c:spPr>
-      <c:txPr>
-        <a:bodyPr rot="0" spcFirstLastPara="1" vertOverflow="ellipsis" vert="horz" wrap="square" anchor="ctr" anchorCtr="1"/>
-        <a:lstStyle/>
-        <a:p>
-          <a:pPr>
-            <a:defRPr sz="1400" b="0" i="0" u="none" strike="noStrike" kern="1200" spc="0" baseline="0">
-              <a:solidFill>
-                <a:schemeClr val="tx1">
-                  <a:lumMod val="65000"/>
-                  <a:lumOff val="35000"/>
-                </a:schemeClr>
-              </a:solidFill>
-              <a:latin typeface="+mn-lt"/>
-              <a:ea typeface="+mn-ea"/>
-              <a:cs typeface="+mn-cs"/>
-            </a:defRPr>
-          </a:pPr>
-          <a:endParaRPr lang="es-GT"/>
-        </a:p>
-      </c:txPr>
-    </c:title>
-    <c:autoTitleDeleted val="0"/>
-    <c:plotArea>
-      <c:layout/>
-      <c:lineChart>
-        <c:grouping val="standard"/>
-        <c:varyColors val="0"/>
-        <c:ser>
-          <c:idx val="2"/>
-          <c:order val="2"/>
-          <c:tx>
-            <c:strRef>
-              <c:f>'https://ufmail-my.sharepoint.com/personal/mariopisquiy_office_ufm_edu/Documents/[Ejecuciones Proyecto Hilos.xlsx]Ejecuciones'!$A$4</c:f>
-              <c:strCache>
-                <c:ptCount val="1"/>
-                <c:pt idx="0">
-                  <c:v>2 core - 2 hilos</c:v>
-                </c:pt>
-              </c:strCache>
-            </c:strRef>
-          </c:tx>
-          <c:spPr>
-            <a:ln w="28575" cap="rnd">
-              <a:solidFill>
-                <a:schemeClr val="accent3"/>
-              </a:solidFill>
-              <a:round/>
-            </a:ln>
-            <a:effectLst/>
-          </c:spPr>
-          <c:marker>
-            <c:symbol val="none"/>
-          </c:marker>
-          <c:val>
-            <c:numRef>
-              <c:f>[2]Ejecuciones!$B$4:$K$4</c:f>
-              <c:numCache>
-                <c:formatCode>General</c:formatCode>
-                <c:ptCount val="10"/>
-                <c:pt idx="0">
-                  <c:v>9.57</c:v>
-                </c:pt>
-                <c:pt idx="1">
-                  <c:v>10.16</c:v>
-                </c:pt>
-                <c:pt idx="2">
-                  <c:v>9.84</c:v>
-                </c:pt>
-                <c:pt idx="3">
-                  <c:v>11.38</c:v>
-                </c:pt>
-                <c:pt idx="4">
-                  <c:v>9.64</c:v>
-                </c:pt>
-                <c:pt idx="5">
-                  <c:v>9.42</c:v>
-                </c:pt>
-                <c:pt idx="6">
-                  <c:v>9.49</c:v>
-                </c:pt>
-                <c:pt idx="7">
-                  <c:v>9.7899999999999991</c:v>
-                </c:pt>
-                <c:pt idx="8">
-                  <c:v>9.6300000000000008</c:v>
-                </c:pt>
-                <c:pt idx="9">
-                  <c:v>9.67</c:v>
-                </c:pt>
-              </c:numCache>
-            </c:numRef>
-          </c:val>
-          <c:smooth val="0"/>
-          <c:extLst>
-            <c:ext xmlns:c16="http://schemas.microsoft.com/office/drawing/2014/chart" uri="{C3380CC4-5D6E-409C-BE32-E72D297353CC}">
-              <c16:uniqueId val="{00000000-ED32-470D-B6E8-A56139D1BBE3}"/>
-            </c:ext>
-          </c:extLst>
-        </c:ser>
-        <c:ser>
-          <c:idx val="3"/>
-          <c:order val="3"/>
-          <c:tx>
-            <c:strRef>
-              <c:f>'https://ufmail-my.sharepoint.com/personal/mariopisquiy_office_ufm_edu/Documents/[Ejecuciones Proyecto Hilos.xlsx]Ejecuciones'!$A$5</c:f>
-              <c:strCache>
-                <c:ptCount val="1"/>
-                <c:pt idx="0">
-                  <c:v>2 core - 4 hilos</c:v>
-                </c:pt>
-              </c:strCache>
-            </c:strRef>
-          </c:tx>
-          <c:spPr>
-            <a:ln w="28575" cap="rnd">
-              <a:solidFill>
-                <a:schemeClr val="accent4"/>
-              </a:solidFill>
-              <a:round/>
-            </a:ln>
-            <a:effectLst/>
-          </c:spPr>
-          <c:marker>
-            <c:symbol val="none"/>
-          </c:marker>
-          <c:val>
-            <c:numRef>
-              <c:f>[2]Ejecuciones!$B$5:$K$5</c:f>
-              <c:numCache>
-                <c:formatCode>General</c:formatCode>
-                <c:ptCount val="10"/>
-                <c:pt idx="0">
-                  <c:v>9.15</c:v>
-                </c:pt>
-                <c:pt idx="1">
-                  <c:v>8.94</c:v>
-                </c:pt>
-                <c:pt idx="2">
-                  <c:v>9.49</c:v>
-                </c:pt>
-                <c:pt idx="3">
-                  <c:v>9.24</c:v>
-                </c:pt>
-                <c:pt idx="4">
-                  <c:v>9.0500000000000007</c:v>
-                </c:pt>
-                <c:pt idx="5">
-                  <c:v>9.68</c:v>
-                </c:pt>
-                <c:pt idx="6">
-                  <c:v>9.48</c:v>
-                </c:pt>
-                <c:pt idx="7">
-                  <c:v>10.210000000000001</c:v>
-                </c:pt>
-                <c:pt idx="8">
-                  <c:v>9.2200000000000006</c:v>
-                </c:pt>
-                <c:pt idx="9">
-                  <c:v>9.0399999999999991</c:v>
-                </c:pt>
-              </c:numCache>
-            </c:numRef>
-          </c:val>
-          <c:smooth val="0"/>
-          <c:extLst>
-            <c:ext xmlns:c16="http://schemas.microsoft.com/office/drawing/2014/chart" uri="{C3380CC4-5D6E-409C-BE32-E72D297353CC}">
-              <c16:uniqueId val="{00000001-ED32-470D-B6E8-A56139D1BBE3}"/>
-            </c:ext>
-          </c:extLst>
-        </c:ser>
-        <c:ser>
-          <c:idx val="4"/>
-          <c:order val="4"/>
-          <c:tx>
-            <c:strRef>
-              <c:f>'https://ufmail-my.sharepoint.com/personal/mariopisquiy_office_ufm_edu/Documents/[Ejecuciones Proyecto Hilos.xlsx]Ejecuciones'!$A$6</c:f>
-              <c:strCache>
-                <c:ptCount val="1"/>
-                <c:pt idx="0">
-                  <c:v>2 core - 8 hilos</c:v>
-                </c:pt>
-              </c:strCache>
-            </c:strRef>
-          </c:tx>
-          <c:spPr>
-            <a:ln w="28575" cap="rnd">
-              <a:solidFill>
-                <a:schemeClr val="accent5"/>
-              </a:solidFill>
-              <a:round/>
-            </a:ln>
-            <a:effectLst/>
-          </c:spPr>
-          <c:marker>
-            <c:symbol val="none"/>
-          </c:marker>
-          <c:val>
-            <c:numRef>
-              <c:f>[2]Ejecuciones!$B$6:$K$6</c:f>
-              <c:numCache>
-                <c:formatCode>General</c:formatCode>
-                <c:ptCount val="10"/>
-                <c:pt idx="0">
-                  <c:v>18.46</c:v>
-                </c:pt>
-                <c:pt idx="1">
-                  <c:v>18.95</c:v>
-                </c:pt>
-                <c:pt idx="2">
-                  <c:v>18.07</c:v>
-                </c:pt>
-                <c:pt idx="3">
-                  <c:v>18.3</c:v>
-                </c:pt>
-                <c:pt idx="4">
-                  <c:v>18.18</c:v>
-                </c:pt>
-                <c:pt idx="5">
-                  <c:v>18.399999999999999</c:v>
-                </c:pt>
-                <c:pt idx="6">
-                  <c:v>18.34</c:v>
-                </c:pt>
-                <c:pt idx="7">
-                  <c:v>18.260000000000002</c:v>
-                </c:pt>
-                <c:pt idx="8">
-                  <c:v>20.02</c:v>
-                </c:pt>
-                <c:pt idx="9">
-                  <c:v>18.559999999999999</c:v>
-                </c:pt>
-              </c:numCache>
-            </c:numRef>
-          </c:val>
-          <c:smooth val="0"/>
-          <c:extLst>
-            <c:ext xmlns:c16="http://schemas.microsoft.com/office/drawing/2014/chart" uri="{C3380CC4-5D6E-409C-BE32-E72D297353CC}">
-              <c16:uniqueId val="{00000002-ED32-470D-B6E8-A56139D1BBE3}"/>
-            </c:ext>
-          </c:extLst>
-        </c:ser>
-        <c:ser>
-          <c:idx val="5"/>
-          <c:order val="5"/>
-          <c:tx>
-            <c:strRef>
-              <c:f>'https://ufmail-my.sharepoint.com/personal/mariopisquiy_office_ufm_edu/Documents/[Ejecuciones Proyecto Hilos.xlsx]Ejecuciones'!$A$7</c:f>
-              <c:strCache>
-                <c:ptCount val="1"/>
-                <c:pt idx="0">
-                  <c:v>4 core - 8 hilos</c:v>
-                </c:pt>
-              </c:strCache>
-            </c:strRef>
-          </c:tx>
-          <c:spPr>
-            <a:ln w="28575" cap="rnd">
-              <a:solidFill>
-                <a:schemeClr val="accent6"/>
-              </a:solidFill>
-              <a:round/>
-            </a:ln>
-            <a:effectLst/>
-          </c:spPr>
-          <c:marker>
-            <c:symbol val="none"/>
-          </c:marker>
-          <c:val>
-            <c:numRef>
-              <c:f>[2]Ejecuciones!$B$7:$K$7</c:f>
-              <c:numCache>
-                <c:formatCode>General</c:formatCode>
-                <c:ptCount val="10"/>
-                <c:pt idx="0">
-                  <c:v>10.41</c:v>
-                </c:pt>
-                <c:pt idx="1">
-                  <c:v>10.16</c:v>
-                </c:pt>
-                <c:pt idx="2">
-                  <c:v>10.16</c:v>
-                </c:pt>
-                <c:pt idx="3">
-                  <c:v>10.14</c:v>
-                </c:pt>
-                <c:pt idx="4">
-                  <c:v>10.99</c:v>
-                </c:pt>
-                <c:pt idx="5">
-                  <c:v>10.199999999999999</c:v>
-                </c:pt>
-                <c:pt idx="6">
-                  <c:v>10.1</c:v>
-                </c:pt>
-                <c:pt idx="7">
-                  <c:v>9.77</c:v>
-                </c:pt>
-                <c:pt idx="8">
-                  <c:v>9.89</c:v>
-                </c:pt>
-                <c:pt idx="9">
-                  <c:v>9.8800000000000008</c:v>
-                </c:pt>
-              </c:numCache>
-            </c:numRef>
-          </c:val>
-          <c:smooth val="0"/>
-          <c:extLst>
-            <c:ext xmlns:c16="http://schemas.microsoft.com/office/drawing/2014/chart" uri="{C3380CC4-5D6E-409C-BE32-E72D297353CC}">
-              <c16:uniqueId val="{00000003-ED32-470D-B6E8-A56139D1BBE3}"/>
-            </c:ext>
-          </c:extLst>
-        </c:ser>
-        <c:dLbls>
-          <c:showLegendKey val="0"/>
-          <c:showVal val="0"/>
-          <c:showCatName val="0"/>
-          <c:showSerName val="0"/>
-          <c:showPercent val="0"/>
-          <c:showBubbleSize val="0"/>
-        </c:dLbls>
-        <c:smooth val="0"/>
-        <c:axId val="45683200"/>
-        <c:axId val="45685120"/>
-        <c:extLst>
-          <c:ext xmlns:c15="http://schemas.microsoft.com/office/drawing/2012/chart" uri="{02D57815-91ED-43cb-92C2-25804820EDAC}">
-            <c15:filteredLineSeries>
-              <c15:ser>
-                <c:idx val="0"/>
-                <c:order val="0"/>
-                <c:tx>
-                  <c:strRef>
-                    <c:extLst>
-                      <c:ext uri="{02D57815-91ED-43cb-92C2-25804820EDAC}">
-                        <c15:formulaRef>
-                          <c15:sqref>'https://ufmail-my.sharepoint.com/personal/mariopisquiy_office_ufm_edu/Documents/[Ejecuciones Proyecto Hilos.xlsx]Ejecuciones'!$A$2</c15:sqref>
-                        </c15:formulaRef>
-                      </c:ext>
-                    </c:extLst>
-                    <c:strCache>
-                      <c:ptCount val="1"/>
-                      <c:pt idx="0">
-                        <c:v>1 core - 1 hilo</c:v>
-                      </c:pt>
-                    </c:strCache>
-                  </c:strRef>
-                </c:tx>
-                <c:spPr>
-                  <a:ln w="28575" cap="rnd">
-                    <a:solidFill>
-                      <a:schemeClr val="accent1"/>
-                    </a:solidFill>
-                    <a:round/>
-                  </a:ln>
-                  <a:effectLst/>
-                </c:spPr>
-                <c:marker>
-                  <c:symbol val="none"/>
-                </c:marker>
-                <c:val>
-                  <c:numRef>
-                    <c:extLst>
-                      <c:ext uri="{02D57815-91ED-43cb-92C2-25804820EDAC}">
-                        <c15:formulaRef>
-                          <c15:sqref>[2]Ejecuciones!$B$2:$K$2</c15:sqref>
-                        </c15:formulaRef>
-                      </c:ext>
-                    </c:extLst>
-                    <c:numCache>
-                      <c:formatCode>General</c:formatCode>
-                      <c:ptCount val="10"/>
-                      <c:pt idx="0">
-                        <c:v>17.059999999999999</c:v>
-                      </c:pt>
-                      <c:pt idx="1">
-                        <c:v>16.96</c:v>
-                      </c:pt>
-                      <c:pt idx="2">
-                        <c:v>17.12</c:v>
-                      </c:pt>
-                      <c:pt idx="3">
-                        <c:v>16.89</c:v>
-                      </c:pt>
-                      <c:pt idx="4">
-                        <c:v>17.46</c:v>
-                      </c:pt>
-                      <c:pt idx="5">
-                        <c:v>17.059999999999999</c:v>
-                      </c:pt>
-                      <c:pt idx="6">
-                        <c:v>17.52</c:v>
-                      </c:pt>
-                      <c:pt idx="7">
-                        <c:v>17.62</c:v>
-                      </c:pt>
-                      <c:pt idx="8">
-                        <c:v>17.440000000000001</c:v>
-                      </c:pt>
-                      <c:pt idx="9">
-                        <c:v>16.7</c:v>
-                      </c:pt>
-                    </c:numCache>
-                  </c:numRef>
-                </c:val>
-                <c:smooth val="0"/>
-                <c:extLst>
-                  <c:ext xmlns:c16="http://schemas.microsoft.com/office/drawing/2014/chart" uri="{C3380CC4-5D6E-409C-BE32-E72D297353CC}">
-                    <c16:uniqueId val="{00000004-ED32-470D-B6E8-A56139D1BBE3}"/>
-                  </c:ext>
-                </c:extLst>
-              </c15:ser>
-            </c15:filteredLineSeries>
-            <c15:filteredLineSeries>
-              <c15:ser>
-                <c:idx val="1"/>
-                <c:order val="1"/>
-                <c:tx>
-                  <c:strRef>
-                    <c:extLst xmlns:c15="http://schemas.microsoft.com/office/drawing/2012/chart">
-                      <c:ext xmlns:c15="http://schemas.microsoft.com/office/drawing/2012/chart" uri="{02D57815-91ED-43cb-92C2-25804820EDAC}">
-                        <c15:formulaRef>
-                          <c15:sqref>'https://ufmail-my.sharepoint.com/personal/mariopisquiy_office_ufm_edu/Documents/[Ejecuciones Proyecto Hilos.xlsx]Ejecuciones'!$A$3</c15:sqref>
-                        </c15:formulaRef>
-                      </c:ext>
-                    </c:extLst>
-                    <c:strCache>
-                      <c:ptCount val="1"/>
-                      <c:pt idx="0">
-                        <c:v>1 core - 4 hilos</c:v>
-                      </c:pt>
-                    </c:strCache>
-                  </c:strRef>
-                </c:tx>
-                <c:spPr>
-                  <a:ln w="28575" cap="rnd">
-                    <a:solidFill>
-                      <a:schemeClr val="accent2"/>
-                    </a:solidFill>
-                    <a:round/>
-                  </a:ln>
-                  <a:effectLst/>
-                </c:spPr>
-                <c:marker>
-                  <c:symbol val="none"/>
-                </c:marker>
-                <c:val>
-                  <c:numRef>
-                    <c:extLst xmlns:c15="http://schemas.microsoft.com/office/drawing/2012/chart">
-                      <c:ext xmlns:c15="http://schemas.microsoft.com/office/drawing/2012/chart" uri="{02D57815-91ED-43cb-92C2-25804820EDAC}">
-                        <c15:formulaRef>
-                          <c15:sqref>[2]Ejecuciones!$B$3:$K$3</c15:sqref>
-                        </c15:formulaRef>
-                      </c:ext>
-                    </c:extLst>
-                    <c:numCache>
-                      <c:formatCode>General</c:formatCode>
-                      <c:ptCount val="10"/>
-                      <c:pt idx="0">
-                        <c:v>17.670000000000002</c:v>
-                      </c:pt>
-                      <c:pt idx="1">
-                        <c:v>19.48</c:v>
-                      </c:pt>
-                      <c:pt idx="2">
-                        <c:v>17.73</c:v>
-                      </c:pt>
-                      <c:pt idx="3">
-                        <c:v>17.989999999999998</c:v>
-                      </c:pt>
-                      <c:pt idx="4">
-                        <c:v>17.829999999999998</c:v>
-                      </c:pt>
-                      <c:pt idx="5">
-                        <c:v>18.100000000000001</c:v>
-                      </c:pt>
-                      <c:pt idx="6">
-                        <c:v>17.760000000000002</c:v>
-                      </c:pt>
-                      <c:pt idx="7">
-                        <c:v>17.57</c:v>
-                      </c:pt>
-                      <c:pt idx="8">
-                        <c:v>17.61</c:v>
-                      </c:pt>
-                      <c:pt idx="9">
-                        <c:v>18.2</c:v>
-                      </c:pt>
-                    </c:numCache>
-                  </c:numRef>
-                </c:val>
-                <c:smooth val="0"/>
-                <c:extLst xmlns:c15="http://schemas.microsoft.com/office/drawing/2012/chart">
-                  <c:ext xmlns:c16="http://schemas.microsoft.com/office/drawing/2014/chart" uri="{C3380CC4-5D6E-409C-BE32-E72D297353CC}">
-                    <c16:uniqueId val="{00000005-ED32-470D-B6E8-A56139D1BBE3}"/>
-                  </c:ext>
-                </c:extLst>
-              </c15:ser>
-            </c15:filteredLineSeries>
-          </c:ext>
-        </c:extLst>
-      </c:lineChart>
-      <c:catAx>
-        <c:axId val="45683200"/>
-        <c:scaling>
-          <c:orientation val="minMax"/>
-        </c:scaling>
-        <c:delete val="0"/>
-        <c:axPos val="b"/>
-        <c:majorTickMark val="none"/>
-        <c:minorTickMark val="none"/>
-        <c:tickLblPos val="nextTo"/>
-        <c:spPr>
-          <a:noFill/>
-          <a:ln w="9525" cap="flat" cmpd="sng" algn="ctr">
-            <a:solidFill>
-              <a:schemeClr val="tx1">
-                <a:lumMod val="15000"/>
-                <a:lumOff val="85000"/>
-              </a:schemeClr>
-            </a:solidFill>
-            <a:round/>
-          </a:ln>
-          <a:effectLst/>
-        </c:spPr>
-        <c:txPr>
-          <a:bodyPr rot="-60000000" spcFirstLastPara="1" vertOverflow="ellipsis" vert="horz" wrap="square" anchor="ctr" anchorCtr="1"/>
-          <a:lstStyle/>
-          <a:p>
-            <a:pPr>
-              <a:defRPr sz="900" b="0" i="0" u="none" strike="noStrike" kern="1200" baseline="0">
-                <a:solidFill>
-                  <a:schemeClr val="tx1">
-                    <a:lumMod val="65000"/>
-                    <a:lumOff val="35000"/>
-                  </a:schemeClr>
-                </a:solidFill>
-                <a:latin typeface="+mn-lt"/>
-                <a:ea typeface="+mn-ea"/>
-                <a:cs typeface="+mn-cs"/>
-              </a:defRPr>
-            </a:pPr>
-            <a:endParaRPr lang="es-GT"/>
-          </a:p>
-        </c:txPr>
-        <c:crossAx val="45685120"/>
-        <c:crosses val="autoZero"/>
-        <c:auto val="1"/>
-        <c:lblAlgn val="ctr"/>
-        <c:lblOffset val="100"/>
-        <c:noMultiLvlLbl val="0"/>
-      </c:catAx>
-      <c:valAx>
-        <c:axId val="45685120"/>
-        <c:scaling>
-          <c:orientation val="minMax"/>
-        </c:scaling>
-        <c:delete val="0"/>
-        <c:axPos val="l"/>
-        <c:majorGridlines>
-          <c:spPr>
-            <a:ln w="9525" cap="flat" cmpd="sng" algn="ctr">
-              <a:solidFill>
-                <a:schemeClr val="tx1">
-                  <a:lumMod val="15000"/>
-                  <a:lumOff val="85000"/>
-                </a:schemeClr>
-              </a:solidFill>
-              <a:round/>
-            </a:ln>
-            <a:effectLst/>
-          </c:spPr>
-        </c:majorGridlines>
-        <c:numFmt formatCode="General" sourceLinked="1"/>
-        <c:majorTickMark val="none"/>
-        <c:minorTickMark val="none"/>
-        <c:tickLblPos val="nextTo"/>
-        <c:spPr>
-          <a:noFill/>
-          <a:ln>
-            <a:noFill/>
-          </a:ln>
-          <a:effectLst/>
-        </c:spPr>
-        <c:txPr>
-          <a:bodyPr rot="-60000000" spcFirstLastPara="1" vertOverflow="ellipsis" vert="horz" wrap="square" anchor="ctr" anchorCtr="1"/>
-          <a:lstStyle/>
-          <a:p>
-            <a:pPr>
-              <a:defRPr sz="900" b="0" i="0" u="none" strike="noStrike" kern="1200" baseline="0">
-                <a:solidFill>
-                  <a:schemeClr val="tx1">
-                    <a:lumMod val="65000"/>
-                    <a:lumOff val="35000"/>
-                  </a:schemeClr>
-                </a:solidFill>
-                <a:latin typeface="+mn-lt"/>
-                <a:ea typeface="+mn-ea"/>
-                <a:cs typeface="+mn-cs"/>
-              </a:defRPr>
-            </a:pPr>
-            <a:endParaRPr lang="es-GT"/>
-          </a:p>
-        </c:txPr>
-        <c:crossAx val="45683200"/>
-        <c:crosses val="autoZero"/>
-        <c:crossBetween val="between"/>
-      </c:valAx>
-      <c:spPr>
-        <a:noFill/>
-        <a:ln>
-          <a:noFill/>
-        </a:ln>
-        <a:effectLst/>
-      </c:spPr>
-    </c:plotArea>
-    <c:legend>
-      <c:legendPos val="b"/>
-      <c:overlay val="0"/>
-      <c:spPr>
-        <a:noFill/>
-        <a:ln>
-          <a:noFill/>
-        </a:ln>
-        <a:effectLst/>
-      </c:spPr>
-      <c:txPr>
-        <a:bodyPr rot="0" spcFirstLastPara="1" vertOverflow="ellipsis" vert="horz" wrap="square" anchor="ctr" anchorCtr="1"/>
-        <a:lstStyle/>
-        <a:p>
-          <a:pPr>
-            <a:defRPr sz="900" b="0" i="0" u="none" strike="noStrike" kern="1200" baseline="0">
-              <a:solidFill>
-                <a:schemeClr val="tx1">
-                  <a:lumMod val="65000"/>
-                  <a:lumOff val="35000"/>
-                </a:schemeClr>
-              </a:solidFill>
-              <a:latin typeface="+mn-lt"/>
-              <a:ea typeface="+mn-ea"/>
-              <a:cs typeface="+mn-cs"/>
-            </a:defRPr>
-          </a:pPr>
-          <a:endParaRPr lang="es-GT"/>
-        </a:p>
-      </c:txPr>
-    </c:legend>
-    <c:plotVisOnly val="1"/>
-    <c:dispBlanksAs val="gap"/>
-    <c:extLst>
-      <c:ext xmlns:c16r3="http://schemas.microsoft.com/office/drawing/2017/03/chart" uri="{56B9EC1D-385E-4148-901F-78D8002777C0}">
-        <c16r3:dataDisplayOptions16>
-          <c16r3:dispNaAsBlank val="1"/>
-        </c16r3:dataDisplayOptions16>
-      </c:ext>
-    </c:extLst>
-    <c:showDLblsOverMax val="0"/>
-  </c:chart>
-  <c:spPr>
-    <a:noFill/>
-    <a:ln>
-      <a:noFill/>
-    </a:ln>
-    <a:effectLst/>
-  </c:spPr>
-  <c:txPr>
-    <a:bodyPr/>
-    <a:lstStyle/>
-    <a:p>
-      <a:pPr>
-        <a:defRPr/>
-      </a:pPr>
-      <a:endParaRPr lang="es-GT"/>
-    </a:p>
-  </c:txPr>
-  <c:externalData r:id="rId3">
-    <c:autoUpdate val="0"/>
-  </c:externalData>
-</c:chartSpace>
-</file>
-
-<file path=ppt/charts/chart8.xml><?xml version="1.0" encoding="utf-8"?>
-<c:chartSpace xmlns:c="http://schemas.openxmlformats.org/drawingml/2006/chart" xmlns:a="http://schemas.openxmlformats.org/drawingml/2006/main" xmlns:r="http://schemas.openxmlformats.org/officeDocument/2006/relationships" xmlns:c16r2="http://schemas.microsoft.com/office/drawing/2015/06/chart">
-  <c:date1904 val="0"/>
-  <c:lang val="es-ES"/>
-  <c:roundedCorners val="0"/>
-  <mc:AlternateContent xmlns:mc="http://schemas.openxmlformats.org/markup-compatibility/2006">
-    <mc:Choice xmlns:c14="http://schemas.microsoft.com/office/drawing/2007/8/2/chart" Requires="c14">
-      <c14:style val="102"/>
-    </mc:Choice>
-    <mc:Fallback>
-      <c:style val="2"/>
-    </mc:Fallback>
-  </mc:AlternateContent>
-  <c:chart>
-    <c:title>
-      <c:tx>
-        <c:rich>
-          <a:bodyPr rot="0" spcFirstLastPara="1" vertOverflow="ellipsis" vert="horz" wrap="square" anchor="ctr" anchorCtr="1"/>
-          <a:lstStyle/>
-          <a:p>
-            <a:pPr>
-              <a:defRPr sz="1400" b="0" i="0" u="none" strike="noStrike" kern="1200" spc="0" baseline="0">
-                <a:solidFill>
-                  <a:schemeClr val="tx1">
-                    <a:lumMod val="65000"/>
-                    <a:lumOff val="35000"/>
-                  </a:schemeClr>
-                </a:solidFill>
-                <a:latin typeface="+mn-lt"/>
-                <a:ea typeface="+mn-ea"/>
-                <a:cs typeface="+mn-cs"/>
-              </a:defRPr>
-            </a:pPr>
-            <a:r>
-              <a:rPr lang="es-GT" sz="1400" b="0" i="0" u="none" strike="noStrike" baseline="0">
-                <a:effectLst/>
-              </a:rPr>
-              <a:t>Cambio de tiempo paralelización funciones</a:t>
-            </a:r>
-            <a:endParaRPr lang="es-GT"/>
-          </a:p>
-        </c:rich>
-      </c:tx>
-      <c:overlay val="0"/>
-      <c:spPr>
-        <a:noFill/>
-        <a:ln>
-          <a:noFill/>
-        </a:ln>
-        <a:effectLst/>
-      </c:spPr>
-      <c:txPr>
-        <a:bodyPr rot="0" spcFirstLastPara="1" vertOverflow="ellipsis" vert="horz" wrap="square" anchor="ctr" anchorCtr="1"/>
-        <a:lstStyle/>
-        <a:p>
-          <a:pPr>
-            <a:defRPr sz="1400" b="0" i="0" u="none" strike="noStrike" kern="1200" spc="0" baseline="0">
-              <a:solidFill>
-                <a:schemeClr val="tx1">
-                  <a:lumMod val="65000"/>
-                  <a:lumOff val="35000"/>
-                </a:schemeClr>
-              </a:solidFill>
-              <a:latin typeface="+mn-lt"/>
-              <a:ea typeface="+mn-ea"/>
-              <a:cs typeface="+mn-cs"/>
-            </a:defRPr>
-          </a:pPr>
-          <a:endParaRPr lang="es-GT"/>
-        </a:p>
-      </c:txPr>
-    </c:title>
-    <c:autoTitleDeleted val="0"/>
-    <c:plotArea>
-      <c:layout/>
-      <c:lineChart>
-        <c:grouping val="standard"/>
-        <c:varyColors val="0"/>
-        <c:ser>
-          <c:idx val="2"/>
-          <c:order val="2"/>
-          <c:tx>
-            <c:strRef>
-              <c:f>'https://ufmail-my.sharepoint.com/personal/mariopisquiy_office_ufm_edu/Documents/[Ejecuciones Proyecto Hilos.xlsx]Ejecuciones'!$A$12</c:f>
-              <c:strCache>
-                <c:ptCount val="1"/>
-                <c:pt idx="0">
-                  <c:v>2 core - 2 hilos</c:v>
-                </c:pt>
-              </c:strCache>
-            </c:strRef>
-          </c:tx>
-          <c:spPr>
-            <a:ln w="28575" cap="rnd">
-              <a:solidFill>
-                <a:schemeClr val="accent3"/>
-              </a:solidFill>
-              <a:round/>
-            </a:ln>
-            <a:effectLst/>
-          </c:spPr>
-          <c:marker>
-            <c:symbol val="none"/>
-          </c:marker>
-          <c:val>
-            <c:numRef>
-              <c:f>[2]Ejecuciones!$B$12:$K$12</c:f>
-              <c:numCache>
-                <c:formatCode>General</c:formatCode>
-                <c:ptCount val="10"/>
-                <c:pt idx="0">
-                  <c:v>17.670000000000002</c:v>
-                </c:pt>
-                <c:pt idx="1">
-                  <c:v>17.420000000000002</c:v>
-                </c:pt>
-                <c:pt idx="2">
-                  <c:v>17.37</c:v>
-                </c:pt>
-                <c:pt idx="3">
-                  <c:v>17.64</c:v>
-                </c:pt>
-                <c:pt idx="4">
-                  <c:v>17.63</c:v>
-                </c:pt>
-                <c:pt idx="5">
-                  <c:v>17.7</c:v>
-                </c:pt>
-                <c:pt idx="6">
-                  <c:v>17.309999999999999</c:v>
-                </c:pt>
-                <c:pt idx="7">
-                  <c:v>17.54</c:v>
-                </c:pt>
-                <c:pt idx="8">
-                  <c:v>17.64</c:v>
-                </c:pt>
-                <c:pt idx="9">
-                  <c:v>16.97</c:v>
-                </c:pt>
-              </c:numCache>
-            </c:numRef>
-          </c:val>
-          <c:smooth val="0"/>
-          <c:extLst>
-            <c:ext xmlns:c16="http://schemas.microsoft.com/office/drawing/2014/chart" uri="{C3380CC4-5D6E-409C-BE32-E72D297353CC}">
-              <c16:uniqueId val="{00000000-E62B-4DD5-83F2-6CC96EB50CBF}"/>
-            </c:ext>
-          </c:extLst>
-        </c:ser>
-        <c:ser>
-          <c:idx val="3"/>
-          <c:order val="3"/>
-          <c:tx>
-            <c:strRef>
-              <c:f>'https://ufmail-my.sharepoint.com/personal/mariopisquiy_office_ufm_edu/Documents/[Ejecuciones Proyecto Hilos.xlsx]Ejecuciones'!$A$13</c:f>
-              <c:strCache>
-                <c:ptCount val="1"/>
-                <c:pt idx="0">
-                  <c:v>2 core - 4 hilos</c:v>
-                </c:pt>
-              </c:strCache>
-            </c:strRef>
-          </c:tx>
-          <c:spPr>
-            <a:ln w="28575" cap="rnd">
-              <a:solidFill>
-                <a:schemeClr val="accent4"/>
-              </a:solidFill>
-              <a:round/>
-            </a:ln>
-            <a:effectLst/>
-          </c:spPr>
-          <c:marker>
-            <c:symbol val="none"/>
-          </c:marker>
-          <c:val>
-            <c:numRef>
-              <c:f>[2]Ejecuciones!$B$13:$K$13</c:f>
-              <c:numCache>
-                <c:formatCode>General</c:formatCode>
-                <c:ptCount val="10"/>
-                <c:pt idx="0">
-                  <c:v>18.28</c:v>
-                </c:pt>
-                <c:pt idx="1">
-                  <c:v>18.440000000000001</c:v>
-                </c:pt>
-                <c:pt idx="2">
-                  <c:v>18.25</c:v>
-                </c:pt>
-                <c:pt idx="3">
-                  <c:v>17.96</c:v>
-                </c:pt>
-                <c:pt idx="4">
-                  <c:v>18.649999999999999</c:v>
-                </c:pt>
-                <c:pt idx="5">
-                  <c:v>18.170000000000002</c:v>
-                </c:pt>
-                <c:pt idx="6">
-                  <c:v>18.21</c:v>
-                </c:pt>
-                <c:pt idx="7">
-                  <c:v>18.37</c:v>
-                </c:pt>
-                <c:pt idx="8">
-                  <c:v>18.14</c:v>
-                </c:pt>
-                <c:pt idx="9">
-                  <c:v>18.690000000000001</c:v>
-                </c:pt>
-              </c:numCache>
-            </c:numRef>
-          </c:val>
-          <c:smooth val="0"/>
-          <c:extLst>
-            <c:ext xmlns:c16="http://schemas.microsoft.com/office/drawing/2014/chart" uri="{C3380CC4-5D6E-409C-BE32-E72D297353CC}">
-              <c16:uniqueId val="{00000001-E62B-4DD5-83F2-6CC96EB50CBF}"/>
-            </c:ext>
-          </c:extLst>
-        </c:ser>
-        <c:ser>
-          <c:idx val="4"/>
-          <c:order val="4"/>
-          <c:tx>
-            <c:strRef>
-              <c:f>'https://ufmail-my.sharepoint.com/personal/mariopisquiy_office_ufm_edu/Documents/[Ejecuciones Proyecto Hilos.xlsx]Ejecuciones'!$A$14</c:f>
-              <c:strCache>
-                <c:ptCount val="1"/>
-                <c:pt idx="0">
-                  <c:v>2 core - 8 hilos</c:v>
-                </c:pt>
-              </c:strCache>
-            </c:strRef>
-          </c:tx>
-          <c:spPr>
-            <a:ln w="28575" cap="rnd">
-              <a:solidFill>
-                <a:schemeClr val="accent5"/>
-              </a:solidFill>
-              <a:round/>
-            </a:ln>
-            <a:effectLst/>
-          </c:spPr>
-          <c:marker>
-            <c:symbol val="none"/>
-          </c:marker>
-          <c:val>
-            <c:numRef>
-              <c:f>[2]Ejecuciones!$B$14:$K$14</c:f>
-              <c:numCache>
-                <c:formatCode>General</c:formatCode>
-                <c:ptCount val="10"/>
-                <c:pt idx="0">
-                  <c:v>18.489999999999998</c:v>
-                </c:pt>
-                <c:pt idx="1">
-                  <c:v>18.63</c:v>
-                </c:pt>
-                <c:pt idx="2">
-                  <c:v>18.71</c:v>
-                </c:pt>
-                <c:pt idx="3">
-                  <c:v>18.96</c:v>
-                </c:pt>
-                <c:pt idx="4">
-                  <c:v>18.77</c:v>
-                </c:pt>
-                <c:pt idx="5">
-                  <c:v>18.510000000000002</c:v>
-                </c:pt>
-                <c:pt idx="6">
-                  <c:v>18.57</c:v>
-                </c:pt>
-                <c:pt idx="7">
-                  <c:v>18.48</c:v>
-                </c:pt>
-                <c:pt idx="8">
-                  <c:v>18.5</c:v>
-                </c:pt>
-                <c:pt idx="9">
-                  <c:v>18.66</c:v>
-                </c:pt>
-              </c:numCache>
-            </c:numRef>
-          </c:val>
-          <c:smooth val="0"/>
-          <c:extLst>
-            <c:ext xmlns:c16="http://schemas.microsoft.com/office/drawing/2014/chart" uri="{C3380CC4-5D6E-409C-BE32-E72D297353CC}">
-              <c16:uniqueId val="{00000002-E62B-4DD5-83F2-6CC96EB50CBF}"/>
-            </c:ext>
-          </c:extLst>
-        </c:ser>
-        <c:ser>
-          <c:idx val="5"/>
-          <c:order val="5"/>
-          <c:tx>
-            <c:strRef>
-              <c:f>'https://ufmail-my.sharepoint.com/personal/mariopisquiy_office_ufm_edu/Documents/[Ejecuciones Proyecto Hilos.xlsx]Ejecuciones'!$A$15</c:f>
-              <c:strCache>
-                <c:ptCount val="1"/>
-                <c:pt idx="0">
-                  <c:v>4 core - 8 hilos</c:v>
-                </c:pt>
-              </c:strCache>
-            </c:strRef>
-          </c:tx>
-          <c:spPr>
-            <a:ln w="28575" cap="rnd">
-              <a:solidFill>
-                <a:schemeClr val="accent6"/>
-              </a:solidFill>
-              <a:round/>
-            </a:ln>
-            <a:effectLst/>
-          </c:spPr>
-          <c:marker>
-            <c:symbol val="none"/>
-          </c:marker>
-          <c:val>
-            <c:numRef>
-              <c:f>[2]Ejecuciones!$B$15:$K$15</c:f>
-              <c:numCache>
-                <c:formatCode>General</c:formatCode>
-                <c:ptCount val="10"/>
-                <c:pt idx="0">
-                  <c:v>18.64</c:v>
-                </c:pt>
-                <c:pt idx="1">
-                  <c:v>19.149999999999999</c:v>
-                </c:pt>
-                <c:pt idx="2">
-                  <c:v>18.41</c:v>
-                </c:pt>
-                <c:pt idx="3">
-                  <c:v>18.54</c:v>
-                </c:pt>
-                <c:pt idx="4">
-                  <c:v>18.59</c:v>
-                </c:pt>
-                <c:pt idx="5">
-                  <c:v>18.510000000000002</c:v>
-                </c:pt>
-                <c:pt idx="6">
-                  <c:v>18.71</c:v>
-                </c:pt>
-                <c:pt idx="7">
-                  <c:v>18.47</c:v>
-                </c:pt>
-                <c:pt idx="8">
-                  <c:v>18.34</c:v>
-                </c:pt>
-                <c:pt idx="9">
-                  <c:v>18.46</c:v>
-                </c:pt>
-              </c:numCache>
-            </c:numRef>
-          </c:val>
-          <c:smooth val="0"/>
-          <c:extLst>
-            <c:ext xmlns:c16="http://schemas.microsoft.com/office/drawing/2014/chart" uri="{C3380CC4-5D6E-409C-BE32-E72D297353CC}">
-              <c16:uniqueId val="{00000003-E62B-4DD5-83F2-6CC96EB50CBF}"/>
-            </c:ext>
-          </c:extLst>
-        </c:ser>
-        <c:dLbls>
-          <c:showLegendKey val="0"/>
-          <c:showVal val="0"/>
-          <c:showCatName val="0"/>
-          <c:showSerName val="0"/>
-          <c:showPercent val="0"/>
-          <c:showBubbleSize val="0"/>
-        </c:dLbls>
-        <c:smooth val="0"/>
-        <c:axId val="36326928"/>
-        <c:axId val="36329328"/>
-        <c:extLst>
-          <c:ext xmlns:c15="http://schemas.microsoft.com/office/drawing/2012/chart" uri="{02D57815-91ED-43cb-92C2-25804820EDAC}">
-            <c15:filteredLineSeries>
-              <c15:ser>
-                <c:idx val="0"/>
-                <c:order val="0"/>
-                <c:tx>
-                  <c:strRef>
-                    <c:extLst>
-                      <c:ext uri="{02D57815-91ED-43cb-92C2-25804820EDAC}">
-                        <c15:formulaRef>
-                          <c15:sqref>'https://ufmail-my.sharepoint.com/personal/mariopisquiy_office_ufm_edu/Documents/[Ejecuciones Proyecto Hilos.xlsx]Ejecuciones'!$A$10</c15:sqref>
-                        </c15:formulaRef>
-                      </c:ext>
-                    </c:extLst>
-                    <c:strCache>
-                      <c:ptCount val="1"/>
-                      <c:pt idx="0">
-                        <c:v>1 core - 1 hilo</c:v>
-                      </c:pt>
-                    </c:strCache>
-                  </c:strRef>
-                </c:tx>
-                <c:spPr>
-                  <a:ln w="28575" cap="rnd">
-                    <a:solidFill>
-                      <a:schemeClr val="accent1"/>
-                    </a:solidFill>
-                    <a:round/>
-                  </a:ln>
-                  <a:effectLst/>
-                </c:spPr>
-                <c:marker>
-                  <c:symbol val="none"/>
-                </c:marker>
-                <c:val>
-                  <c:numRef>
-                    <c:extLst>
-                      <c:ext uri="{02D57815-91ED-43cb-92C2-25804820EDAC}">
-                        <c15:formulaRef>
-                          <c15:sqref>[2]Ejecuciones!$B$10:$K$10</c15:sqref>
-                        </c15:formulaRef>
-                      </c:ext>
-                    </c:extLst>
-                    <c:numCache>
-                      <c:formatCode>General</c:formatCode>
-                      <c:ptCount val="10"/>
-                      <c:pt idx="0">
-                        <c:v>17.39</c:v>
-                      </c:pt>
-                      <c:pt idx="1">
-                        <c:v>17.55</c:v>
-                      </c:pt>
-                      <c:pt idx="2">
-                        <c:v>17.36</c:v>
-                      </c:pt>
-                      <c:pt idx="3">
-                        <c:v>17.43</c:v>
-                      </c:pt>
-                      <c:pt idx="4">
-                        <c:v>17.190000000000001</c:v>
-                      </c:pt>
-                      <c:pt idx="5">
-                        <c:v>16.920000000000002</c:v>
-                      </c:pt>
-                      <c:pt idx="6">
-                        <c:v>17.309999999999999</c:v>
-                      </c:pt>
-                      <c:pt idx="7">
-                        <c:v>16.71</c:v>
-                      </c:pt>
-                      <c:pt idx="8">
-                        <c:v>16.98</c:v>
-                      </c:pt>
-                      <c:pt idx="9">
-                        <c:v>17.68</c:v>
-                      </c:pt>
-                    </c:numCache>
-                  </c:numRef>
-                </c:val>
-                <c:smooth val="0"/>
-                <c:extLst>
-                  <c:ext xmlns:c16="http://schemas.microsoft.com/office/drawing/2014/chart" uri="{C3380CC4-5D6E-409C-BE32-E72D297353CC}">
-                    <c16:uniqueId val="{00000004-E62B-4DD5-83F2-6CC96EB50CBF}"/>
-                  </c:ext>
-                </c:extLst>
-              </c15:ser>
-            </c15:filteredLineSeries>
-            <c15:filteredLineSeries>
-              <c15:ser>
-                <c:idx val="1"/>
-                <c:order val="1"/>
-                <c:tx>
-                  <c:strRef>
-                    <c:extLst xmlns:c15="http://schemas.microsoft.com/office/drawing/2012/chart">
-                      <c:ext xmlns:c15="http://schemas.microsoft.com/office/drawing/2012/chart" uri="{02D57815-91ED-43cb-92C2-25804820EDAC}">
-                        <c15:formulaRef>
-                          <c15:sqref>'https://ufmail-my.sharepoint.com/personal/mariopisquiy_office_ufm_edu/Documents/[Ejecuciones Proyecto Hilos.xlsx]Ejecuciones'!$A$11</c15:sqref>
-                        </c15:formulaRef>
-                      </c:ext>
-                    </c:extLst>
-                    <c:strCache>
-                      <c:ptCount val="1"/>
-                      <c:pt idx="0">
-                        <c:v>1 core - 4 hilos</c:v>
-                      </c:pt>
-                    </c:strCache>
-                  </c:strRef>
-                </c:tx>
-                <c:spPr>
-                  <a:ln w="28575" cap="rnd">
-                    <a:solidFill>
-                      <a:schemeClr val="accent2"/>
-                    </a:solidFill>
-                    <a:round/>
-                  </a:ln>
-                  <a:effectLst/>
-                </c:spPr>
-                <c:marker>
-                  <c:symbol val="none"/>
-                </c:marker>
-                <c:val>
-                  <c:numRef>
-                    <c:extLst xmlns:c15="http://schemas.microsoft.com/office/drawing/2012/chart">
-                      <c:ext xmlns:c15="http://schemas.microsoft.com/office/drawing/2012/chart" uri="{02D57815-91ED-43cb-92C2-25804820EDAC}">
-                        <c15:formulaRef>
-                          <c15:sqref>[2]Ejecuciones!$B$11:$K$11</c15:sqref>
-                        </c15:formulaRef>
-                      </c:ext>
-                    </c:extLst>
-                    <c:numCache>
-                      <c:formatCode>General</c:formatCode>
-                      <c:ptCount val="10"/>
-                      <c:pt idx="0">
-                        <c:v>18.809999999999999</c:v>
-                      </c:pt>
-                      <c:pt idx="1">
-                        <c:v>18.47</c:v>
-                      </c:pt>
-                      <c:pt idx="2">
-                        <c:v>18.829999999999998</c:v>
-                      </c:pt>
-                      <c:pt idx="3">
-                        <c:v>18.36</c:v>
-                      </c:pt>
-                      <c:pt idx="4">
-                        <c:v>18.89</c:v>
-                      </c:pt>
-                      <c:pt idx="5">
-                        <c:v>18.53</c:v>
-                      </c:pt>
-                      <c:pt idx="6">
-                        <c:v>18.2</c:v>
-                      </c:pt>
-                      <c:pt idx="7">
-                        <c:v>18.82</c:v>
-                      </c:pt>
-                      <c:pt idx="8">
-                        <c:v>19.14</c:v>
-                      </c:pt>
-                      <c:pt idx="9">
-                        <c:v>18.75</c:v>
-                      </c:pt>
-                    </c:numCache>
-                  </c:numRef>
-                </c:val>
-                <c:smooth val="0"/>
-                <c:extLst xmlns:c15="http://schemas.microsoft.com/office/drawing/2012/chart">
-                  <c:ext xmlns:c16="http://schemas.microsoft.com/office/drawing/2014/chart" uri="{C3380CC4-5D6E-409C-BE32-E72D297353CC}">
-                    <c16:uniqueId val="{00000005-E62B-4DD5-83F2-6CC96EB50CBF}"/>
-                  </c:ext>
-                </c:extLst>
-              </c15:ser>
-            </c15:filteredLineSeries>
-          </c:ext>
-        </c:extLst>
-      </c:lineChart>
-      <c:catAx>
-        <c:axId val="36326928"/>
-        <c:scaling>
-          <c:orientation val="minMax"/>
-        </c:scaling>
-        <c:delete val="0"/>
-        <c:axPos val="b"/>
-        <c:majorTickMark val="none"/>
-        <c:minorTickMark val="none"/>
-        <c:tickLblPos val="nextTo"/>
-        <c:spPr>
-          <a:noFill/>
-          <a:ln w="9525" cap="flat" cmpd="sng" algn="ctr">
-            <a:solidFill>
-              <a:schemeClr val="tx1">
-                <a:lumMod val="15000"/>
-                <a:lumOff val="85000"/>
-              </a:schemeClr>
-            </a:solidFill>
-            <a:round/>
-          </a:ln>
-          <a:effectLst/>
-        </c:spPr>
-        <c:txPr>
-          <a:bodyPr rot="-60000000" spcFirstLastPara="1" vertOverflow="ellipsis" vert="horz" wrap="square" anchor="ctr" anchorCtr="1"/>
-          <a:lstStyle/>
-          <a:p>
-            <a:pPr>
-              <a:defRPr sz="900" b="0" i="0" u="none" strike="noStrike" kern="1200" baseline="0">
-                <a:solidFill>
-                  <a:schemeClr val="tx1">
-                    <a:lumMod val="65000"/>
-                    <a:lumOff val="35000"/>
-                  </a:schemeClr>
-                </a:solidFill>
-                <a:latin typeface="+mn-lt"/>
-                <a:ea typeface="+mn-ea"/>
-                <a:cs typeface="+mn-cs"/>
-              </a:defRPr>
-            </a:pPr>
-            <a:endParaRPr lang="es-GT"/>
-          </a:p>
-        </c:txPr>
-        <c:crossAx val="36329328"/>
-        <c:crosses val="autoZero"/>
-        <c:auto val="1"/>
-        <c:lblAlgn val="ctr"/>
-        <c:lblOffset val="100"/>
-        <c:noMultiLvlLbl val="0"/>
-      </c:catAx>
-      <c:valAx>
-        <c:axId val="36329328"/>
-        <c:scaling>
-          <c:orientation val="minMax"/>
-        </c:scaling>
-        <c:delete val="0"/>
-        <c:axPos val="l"/>
-        <c:majorGridlines>
-          <c:spPr>
-            <a:ln w="9525" cap="flat" cmpd="sng" algn="ctr">
-              <a:solidFill>
-                <a:schemeClr val="tx1">
-                  <a:lumMod val="15000"/>
-                  <a:lumOff val="85000"/>
-                </a:schemeClr>
-              </a:solidFill>
-              <a:round/>
-            </a:ln>
-            <a:effectLst/>
-          </c:spPr>
-        </c:majorGridlines>
-        <c:numFmt formatCode="General" sourceLinked="1"/>
-        <c:majorTickMark val="none"/>
-        <c:minorTickMark val="none"/>
-        <c:tickLblPos val="nextTo"/>
-        <c:spPr>
-          <a:noFill/>
-          <a:ln>
-            <a:noFill/>
-          </a:ln>
-          <a:effectLst/>
-        </c:spPr>
-        <c:txPr>
-          <a:bodyPr rot="-60000000" spcFirstLastPara="1" vertOverflow="ellipsis" vert="horz" wrap="square" anchor="ctr" anchorCtr="1"/>
-          <a:lstStyle/>
-          <a:p>
-            <a:pPr>
-              <a:defRPr sz="900" b="0" i="0" u="none" strike="noStrike" kern="1200" baseline="0">
-                <a:solidFill>
-                  <a:schemeClr val="tx1">
-                    <a:lumMod val="65000"/>
-                    <a:lumOff val="35000"/>
-                  </a:schemeClr>
-                </a:solidFill>
-                <a:latin typeface="+mn-lt"/>
-                <a:ea typeface="+mn-ea"/>
-                <a:cs typeface="+mn-cs"/>
-              </a:defRPr>
-            </a:pPr>
-            <a:endParaRPr lang="es-GT"/>
-          </a:p>
-        </c:txPr>
-        <c:crossAx val="36326928"/>
-        <c:crosses val="autoZero"/>
-        <c:crossBetween val="between"/>
-      </c:valAx>
-      <c:spPr>
-        <a:noFill/>
-        <a:ln>
-          <a:noFill/>
-        </a:ln>
-        <a:effectLst/>
-      </c:spPr>
-    </c:plotArea>
-    <c:legend>
-      <c:legendPos val="b"/>
+      <c:legendPos val="r"/>
       <c:overlay val="0"/>
       <c:spPr>
         <a:noFill/>
@@ -5067,166 +2808,6 @@
 </file>
 
 <file path=ppt/charts/colors4.xml><?xml version="1.0" encoding="utf-8"?>
-<cs:colorStyle xmlns:cs="http://schemas.microsoft.com/office/drawing/2012/chartStyle" xmlns:a="http://schemas.openxmlformats.org/drawingml/2006/main" meth="cycle" id="10">
-  <a:schemeClr val="accent1"/>
-  <a:schemeClr val="accent2"/>
-  <a:schemeClr val="accent3"/>
-  <a:schemeClr val="accent4"/>
-  <a:schemeClr val="accent5"/>
-  <a:schemeClr val="accent6"/>
-  <cs:variation/>
-  <cs:variation>
-    <a:lumMod val="60000"/>
-  </cs:variation>
-  <cs:variation>
-    <a:lumMod val="80000"/>
-    <a:lumOff val="20000"/>
-  </cs:variation>
-  <cs:variation>
-    <a:lumMod val="80000"/>
-  </cs:variation>
-  <cs:variation>
-    <a:lumMod val="60000"/>
-    <a:lumOff val="40000"/>
-  </cs:variation>
-  <cs:variation>
-    <a:lumMod val="50000"/>
-  </cs:variation>
-  <cs:variation>
-    <a:lumMod val="70000"/>
-    <a:lumOff val="30000"/>
-  </cs:variation>
-  <cs:variation>
-    <a:lumMod val="70000"/>
-  </cs:variation>
-  <cs:variation>
-    <a:lumMod val="50000"/>
-    <a:lumOff val="50000"/>
-  </cs:variation>
-</cs:colorStyle>
-</file>
-
-<file path=ppt/charts/colors5.xml><?xml version="1.0" encoding="utf-8"?>
-<cs:colorStyle xmlns:cs="http://schemas.microsoft.com/office/drawing/2012/chartStyle" xmlns:a="http://schemas.openxmlformats.org/drawingml/2006/main" meth="cycle" id="10">
-  <a:schemeClr val="accent1"/>
-  <a:schemeClr val="accent2"/>
-  <a:schemeClr val="accent3"/>
-  <a:schemeClr val="accent4"/>
-  <a:schemeClr val="accent5"/>
-  <a:schemeClr val="accent6"/>
-  <cs:variation/>
-  <cs:variation>
-    <a:lumMod val="60000"/>
-  </cs:variation>
-  <cs:variation>
-    <a:lumMod val="80000"/>
-    <a:lumOff val="20000"/>
-  </cs:variation>
-  <cs:variation>
-    <a:lumMod val="80000"/>
-  </cs:variation>
-  <cs:variation>
-    <a:lumMod val="60000"/>
-    <a:lumOff val="40000"/>
-  </cs:variation>
-  <cs:variation>
-    <a:lumMod val="50000"/>
-  </cs:variation>
-  <cs:variation>
-    <a:lumMod val="70000"/>
-    <a:lumOff val="30000"/>
-  </cs:variation>
-  <cs:variation>
-    <a:lumMod val="70000"/>
-  </cs:variation>
-  <cs:variation>
-    <a:lumMod val="50000"/>
-    <a:lumOff val="50000"/>
-  </cs:variation>
-</cs:colorStyle>
-</file>
-
-<file path=ppt/charts/colors6.xml><?xml version="1.0" encoding="utf-8"?>
-<cs:colorStyle xmlns:cs="http://schemas.microsoft.com/office/drawing/2012/chartStyle" xmlns:a="http://schemas.openxmlformats.org/drawingml/2006/main" meth="cycle" id="10">
-  <a:schemeClr val="accent1"/>
-  <a:schemeClr val="accent2"/>
-  <a:schemeClr val="accent3"/>
-  <a:schemeClr val="accent4"/>
-  <a:schemeClr val="accent5"/>
-  <a:schemeClr val="accent6"/>
-  <cs:variation/>
-  <cs:variation>
-    <a:lumMod val="60000"/>
-  </cs:variation>
-  <cs:variation>
-    <a:lumMod val="80000"/>
-    <a:lumOff val="20000"/>
-  </cs:variation>
-  <cs:variation>
-    <a:lumMod val="80000"/>
-  </cs:variation>
-  <cs:variation>
-    <a:lumMod val="60000"/>
-    <a:lumOff val="40000"/>
-  </cs:variation>
-  <cs:variation>
-    <a:lumMod val="50000"/>
-  </cs:variation>
-  <cs:variation>
-    <a:lumMod val="70000"/>
-    <a:lumOff val="30000"/>
-  </cs:variation>
-  <cs:variation>
-    <a:lumMod val="70000"/>
-  </cs:variation>
-  <cs:variation>
-    <a:lumMod val="50000"/>
-    <a:lumOff val="50000"/>
-  </cs:variation>
-</cs:colorStyle>
-</file>
-
-<file path=ppt/charts/colors7.xml><?xml version="1.0" encoding="utf-8"?>
-<cs:colorStyle xmlns:cs="http://schemas.microsoft.com/office/drawing/2012/chartStyle" xmlns:a="http://schemas.openxmlformats.org/drawingml/2006/main" meth="cycle" id="10">
-  <a:schemeClr val="accent1"/>
-  <a:schemeClr val="accent2"/>
-  <a:schemeClr val="accent3"/>
-  <a:schemeClr val="accent4"/>
-  <a:schemeClr val="accent5"/>
-  <a:schemeClr val="accent6"/>
-  <cs:variation/>
-  <cs:variation>
-    <a:lumMod val="60000"/>
-  </cs:variation>
-  <cs:variation>
-    <a:lumMod val="80000"/>
-    <a:lumOff val="20000"/>
-  </cs:variation>
-  <cs:variation>
-    <a:lumMod val="80000"/>
-  </cs:variation>
-  <cs:variation>
-    <a:lumMod val="60000"/>
-    <a:lumOff val="40000"/>
-  </cs:variation>
-  <cs:variation>
-    <a:lumMod val="50000"/>
-  </cs:variation>
-  <cs:variation>
-    <a:lumMod val="70000"/>
-    <a:lumOff val="30000"/>
-  </cs:variation>
-  <cs:variation>
-    <a:lumMod val="70000"/>
-  </cs:variation>
-  <cs:variation>
-    <a:lumMod val="50000"/>
-    <a:lumOff val="50000"/>
-  </cs:variation>
-</cs:colorStyle>
-</file>
-
-<file path=ppt/charts/colors8.xml><?xml version="1.0" encoding="utf-8"?>
 <cs:colorStyle xmlns:cs="http://schemas.microsoft.com/office/drawing/2012/chartStyle" xmlns:a="http://schemas.openxmlformats.org/drawingml/2006/main" meth="cycle" id="10">
   <a:schemeClr val="accent1"/>
   <a:schemeClr val="accent2"/>
@@ -6273,1012 +3854,6 @@
 </file>
 
 <file path=ppt/charts/style3.xml><?xml version="1.0" encoding="utf-8"?>
-<cs:chartStyle xmlns:cs="http://schemas.microsoft.com/office/drawing/2012/chartStyle" xmlns:a="http://schemas.openxmlformats.org/drawingml/2006/main" id="332">
-  <cs:axisTitle>
-    <cs:lnRef idx="0"/>
-    <cs:fillRef idx="0"/>
-    <cs:effectRef idx="0"/>
-    <cs:fontRef idx="minor">
-      <a:schemeClr val="tx1">
-        <a:lumMod val="65000"/>
-        <a:lumOff val="35000"/>
-      </a:schemeClr>
-    </cs:fontRef>
-    <cs:defRPr sz="1000" kern="1200"/>
-  </cs:axisTitle>
-  <cs:categoryAxis>
-    <cs:lnRef idx="0"/>
-    <cs:fillRef idx="0"/>
-    <cs:effectRef idx="0"/>
-    <cs:fontRef idx="minor">
-      <a:schemeClr val="tx1">
-        <a:lumMod val="65000"/>
-        <a:lumOff val="35000"/>
-      </a:schemeClr>
-    </cs:fontRef>
-    <cs:spPr>
-      <a:ln w="9525" cap="flat" cmpd="sng" algn="ctr">
-        <a:solidFill>
-          <a:schemeClr val="tx1">
-            <a:lumMod val="15000"/>
-            <a:lumOff val="85000"/>
-          </a:schemeClr>
-        </a:solidFill>
-        <a:round/>
-      </a:ln>
-    </cs:spPr>
-    <cs:defRPr sz="900" kern="1200"/>
-  </cs:categoryAxis>
-  <cs:chartArea mods="allowNoFillOverride allowNoLineOverride">
-    <cs:lnRef idx="0"/>
-    <cs:fillRef idx="0"/>
-    <cs:effectRef idx="0"/>
-    <cs:fontRef idx="minor">
-      <a:schemeClr val="tx1"/>
-    </cs:fontRef>
-    <cs:spPr>
-      <a:solidFill>
-        <a:schemeClr val="bg1"/>
-      </a:solidFill>
-      <a:ln w="9525" cap="flat" cmpd="sng" algn="ctr">
-        <a:solidFill>
-          <a:schemeClr val="tx1">
-            <a:lumMod val="15000"/>
-            <a:lumOff val="85000"/>
-          </a:schemeClr>
-        </a:solidFill>
-        <a:round/>
-      </a:ln>
-    </cs:spPr>
-    <cs:defRPr sz="1000" kern="1200"/>
-  </cs:chartArea>
-  <cs:dataLabel>
-    <cs:lnRef idx="0"/>
-    <cs:fillRef idx="0"/>
-    <cs:effectRef idx="0"/>
-    <cs:fontRef idx="minor">
-      <a:schemeClr val="tx1">
-        <a:lumMod val="75000"/>
-        <a:lumOff val="25000"/>
-      </a:schemeClr>
-    </cs:fontRef>
-    <cs:defRPr sz="900" kern="1200"/>
-  </cs:dataLabel>
-  <cs:dataLabelCallout>
-    <cs:lnRef idx="0"/>
-    <cs:fillRef idx="0"/>
-    <cs:effectRef idx="0"/>
-    <cs:fontRef idx="minor">
-      <a:schemeClr val="dk1">
-        <a:lumMod val="65000"/>
-        <a:lumOff val="35000"/>
-      </a:schemeClr>
-    </cs:fontRef>
-    <cs:spPr>
-      <a:solidFill>
-        <a:schemeClr val="lt1"/>
-      </a:solidFill>
-      <a:ln>
-        <a:solidFill>
-          <a:schemeClr val="dk1">
-            <a:lumMod val="25000"/>
-            <a:lumOff val="75000"/>
-          </a:schemeClr>
-        </a:solidFill>
-      </a:ln>
-    </cs:spPr>
-    <cs:defRPr sz="900" kern="1200"/>
-    <cs:bodyPr rot="0" spcFirstLastPara="1" vertOverflow="clip" horzOverflow="clip" vert="horz" wrap="square" lIns="36576" tIns="18288" rIns="36576" bIns="18288" anchor="ctr" anchorCtr="1">
-      <a:spAutoFit/>
-    </cs:bodyPr>
-  </cs:dataLabelCallout>
-  <cs:dataPoint>
-    <cs:lnRef idx="0"/>
-    <cs:fillRef idx="1">
-      <cs:styleClr val="auto"/>
-    </cs:fillRef>
-    <cs:effectRef idx="0"/>
-    <cs:fontRef idx="minor">
-      <a:schemeClr val="tx1"/>
-    </cs:fontRef>
-  </cs:dataPoint>
-  <cs:dataPoint3D>
-    <cs:lnRef idx="0"/>
-    <cs:fillRef idx="1">
-      <cs:styleClr val="auto"/>
-    </cs:fillRef>
-    <cs:effectRef idx="0"/>
-    <cs:fontRef idx="minor">
-      <a:schemeClr val="tx1"/>
-    </cs:fontRef>
-  </cs:dataPoint3D>
-  <cs:dataPointLine>
-    <cs:lnRef idx="0">
-      <cs:styleClr val="auto"/>
-    </cs:lnRef>
-    <cs:fillRef idx="1"/>
-    <cs:effectRef idx="0"/>
-    <cs:fontRef idx="minor">
-      <a:schemeClr val="tx1"/>
-    </cs:fontRef>
-    <cs:spPr>
-      <a:ln w="28575" cap="rnd">
-        <a:solidFill>
-          <a:schemeClr val="phClr"/>
-        </a:solidFill>
-        <a:round/>
-      </a:ln>
-    </cs:spPr>
-  </cs:dataPointLine>
-  <cs:dataPointMarker>
-    <cs:lnRef idx="0">
-      <cs:styleClr val="auto"/>
-    </cs:lnRef>
-    <cs:fillRef idx="1">
-      <cs:styleClr val="auto"/>
-    </cs:fillRef>
-    <cs:effectRef idx="0"/>
-    <cs:fontRef idx="minor">
-      <a:schemeClr val="tx1"/>
-    </cs:fontRef>
-    <cs:spPr>
-      <a:ln w="9525">
-        <a:solidFill>
-          <a:schemeClr val="phClr"/>
-        </a:solidFill>
-      </a:ln>
-    </cs:spPr>
-  </cs:dataPointMarker>
-  <cs:dataPointMarkerLayout symbol="circle" size="5"/>
-  <cs:dataPointWireframe>
-    <cs:lnRef idx="0">
-      <cs:styleClr val="auto"/>
-    </cs:lnRef>
-    <cs:fillRef idx="1"/>
-    <cs:effectRef idx="0"/>
-    <cs:fontRef idx="minor">
-      <a:schemeClr val="tx1"/>
-    </cs:fontRef>
-    <cs:spPr>
-      <a:ln w="9525" cap="rnd">
-        <a:solidFill>
-          <a:schemeClr val="phClr"/>
-        </a:solidFill>
-        <a:round/>
-      </a:ln>
-    </cs:spPr>
-  </cs:dataPointWireframe>
-  <cs:dataTable>
-    <cs:lnRef idx="0"/>
-    <cs:fillRef idx="0"/>
-    <cs:effectRef idx="0"/>
-    <cs:fontRef idx="minor">
-      <a:schemeClr val="tx1">
-        <a:lumMod val="65000"/>
-        <a:lumOff val="35000"/>
-      </a:schemeClr>
-    </cs:fontRef>
-    <cs:spPr>
-      <a:noFill/>
-      <a:ln w="9525" cap="flat" cmpd="sng" algn="ctr">
-        <a:solidFill>
-          <a:schemeClr val="tx1">
-            <a:lumMod val="15000"/>
-            <a:lumOff val="85000"/>
-          </a:schemeClr>
-        </a:solidFill>
-        <a:round/>
-      </a:ln>
-    </cs:spPr>
-    <cs:defRPr sz="900" kern="1200"/>
-  </cs:dataTable>
-  <cs:downBar>
-    <cs:lnRef idx="0"/>
-    <cs:fillRef idx="0"/>
-    <cs:effectRef idx="0"/>
-    <cs:fontRef idx="minor">
-      <a:schemeClr val="dk1"/>
-    </cs:fontRef>
-    <cs:spPr>
-      <a:solidFill>
-        <a:schemeClr val="dk1">
-          <a:lumMod val="65000"/>
-          <a:lumOff val="35000"/>
-        </a:schemeClr>
-      </a:solidFill>
-      <a:ln w="9525">
-        <a:solidFill>
-          <a:schemeClr val="tx1">
-            <a:lumMod val="65000"/>
-            <a:lumOff val="35000"/>
-          </a:schemeClr>
-        </a:solidFill>
-      </a:ln>
-    </cs:spPr>
-  </cs:downBar>
-  <cs:dropLine>
-    <cs:lnRef idx="0"/>
-    <cs:fillRef idx="0"/>
-    <cs:effectRef idx="0"/>
-    <cs:fontRef idx="minor">
-      <a:schemeClr val="tx1"/>
-    </cs:fontRef>
-    <cs:spPr>
-      <a:ln w="9525" cap="flat" cmpd="sng" algn="ctr">
-        <a:solidFill>
-          <a:schemeClr val="tx1">
-            <a:lumMod val="35000"/>
-            <a:lumOff val="65000"/>
-          </a:schemeClr>
-        </a:solidFill>
-        <a:round/>
-      </a:ln>
-    </cs:spPr>
-  </cs:dropLine>
-  <cs:errorBar>
-    <cs:lnRef idx="0"/>
-    <cs:fillRef idx="0"/>
-    <cs:effectRef idx="0"/>
-    <cs:fontRef idx="minor">
-      <a:schemeClr val="tx1"/>
-    </cs:fontRef>
-    <cs:spPr>
-      <a:ln w="9525" cap="flat" cmpd="sng" algn="ctr">
-        <a:solidFill>
-          <a:schemeClr val="tx1">
-            <a:lumMod val="65000"/>
-            <a:lumOff val="35000"/>
-          </a:schemeClr>
-        </a:solidFill>
-        <a:round/>
-      </a:ln>
-    </cs:spPr>
-  </cs:errorBar>
-  <cs:floor>
-    <cs:lnRef idx="0"/>
-    <cs:fillRef idx="0"/>
-    <cs:effectRef idx="0"/>
-    <cs:fontRef idx="minor">
-      <a:schemeClr val="tx1"/>
-    </cs:fontRef>
-    <cs:spPr>
-      <a:noFill/>
-      <a:ln>
-        <a:noFill/>
-      </a:ln>
-    </cs:spPr>
-  </cs:floor>
-  <cs:gridlineMajor>
-    <cs:lnRef idx="0"/>
-    <cs:fillRef idx="0"/>
-    <cs:effectRef idx="0"/>
-    <cs:fontRef idx="minor">
-      <a:schemeClr val="tx1"/>
-    </cs:fontRef>
-    <cs:spPr>
-      <a:ln w="9525" cap="flat" cmpd="sng" algn="ctr">
-        <a:solidFill>
-          <a:schemeClr val="tx1">
-            <a:lumMod val="15000"/>
-            <a:lumOff val="85000"/>
-          </a:schemeClr>
-        </a:solidFill>
-        <a:round/>
-      </a:ln>
-    </cs:spPr>
-  </cs:gridlineMajor>
-  <cs:gridlineMinor>
-    <cs:lnRef idx="0"/>
-    <cs:fillRef idx="0"/>
-    <cs:effectRef idx="0"/>
-    <cs:fontRef idx="minor">
-      <a:schemeClr val="tx1"/>
-    </cs:fontRef>
-    <cs:spPr>
-      <a:ln w="9525" cap="flat" cmpd="sng" algn="ctr">
-        <a:solidFill>
-          <a:schemeClr val="tx1">
-            <a:lumMod val="5000"/>
-            <a:lumOff val="95000"/>
-          </a:schemeClr>
-        </a:solidFill>
-        <a:round/>
-      </a:ln>
-    </cs:spPr>
-  </cs:gridlineMinor>
-  <cs:hiLoLine>
-    <cs:lnRef idx="0"/>
-    <cs:fillRef idx="0"/>
-    <cs:effectRef idx="0"/>
-    <cs:fontRef idx="minor">
-      <a:schemeClr val="tx1"/>
-    </cs:fontRef>
-    <cs:spPr>
-      <a:ln w="9525" cap="flat" cmpd="sng" algn="ctr">
-        <a:solidFill>
-          <a:schemeClr val="tx1">
-            <a:lumMod val="75000"/>
-            <a:lumOff val="25000"/>
-          </a:schemeClr>
-        </a:solidFill>
-        <a:round/>
-      </a:ln>
-    </cs:spPr>
-  </cs:hiLoLine>
-  <cs:leaderLine>
-    <cs:lnRef idx="0"/>
-    <cs:fillRef idx="0"/>
-    <cs:effectRef idx="0"/>
-    <cs:fontRef idx="minor">
-      <a:schemeClr val="tx1"/>
-    </cs:fontRef>
-    <cs:spPr>
-      <a:ln w="9525" cap="flat" cmpd="sng" algn="ctr">
-        <a:solidFill>
-          <a:schemeClr val="tx1">
-            <a:lumMod val="35000"/>
-            <a:lumOff val="65000"/>
-          </a:schemeClr>
-        </a:solidFill>
-        <a:round/>
-      </a:ln>
-    </cs:spPr>
-  </cs:leaderLine>
-  <cs:legend>
-    <cs:lnRef idx="0"/>
-    <cs:fillRef idx="0"/>
-    <cs:effectRef idx="0"/>
-    <cs:fontRef idx="minor">
-      <a:schemeClr val="tx1">
-        <a:lumMod val="65000"/>
-        <a:lumOff val="35000"/>
-      </a:schemeClr>
-    </cs:fontRef>
-    <cs:defRPr sz="900" kern="1200"/>
-  </cs:legend>
-  <cs:plotArea mods="allowNoFillOverride allowNoLineOverride">
-    <cs:lnRef idx="0"/>
-    <cs:fillRef idx="0"/>
-    <cs:effectRef idx="0"/>
-    <cs:fontRef idx="minor">
-      <a:schemeClr val="tx1"/>
-    </cs:fontRef>
-  </cs:plotArea>
-  <cs:plotArea3D mods="allowNoFillOverride allowNoLineOverride">
-    <cs:lnRef idx="0"/>
-    <cs:fillRef idx="0"/>
-    <cs:effectRef idx="0"/>
-    <cs:fontRef idx="minor">
-      <a:schemeClr val="tx1"/>
-    </cs:fontRef>
-  </cs:plotArea3D>
-  <cs:seriesAxis>
-    <cs:lnRef idx="0"/>
-    <cs:fillRef idx="0"/>
-    <cs:effectRef idx="0"/>
-    <cs:fontRef idx="minor">
-      <a:schemeClr val="tx1">
-        <a:lumMod val="65000"/>
-        <a:lumOff val="35000"/>
-      </a:schemeClr>
-    </cs:fontRef>
-    <cs:defRPr sz="900" kern="1200"/>
-  </cs:seriesAxis>
-  <cs:seriesLine>
-    <cs:lnRef idx="0"/>
-    <cs:fillRef idx="0"/>
-    <cs:effectRef idx="0"/>
-    <cs:fontRef idx="minor">
-      <a:schemeClr val="tx1"/>
-    </cs:fontRef>
-    <cs:spPr>
-      <a:ln w="9525" cap="flat" cmpd="sng" algn="ctr">
-        <a:solidFill>
-          <a:schemeClr val="tx1">
-            <a:lumMod val="35000"/>
-            <a:lumOff val="65000"/>
-          </a:schemeClr>
-        </a:solidFill>
-        <a:round/>
-      </a:ln>
-    </cs:spPr>
-  </cs:seriesLine>
-  <cs:title>
-    <cs:lnRef idx="0"/>
-    <cs:fillRef idx="0"/>
-    <cs:effectRef idx="0"/>
-    <cs:fontRef idx="minor">
-      <a:schemeClr val="tx1">
-        <a:lumMod val="65000"/>
-        <a:lumOff val="35000"/>
-      </a:schemeClr>
-    </cs:fontRef>
-    <cs:defRPr sz="1400" b="0" kern="1200" spc="0" baseline="0"/>
-  </cs:title>
-  <cs:trendline>
-    <cs:lnRef idx="0">
-      <cs:styleClr val="auto"/>
-    </cs:lnRef>
-    <cs:fillRef idx="0"/>
-    <cs:effectRef idx="0"/>
-    <cs:fontRef idx="minor">
-      <a:schemeClr val="tx1"/>
-    </cs:fontRef>
-    <cs:spPr>
-      <a:ln w="19050" cap="rnd">
-        <a:solidFill>
-          <a:schemeClr val="phClr"/>
-        </a:solidFill>
-        <a:prstDash val="sysDot"/>
-      </a:ln>
-    </cs:spPr>
-  </cs:trendline>
-  <cs:trendlineLabel>
-    <cs:lnRef idx="0"/>
-    <cs:fillRef idx="0"/>
-    <cs:effectRef idx="0"/>
-    <cs:fontRef idx="minor">
-      <a:schemeClr val="tx1">
-        <a:lumMod val="65000"/>
-        <a:lumOff val="35000"/>
-      </a:schemeClr>
-    </cs:fontRef>
-    <cs:defRPr sz="900" kern="1200"/>
-  </cs:trendlineLabel>
-  <cs:upBar>
-    <cs:lnRef idx="0"/>
-    <cs:fillRef idx="0"/>
-    <cs:effectRef idx="0"/>
-    <cs:fontRef idx="minor">
-      <a:schemeClr val="dk1"/>
-    </cs:fontRef>
-    <cs:spPr>
-      <a:solidFill>
-        <a:schemeClr val="lt1"/>
-      </a:solidFill>
-      <a:ln w="9525">
-        <a:solidFill>
-          <a:schemeClr val="tx1">
-            <a:lumMod val="15000"/>
-            <a:lumOff val="85000"/>
-          </a:schemeClr>
-        </a:solidFill>
-      </a:ln>
-    </cs:spPr>
-  </cs:upBar>
-  <cs:valueAxis>
-    <cs:lnRef idx="0"/>
-    <cs:fillRef idx="0"/>
-    <cs:effectRef idx="0"/>
-    <cs:fontRef idx="minor">
-      <a:schemeClr val="tx1">
-        <a:lumMod val="65000"/>
-        <a:lumOff val="35000"/>
-      </a:schemeClr>
-    </cs:fontRef>
-    <cs:defRPr sz="900" kern="1200"/>
-  </cs:valueAxis>
-  <cs:wall>
-    <cs:lnRef idx="0"/>
-    <cs:fillRef idx="0"/>
-    <cs:effectRef idx="0"/>
-    <cs:fontRef idx="minor">
-      <a:schemeClr val="tx1"/>
-    </cs:fontRef>
-    <cs:spPr>
-      <a:noFill/>
-      <a:ln>
-        <a:noFill/>
-      </a:ln>
-    </cs:spPr>
-  </cs:wall>
-</cs:chartStyle>
-</file>
-
-<file path=ppt/charts/style4.xml><?xml version="1.0" encoding="utf-8"?>
-<cs:chartStyle xmlns:cs="http://schemas.microsoft.com/office/drawing/2012/chartStyle" xmlns:a="http://schemas.openxmlformats.org/drawingml/2006/main" id="332">
-  <cs:axisTitle>
-    <cs:lnRef idx="0"/>
-    <cs:fillRef idx="0"/>
-    <cs:effectRef idx="0"/>
-    <cs:fontRef idx="minor">
-      <a:schemeClr val="tx1">
-        <a:lumMod val="65000"/>
-        <a:lumOff val="35000"/>
-      </a:schemeClr>
-    </cs:fontRef>
-    <cs:defRPr sz="1000" kern="1200"/>
-  </cs:axisTitle>
-  <cs:categoryAxis>
-    <cs:lnRef idx="0"/>
-    <cs:fillRef idx="0"/>
-    <cs:effectRef idx="0"/>
-    <cs:fontRef idx="minor">
-      <a:schemeClr val="tx1">
-        <a:lumMod val="65000"/>
-        <a:lumOff val="35000"/>
-      </a:schemeClr>
-    </cs:fontRef>
-    <cs:spPr>
-      <a:ln w="9525" cap="flat" cmpd="sng" algn="ctr">
-        <a:solidFill>
-          <a:schemeClr val="tx1">
-            <a:lumMod val="15000"/>
-            <a:lumOff val="85000"/>
-          </a:schemeClr>
-        </a:solidFill>
-        <a:round/>
-      </a:ln>
-    </cs:spPr>
-    <cs:defRPr sz="900" kern="1200"/>
-  </cs:categoryAxis>
-  <cs:chartArea mods="allowNoFillOverride allowNoLineOverride">
-    <cs:lnRef idx="0"/>
-    <cs:fillRef idx="0"/>
-    <cs:effectRef idx="0"/>
-    <cs:fontRef idx="minor">
-      <a:schemeClr val="tx1"/>
-    </cs:fontRef>
-    <cs:spPr>
-      <a:solidFill>
-        <a:schemeClr val="bg1"/>
-      </a:solidFill>
-      <a:ln w="9525" cap="flat" cmpd="sng" algn="ctr">
-        <a:solidFill>
-          <a:schemeClr val="tx1">
-            <a:lumMod val="15000"/>
-            <a:lumOff val="85000"/>
-          </a:schemeClr>
-        </a:solidFill>
-        <a:round/>
-      </a:ln>
-    </cs:spPr>
-    <cs:defRPr sz="1000" kern="1200"/>
-  </cs:chartArea>
-  <cs:dataLabel>
-    <cs:lnRef idx="0"/>
-    <cs:fillRef idx="0"/>
-    <cs:effectRef idx="0"/>
-    <cs:fontRef idx="minor">
-      <a:schemeClr val="tx1">
-        <a:lumMod val="75000"/>
-        <a:lumOff val="25000"/>
-      </a:schemeClr>
-    </cs:fontRef>
-    <cs:defRPr sz="900" kern="1200"/>
-  </cs:dataLabel>
-  <cs:dataLabelCallout>
-    <cs:lnRef idx="0"/>
-    <cs:fillRef idx="0"/>
-    <cs:effectRef idx="0"/>
-    <cs:fontRef idx="minor">
-      <a:schemeClr val="dk1">
-        <a:lumMod val="65000"/>
-        <a:lumOff val="35000"/>
-      </a:schemeClr>
-    </cs:fontRef>
-    <cs:spPr>
-      <a:solidFill>
-        <a:schemeClr val="lt1"/>
-      </a:solidFill>
-      <a:ln>
-        <a:solidFill>
-          <a:schemeClr val="dk1">
-            <a:lumMod val="25000"/>
-            <a:lumOff val="75000"/>
-          </a:schemeClr>
-        </a:solidFill>
-      </a:ln>
-    </cs:spPr>
-    <cs:defRPr sz="900" kern="1200"/>
-    <cs:bodyPr rot="0" spcFirstLastPara="1" vertOverflow="clip" horzOverflow="clip" vert="horz" wrap="square" lIns="36576" tIns="18288" rIns="36576" bIns="18288" anchor="ctr" anchorCtr="1">
-      <a:spAutoFit/>
-    </cs:bodyPr>
-  </cs:dataLabelCallout>
-  <cs:dataPoint>
-    <cs:lnRef idx="0"/>
-    <cs:fillRef idx="1">
-      <cs:styleClr val="auto"/>
-    </cs:fillRef>
-    <cs:effectRef idx="0"/>
-    <cs:fontRef idx="minor">
-      <a:schemeClr val="tx1"/>
-    </cs:fontRef>
-  </cs:dataPoint>
-  <cs:dataPoint3D>
-    <cs:lnRef idx="0"/>
-    <cs:fillRef idx="1">
-      <cs:styleClr val="auto"/>
-    </cs:fillRef>
-    <cs:effectRef idx="0"/>
-    <cs:fontRef idx="minor">
-      <a:schemeClr val="tx1"/>
-    </cs:fontRef>
-  </cs:dataPoint3D>
-  <cs:dataPointLine>
-    <cs:lnRef idx="0">
-      <cs:styleClr val="auto"/>
-    </cs:lnRef>
-    <cs:fillRef idx="1"/>
-    <cs:effectRef idx="0"/>
-    <cs:fontRef idx="minor">
-      <a:schemeClr val="tx1"/>
-    </cs:fontRef>
-    <cs:spPr>
-      <a:ln w="28575" cap="rnd">
-        <a:solidFill>
-          <a:schemeClr val="phClr"/>
-        </a:solidFill>
-        <a:round/>
-      </a:ln>
-    </cs:spPr>
-  </cs:dataPointLine>
-  <cs:dataPointMarker>
-    <cs:lnRef idx="0">
-      <cs:styleClr val="auto"/>
-    </cs:lnRef>
-    <cs:fillRef idx="1">
-      <cs:styleClr val="auto"/>
-    </cs:fillRef>
-    <cs:effectRef idx="0"/>
-    <cs:fontRef idx="minor">
-      <a:schemeClr val="tx1"/>
-    </cs:fontRef>
-    <cs:spPr>
-      <a:ln w="9525">
-        <a:solidFill>
-          <a:schemeClr val="phClr"/>
-        </a:solidFill>
-      </a:ln>
-    </cs:spPr>
-  </cs:dataPointMarker>
-  <cs:dataPointMarkerLayout symbol="circle" size="5"/>
-  <cs:dataPointWireframe>
-    <cs:lnRef idx="0">
-      <cs:styleClr val="auto"/>
-    </cs:lnRef>
-    <cs:fillRef idx="1"/>
-    <cs:effectRef idx="0"/>
-    <cs:fontRef idx="minor">
-      <a:schemeClr val="tx1"/>
-    </cs:fontRef>
-    <cs:spPr>
-      <a:ln w="9525" cap="rnd">
-        <a:solidFill>
-          <a:schemeClr val="phClr"/>
-        </a:solidFill>
-        <a:round/>
-      </a:ln>
-    </cs:spPr>
-  </cs:dataPointWireframe>
-  <cs:dataTable>
-    <cs:lnRef idx="0"/>
-    <cs:fillRef idx="0"/>
-    <cs:effectRef idx="0"/>
-    <cs:fontRef idx="minor">
-      <a:schemeClr val="tx1">
-        <a:lumMod val="65000"/>
-        <a:lumOff val="35000"/>
-      </a:schemeClr>
-    </cs:fontRef>
-    <cs:spPr>
-      <a:noFill/>
-      <a:ln w="9525" cap="flat" cmpd="sng" algn="ctr">
-        <a:solidFill>
-          <a:schemeClr val="tx1">
-            <a:lumMod val="15000"/>
-            <a:lumOff val="85000"/>
-          </a:schemeClr>
-        </a:solidFill>
-        <a:round/>
-      </a:ln>
-    </cs:spPr>
-    <cs:defRPr sz="900" kern="1200"/>
-  </cs:dataTable>
-  <cs:downBar>
-    <cs:lnRef idx="0"/>
-    <cs:fillRef idx="0"/>
-    <cs:effectRef idx="0"/>
-    <cs:fontRef idx="minor">
-      <a:schemeClr val="dk1"/>
-    </cs:fontRef>
-    <cs:spPr>
-      <a:solidFill>
-        <a:schemeClr val="dk1">
-          <a:lumMod val="65000"/>
-          <a:lumOff val="35000"/>
-        </a:schemeClr>
-      </a:solidFill>
-      <a:ln w="9525">
-        <a:solidFill>
-          <a:schemeClr val="tx1">
-            <a:lumMod val="65000"/>
-            <a:lumOff val="35000"/>
-          </a:schemeClr>
-        </a:solidFill>
-      </a:ln>
-    </cs:spPr>
-  </cs:downBar>
-  <cs:dropLine>
-    <cs:lnRef idx="0"/>
-    <cs:fillRef idx="0"/>
-    <cs:effectRef idx="0"/>
-    <cs:fontRef idx="minor">
-      <a:schemeClr val="tx1"/>
-    </cs:fontRef>
-    <cs:spPr>
-      <a:ln w="9525" cap="flat" cmpd="sng" algn="ctr">
-        <a:solidFill>
-          <a:schemeClr val="tx1">
-            <a:lumMod val="35000"/>
-            <a:lumOff val="65000"/>
-          </a:schemeClr>
-        </a:solidFill>
-        <a:round/>
-      </a:ln>
-    </cs:spPr>
-  </cs:dropLine>
-  <cs:errorBar>
-    <cs:lnRef idx="0"/>
-    <cs:fillRef idx="0"/>
-    <cs:effectRef idx="0"/>
-    <cs:fontRef idx="minor">
-      <a:schemeClr val="tx1"/>
-    </cs:fontRef>
-    <cs:spPr>
-      <a:ln w="9525" cap="flat" cmpd="sng" algn="ctr">
-        <a:solidFill>
-          <a:schemeClr val="tx1">
-            <a:lumMod val="65000"/>
-            <a:lumOff val="35000"/>
-          </a:schemeClr>
-        </a:solidFill>
-        <a:round/>
-      </a:ln>
-    </cs:spPr>
-  </cs:errorBar>
-  <cs:floor>
-    <cs:lnRef idx="0"/>
-    <cs:fillRef idx="0"/>
-    <cs:effectRef idx="0"/>
-    <cs:fontRef idx="minor">
-      <a:schemeClr val="tx1"/>
-    </cs:fontRef>
-    <cs:spPr>
-      <a:noFill/>
-      <a:ln>
-        <a:noFill/>
-      </a:ln>
-    </cs:spPr>
-  </cs:floor>
-  <cs:gridlineMajor>
-    <cs:lnRef idx="0"/>
-    <cs:fillRef idx="0"/>
-    <cs:effectRef idx="0"/>
-    <cs:fontRef idx="minor">
-      <a:schemeClr val="tx1"/>
-    </cs:fontRef>
-    <cs:spPr>
-      <a:ln w="9525" cap="flat" cmpd="sng" algn="ctr">
-        <a:solidFill>
-          <a:schemeClr val="tx1">
-            <a:lumMod val="15000"/>
-            <a:lumOff val="85000"/>
-          </a:schemeClr>
-        </a:solidFill>
-        <a:round/>
-      </a:ln>
-    </cs:spPr>
-  </cs:gridlineMajor>
-  <cs:gridlineMinor>
-    <cs:lnRef idx="0"/>
-    <cs:fillRef idx="0"/>
-    <cs:effectRef idx="0"/>
-    <cs:fontRef idx="minor">
-      <a:schemeClr val="tx1"/>
-    </cs:fontRef>
-    <cs:spPr>
-      <a:ln w="9525" cap="flat" cmpd="sng" algn="ctr">
-        <a:solidFill>
-          <a:schemeClr val="tx1">
-            <a:lumMod val="5000"/>
-            <a:lumOff val="95000"/>
-          </a:schemeClr>
-        </a:solidFill>
-        <a:round/>
-      </a:ln>
-    </cs:spPr>
-  </cs:gridlineMinor>
-  <cs:hiLoLine>
-    <cs:lnRef idx="0"/>
-    <cs:fillRef idx="0"/>
-    <cs:effectRef idx="0"/>
-    <cs:fontRef idx="minor">
-      <a:schemeClr val="tx1"/>
-    </cs:fontRef>
-    <cs:spPr>
-      <a:ln w="9525" cap="flat" cmpd="sng" algn="ctr">
-        <a:solidFill>
-          <a:schemeClr val="tx1">
-            <a:lumMod val="75000"/>
-            <a:lumOff val="25000"/>
-          </a:schemeClr>
-        </a:solidFill>
-        <a:round/>
-      </a:ln>
-    </cs:spPr>
-  </cs:hiLoLine>
-  <cs:leaderLine>
-    <cs:lnRef idx="0"/>
-    <cs:fillRef idx="0"/>
-    <cs:effectRef idx="0"/>
-    <cs:fontRef idx="minor">
-      <a:schemeClr val="tx1"/>
-    </cs:fontRef>
-    <cs:spPr>
-      <a:ln w="9525" cap="flat" cmpd="sng" algn="ctr">
-        <a:solidFill>
-          <a:schemeClr val="tx1">
-            <a:lumMod val="35000"/>
-            <a:lumOff val="65000"/>
-          </a:schemeClr>
-        </a:solidFill>
-        <a:round/>
-      </a:ln>
-    </cs:spPr>
-  </cs:leaderLine>
-  <cs:legend>
-    <cs:lnRef idx="0"/>
-    <cs:fillRef idx="0"/>
-    <cs:effectRef idx="0"/>
-    <cs:fontRef idx="minor">
-      <a:schemeClr val="tx1">
-        <a:lumMod val="65000"/>
-        <a:lumOff val="35000"/>
-      </a:schemeClr>
-    </cs:fontRef>
-    <cs:defRPr sz="900" kern="1200"/>
-  </cs:legend>
-  <cs:plotArea mods="allowNoFillOverride allowNoLineOverride">
-    <cs:lnRef idx="0"/>
-    <cs:fillRef idx="0"/>
-    <cs:effectRef idx="0"/>
-    <cs:fontRef idx="minor">
-      <a:schemeClr val="tx1"/>
-    </cs:fontRef>
-  </cs:plotArea>
-  <cs:plotArea3D mods="allowNoFillOverride allowNoLineOverride">
-    <cs:lnRef idx="0"/>
-    <cs:fillRef idx="0"/>
-    <cs:effectRef idx="0"/>
-    <cs:fontRef idx="minor">
-      <a:schemeClr val="tx1"/>
-    </cs:fontRef>
-  </cs:plotArea3D>
-  <cs:seriesAxis>
-    <cs:lnRef idx="0"/>
-    <cs:fillRef idx="0"/>
-    <cs:effectRef idx="0"/>
-    <cs:fontRef idx="minor">
-      <a:schemeClr val="tx1">
-        <a:lumMod val="65000"/>
-        <a:lumOff val="35000"/>
-      </a:schemeClr>
-    </cs:fontRef>
-    <cs:defRPr sz="900" kern="1200"/>
-  </cs:seriesAxis>
-  <cs:seriesLine>
-    <cs:lnRef idx="0"/>
-    <cs:fillRef idx="0"/>
-    <cs:effectRef idx="0"/>
-    <cs:fontRef idx="minor">
-      <a:schemeClr val="tx1"/>
-    </cs:fontRef>
-    <cs:spPr>
-      <a:ln w="9525" cap="flat" cmpd="sng" algn="ctr">
-        <a:solidFill>
-          <a:schemeClr val="tx1">
-            <a:lumMod val="35000"/>
-            <a:lumOff val="65000"/>
-          </a:schemeClr>
-        </a:solidFill>
-        <a:round/>
-      </a:ln>
-    </cs:spPr>
-  </cs:seriesLine>
-  <cs:title>
-    <cs:lnRef idx="0"/>
-    <cs:fillRef idx="0"/>
-    <cs:effectRef idx="0"/>
-    <cs:fontRef idx="minor">
-      <a:schemeClr val="tx1">
-        <a:lumMod val="65000"/>
-        <a:lumOff val="35000"/>
-      </a:schemeClr>
-    </cs:fontRef>
-    <cs:defRPr sz="1400" b="0" kern="1200" spc="0" baseline="0"/>
-  </cs:title>
-  <cs:trendline>
-    <cs:lnRef idx="0">
-      <cs:styleClr val="auto"/>
-    </cs:lnRef>
-    <cs:fillRef idx="0"/>
-    <cs:effectRef idx="0"/>
-    <cs:fontRef idx="minor">
-      <a:schemeClr val="tx1"/>
-    </cs:fontRef>
-    <cs:spPr>
-      <a:ln w="19050" cap="rnd">
-        <a:solidFill>
-          <a:schemeClr val="phClr"/>
-        </a:solidFill>
-        <a:prstDash val="sysDot"/>
-      </a:ln>
-    </cs:spPr>
-  </cs:trendline>
-  <cs:trendlineLabel>
-    <cs:lnRef idx="0"/>
-    <cs:fillRef idx="0"/>
-    <cs:effectRef idx="0"/>
-    <cs:fontRef idx="minor">
-      <a:schemeClr val="tx1">
-        <a:lumMod val="65000"/>
-        <a:lumOff val="35000"/>
-      </a:schemeClr>
-    </cs:fontRef>
-    <cs:defRPr sz="900" kern="1200"/>
-  </cs:trendlineLabel>
-  <cs:upBar>
-    <cs:lnRef idx="0"/>
-    <cs:fillRef idx="0"/>
-    <cs:effectRef idx="0"/>
-    <cs:fontRef idx="minor">
-      <a:schemeClr val="dk1"/>
-    </cs:fontRef>
-    <cs:spPr>
-      <a:solidFill>
-        <a:schemeClr val="lt1"/>
-      </a:solidFill>
-      <a:ln w="9525">
-        <a:solidFill>
-          <a:schemeClr val="tx1">
-            <a:lumMod val="15000"/>
-            <a:lumOff val="85000"/>
-          </a:schemeClr>
-        </a:solidFill>
-      </a:ln>
-    </cs:spPr>
-  </cs:upBar>
-  <cs:valueAxis>
-    <cs:lnRef idx="0"/>
-    <cs:fillRef idx="0"/>
-    <cs:effectRef idx="0"/>
-    <cs:fontRef idx="minor">
-      <a:schemeClr val="tx1">
-        <a:lumMod val="65000"/>
-        <a:lumOff val="35000"/>
-      </a:schemeClr>
-    </cs:fontRef>
-    <cs:defRPr sz="900" kern="1200"/>
-  </cs:valueAxis>
-  <cs:wall>
-    <cs:lnRef idx="0"/>
-    <cs:fillRef idx="0"/>
-    <cs:effectRef idx="0"/>
-    <cs:fontRef idx="minor">
-      <a:schemeClr val="tx1"/>
-    </cs:fontRef>
-    <cs:spPr>
-      <a:noFill/>
-      <a:ln>
-        <a:noFill/>
-      </a:ln>
-    </cs:spPr>
-  </cs:wall>
-</cs:chartStyle>
-</file>
-
-<file path=ppt/charts/style5.xml><?xml version="1.0" encoding="utf-8"?>
 <cs:chartStyle xmlns:cs="http://schemas.microsoft.com/office/drawing/2012/chartStyle" xmlns:a="http://schemas.openxmlformats.org/drawingml/2006/main" id="227">
   <cs:axisTitle>
     <cs:lnRef idx="0"/>
@@ -7794,1039 +4369,7 @@
 </cs:chartStyle>
 </file>
 
-<file path=ppt/charts/style6.xml><?xml version="1.0" encoding="utf-8"?>
-<cs:chartStyle xmlns:cs="http://schemas.microsoft.com/office/drawing/2012/chartStyle" xmlns:a="http://schemas.openxmlformats.org/drawingml/2006/main" id="227">
-  <cs:axisTitle>
-    <cs:lnRef idx="0"/>
-    <cs:fillRef idx="0"/>
-    <cs:effectRef idx="0"/>
-    <cs:fontRef idx="minor">
-      <a:schemeClr val="tx1">
-        <a:lumMod val="65000"/>
-        <a:lumOff val="35000"/>
-      </a:schemeClr>
-    </cs:fontRef>
-    <cs:defRPr sz="1000" kern="1200"/>
-  </cs:axisTitle>
-  <cs:categoryAxis>
-    <cs:lnRef idx="0"/>
-    <cs:fillRef idx="0"/>
-    <cs:effectRef idx="0"/>
-    <cs:fontRef idx="minor">
-      <a:schemeClr val="tx1">
-        <a:lumMod val="65000"/>
-        <a:lumOff val="35000"/>
-      </a:schemeClr>
-    </cs:fontRef>
-    <cs:spPr>
-      <a:ln w="9525" cap="flat" cmpd="sng" algn="ctr">
-        <a:solidFill>
-          <a:schemeClr val="tx1">
-            <a:lumMod val="15000"/>
-            <a:lumOff val="85000"/>
-          </a:schemeClr>
-        </a:solidFill>
-        <a:round/>
-      </a:ln>
-    </cs:spPr>
-    <cs:defRPr sz="900" kern="1200"/>
-  </cs:categoryAxis>
-  <cs:chartArea mods="allowNoFillOverride allowNoLineOverride">
-    <cs:lnRef idx="0"/>
-    <cs:fillRef idx="0"/>
-    <cs:effectRef idx="0"/>
-    <cs:fontRef idx="minor">
-      <a:schemeClr val="tx1"/>
-    </cs:fontRef>
-    <cs:spPr>
-      <a:solidFill>
-        <a:schemeClr val="bg1"/>
-      </a:solidFill>
-      <a:ln w="9525" cap="flat" cmpd="sng" algn="ctr">
-        <a:solidFill>
-          <a:schemeClr val="tx1">
-            <a:lumMod val="15000"/>
-            <a:lumOff val="85000"/>
-          </a:schemeClr>
-        </a:solidFill>
-        <a:round/>
-      </a:ln>
-    </cs:spPr>
-    <cs:defRPr sz="1000" kern="1200"/>
-  </cs:chartArea>
-  <cs:dataLabel>
-    <cs:lnRef idx="0"/>
-    <cs:fillRef idx="0"/>
-    <cs:effectRef idx="0"/>
-    <cs:fontRef idx="minor">
-      <a:schemeClr val="tx1">
-        <a:lumMod val="75000"/>
-        <a:lumOff val="25000"/>
-      </a:schemeClr>
-    </cs:fontRef>
-    <cs:defRPr sz="900" kern="1200"/>
-  </cs:dataLabel>
-  <cs:dataLabelCallout>
-    <cs:lnRef idx="0"/>
-    <cs:fillRef idx="0"/>
-    <cs:effectRef idx="0"/>
-    <cs:fontRef idx="minor">
-      <a:schemeClr val="dk1">
-        <a:lumMod val="65000"/>
-        <a:lumOff val="35000"/>
-      </a:schemeClr>
-    </cs:fontRef>
-    <cs:spPr>
-      <a:solidFill>
-        <a:schemeClr val="lt1"/>
-      </a:solidFill>
-      <a:ln>
-        <a:solidFill>
-          <a:schemeClr val="dk1">
-            <a:lumMod val="25000"/>
-            <a:lumOff val="75000"/>
-          </a:schemeClr>
-        </a:solidFill>
-      </a:ln>
-    </cs:spPr>
-    <cs:defRPr sz="900" kern="1200"/>
-    <cs:bodyPr rot="0" spcFirstLastPara="1" vertOverflow="clip" horzOverflow="clip" vert="horz" wrap="square" lIns="36576" tIns="18288" rIns="36576" bIns="18288" anchor="ctr" anchorCtr="1">
-      <a:spAutoFit/>
-    </cs:bodyPr>
-  </cs:dataLabelCallout>
-  <cs:dataPoint>
-    <cs:lnRef idx="0"/>
-    <cs:fillRef idx="1">
-      <cs:styleClr val="auto"/>
-    </cs:fillRef>
-    <cs:effectRef idx="0"/>
-    <cs:fontRef idx="minor">
-      <a:schemeClr val="tx1"/>
-    </cs:fontRef>
-    <cs:spPr>
-      <a:solidFill>
-        <a:schemeClr val="phClr"/>
-      </a:solidFill>
-    </cs:spPr>
-  </cs:dataPoint>
-  <cs:dataPoint3D>
-    <cs:lnRef idx="0"/>
-    <cs:fillRef idx="1">
-      <cs:styleClr val="auto"/>
-    </cs:fillRef>
-    <cs:effectRef idx="0"/>
-    <cs:fontRef idx="minor">
-      <a:schemeClr val="tx1"/>
-    </cs:fontRef>
-    <cs:spPr>
-      <a:solidFill>
-        <a:schemeClr val="phClr"/>
-      </a:solidFill>
-    </cs:spPr>
-  </cs:dataPoint3D>
-  <cs:dataPointLine>
-    <cs:lnRef idx="0">
-      <cs:styleClr val="auto"/>
-    </cs:lnRef>
-    <cs:fillRef idx="1"/>
-    <cs:effectRef idx="0"/>
-    <cs:fontRef idx="minor">
-      <a:schemeClr val="tx1"/>
-    </cs:fontRef>
-    <cs:spPr>
-      <a:ln w="28575" cap="rnd">
-        <a:solidFill>
-          <a:schemeClr val="phClr"/>
-        </a:solidFill>
-        <a:round/>
-      </a:ln>
-    </cs:spPr>
-  </cs:dataPointLine>
-  <cs:dataPointMarker>
-    <cs:lnRef idx="0">
-      <cs:styleClr val="auto"/>
-    </cs:lnRef>
-    <cs:fillRef idx="1">
-      <cs:styleClr val="auto"/>
-    </cs:fillRef>
-    <cs:effectRef idx="0"/>
-    <cs:fontRef idx="minor">
-      <a:schemeClr val="tx1"/>
-    </cs:fontRef>
-    <cs:spPr>
-      <a:solidFill>
-        <a:schemeClr val="phClr"/>
-      </a:solidFill>
-      <a:ln w="9525">
-        <a:solidFill>
-          <a:schemeClr val="phClr"/>
-        </a:solidFill>
-      </a:ln>
-    </cs:spPr>
-  </cs:dataPointMarker>
-  <cs:dataPointMarkerLayout symbol="circle" size="5"/>
-  <cs:dataPointWireframe>
-    <cs:lnRef idx="0">
-      <cs:styleClr val="auto"/>
-    </cs:lnRef>
-    <cs:fillRef idx="1"/>
-    <cs:effectRef idx="0"/>
-    <cs:fontRef idx="minor">
-      <a:schemeClr val="tx1"/>
-    </cs:fontRef>
-    <cs:spPr>
-      <a:ln w="9525" cap="rnd">
-        <a:solidFill>
-          <a:schemeClr val="phClr"/>
-        </a:solidFill>
-        <a:round/>
-      </a:ln>
-    </cs:spPr>
-  </cs:dataPointWireframe>
-  <cs:dataTable>
-    <cs:lnRef idx="0"/>
-    <cs:fillRef idx="0"/>
-    <cs:effectRef idx="0"/>
-    <cs:fontRef idx="minor">
-      <a:schemeClr val="tx1">
-        <a:lumMod val="65000"/>
-        <a:lumOff val="35000"/>
-      </a:schemeClr>
-    </cs:fontRef>
-    <cs:spPr>
-      <a:noFill/>
-      <a:ln w="9525" cap="flat" cmpd="sng" algn="ctr">
-        <a:solidFill>
-          <a:schemeClr val="tx1">
-            <a:lumMod val="15000"/>
-            <a:lumOff val="85000"/>
-          </a:schemeClr>
-        </a:solidFill>
-        <a:round/>
-      </a:ln>
-    </cs:spPr>
-    <cs:defRPr sz="900" kern="1200"/>
-  </cs:dataTable>
-  <cs:downBar>
-    <cs:lnRef idx="0"/>
-    <cs:fillRef idx="0"/>
-    <cs:effectRef idx="0"/>
-    <cs:fontRef idx="minor">
-      <a:schemeClr val="dk1"/>
-    </cs:fontRef>
-    <cs:spPr>
-      <a:solidFill>
-        <a:schemeClr val="dk1">
-          <a:lumMod val="65000"/>
-          <a:lumOff val="35000"/>
-        </a:schemeClr>
-      </a:solidFill>
-      <a:ln w="9525">
-        <a:solidFill>
-          <a:schemeClr val="tx1">
-            <a:lumMod val="65000"/>
-            <a:lumOff val="35000"/>
-          </a:schemeClr>
-        </a:solidFill>
-      </a:ln>
-    </cs:spPr>
-  </cs:downBar>
-  <cs:dropLine>
-    <cs:lnRef idx="0"/>
-    <cs:fillRef idx="0"/>
-    <cs:effectRef idx="0"/>
-    <cs:fontRef idx="minor">
-      <a:schemeClr val="tx1"/>
-    </cs:fontRef>
-    <cs:spPr>
-      <a:ln w="9525" cap="flat" cmpd="sng" algn="ctr">
-        <a:solidFill>
-          <a:schemeClr val="tx1">
-            <a:lumMod val="35000"/>
-            <a:lumOff val="65000"/>
-          </a:schemeClr>
-        </a:solidFill>
-        <a:round/>
-      </a:ln>
-    </cs:spPr>
-  </cs:dropLine>
-  <cs:errorBar>
-    <cs:lnRef idx="0"/>
-    <cs:fillRef idx="0"/>
-    <cs:effectRef idx="0"/>
-    <cs:fontRef idx="minor">
-      <a:schemeClr val="tx1"/>
-    </cs:fontRef>
-    <cs:spPr>
-      <a:ln w="9525" cap="flat" cmpd="sng" algn="ctr">
-        <a:solidFill>
-          <a:schemeClr val="tx1">
-            <a:lumMod val="65000"/>
-            <a:lumOff val="35000"/>
-          </a:schemeClr>
-        </a:solidFill>
-        <a:round/>
-      </a:ln>
-    </cs:spPr>
-  </cs:errorBar>
-  <cs:floor>
-    <cs:lnRef idx="0"/>
-    <cs:fillRef idx="0"/>
-    <cs:effectRef idx="0"/>
-    <cs:fontRef idx="minor">
-      <a:schemeClr val="tx1"/>
-    </cs:fontRef>
-    <cs:spPr>
-      <a:noFill/>
-      <a:ln>
-        <a:noFill/>
-      </a:ln>
-    </cs:spPr>
-  </cs:floor>
-  <cs:gridlineMajor>
-    <cs:lnRef idx="0"/>
-    <cs:fillRef idx="0"/>
-    <cs:effectRef idx="0"/>
-    <cs:fontRef idx="minor">
-      <a:schemeClr val="tx1"/>
-    </cs:fontRef>
-    <cs:spPr>
-      <a:ln w="9525" cap="flat" cmpd="sng" algn="ctr">
-        <a:solidFill>
-          <a:schemeClr val="tx1">
-            <a:lumMod val="15000"/>
-            <a:lumOff val="85000"/>
-          </a:schemeClr>
-        </a:solidFill>
-        <a:round/>
-      </a:ln>
-    </cs:spPr>
-  </cs:gridlineMajor>
-  <cs:gridlineMinor>
-    <cs:lnRef idx="0"/>
-    <cs:fillRef idx="0"/>
-    <cs:effectRef idx="0"/>
-    <cs:fontRef idx="minor">
-      <a:schemeClr val="tx1"/>
-    </cs:fontRef>
-    <cs:spPr>
-      <a:ln w="9525" cap="flat" cmpd="sng" algn="ctr">
-        <a:solidFill>
-          <a:schemeClr val="tx1">
-            <a:lumMod val="5000"/>
-            <a:lumOff val="95000"/>
-          </a:schemeClr>
-        </a:solidFill>
-        <a:round/>
-      </a:ln>
-    </cs:spPr>
-  </cs:gridlineMinor>
-  <cs:hiLoLine>
-    <cs:lnRef idx="0"/>
-    <cs:fillRef idx="0"/>
-    <cs:effectRef idx="0"/>
-    <cs:fontRef idx="minor">
-      <a:schemeClr val="tx1"/>
-    </cs:fontRef>
-    <cs:spPr>
-      <a:ln w="9525" cap="flat" cmpd="sng" algn="ctr">
-        <a:solidFill>
-          <a:schemeClr val="tx1">
-            <a:lumMod val="75000"/>
-            <a:lumOff val="25000"/>
-          </a:schemeClr>
-        </a:solidFill>
-        <a:round/>
-      </a:ln>
-    </cs:spPr>
-  </cs:hiLoLine>
-  <cs:leaderLine>
-    <cs:lnRef idx="0"/>
-    <cs:fillRef idx="0"/>
-    <cs:effectRef idx="0"/>
-    <cs:fontRef idx="minor">
-      <a:schemeClr val="tx1"/>
-    </cs:fontRef>
-    <cs:spPr>
-      <a:ln w="9525" cap="flat" cmpd="sng" algn="ctr">
-        <a:solidFill>
-          <a:schemeClr val="tx1">
-            <a:lumMod val="35000"/>
-            <a:lumOff val="65000"/>
-          </a:schemeClr>
-        </a:solidFill>
-        <a:round/>
-      </a:ln>
-    </cs:spPr>
-  </cs:leaderLine>
-  <cs:legend>
-    <cs:lnRef idx="0"/>
-    <cs:fillRef idx="0"/>
-    <cs:effectRef idx="0"/>
-    <cs:fontRef idx="minor">
-      <a:schemeClr val="tx1">
-        <a:lumMod val="65000"/>
-        <a:lumOff val="35000"/>
-      </a:schemeClr>
-    </cs:fontRef>
-    <cs:defRPr sz="900" kern="1200"/>
-  </cs:legend>
-  <cs:plotArea mods="allowNoFillOverride allowNoLineOverride">
-    <cs:lnRef idx="0"/>
-    <cs:fillRef idx="0"/>
-    <cs:effectRef idx="0"/>
-    <cs:fontRef idx="minor">
-      <a:schemeClr val="tx1"/>
-    </cs:fontRef>
-  </cs:plotArea>
-  <cs:plotArea3D mods="allowNoFillOverride allowNoLineOverride">
-    <cs:lnRef idx="0"/>
-    <cs:fillRef idx="0"/>
-    <cs:effectRef idx="0"/>
-    <cs:fontRef idx="minor">
-      <a:schemeClr val="tx1"/>
-    </cs:fontRef>
-  </cs:plotArea3D>
-  <cs:seriesAxis>
-    <cs:lnRef idx="0"/>
-    <cs:fillRef idx="0"/>
-    <cs:effectRef idx="0"/>
-    <cs:fontRef idx="minor">
-      <a:schemeClr val="tx1">
-        <a:lumMod val="65000"/>
-        <a:lumOff val="35000"/>
-      </a:schemeClr>
-    </cs:fontRef>
-    <cs:defRPr sz="900" kern="1200"/>
-  </cs:seriesAxis>
-  <cs:seriesLine>
-    <cs:lnRef idx="0"/>
-    <cs:fillRef idx="0"/>
-    <cs:effectRef idx="0"/>
-    <cs:fontRef idx="minor">
-      <a:schemeClr val="tx1"/>
-    </cs:fontRef>
-    <cs:spPr>
-      <a:ln w="9525" cap="flat" cmpd="sng" algn="ctr">
-        <a:solidFill>
-          <a:schemeClr val="tx1">
-            <a:lumMod val="35000"/>
-            <a:lumOff val="65000"/>
-          </a:schemeClr>
-        </a:solidFill>
-        <a:round/>
-      </a:ln>
-    </cs:spPr>
-  </cs:seriesLine>
-  <cs:title>
-    <cs:lnRef idx="0"/>
-    <cs:fillRef idx="0"/>
-    <cs:effectRef idx="0"/>
-    <cs:fontRef idx="minor">
-      <a:schemeClr val="tx1">
-        <a:lumMod val="65000"/>
-        <a:lumOff val="35000"/>
-      </a:schemeClr>
-    </cs:fontRef>
-    <cs:defRPr sz="1400" b="0" kern="1200" spc="0" baseline="0"/>
-  </cs:title>
-  <cs:trendline>
-    <cs:lnRef idx="0">
-      <cs:styleClr val="auto"/>
-    </cs:lnRef>
-    <cs:fillRef idx="0"/>
-    <cs:effectRef idx="0"/>
-    <cs:fontRef idx="minor">
-      <a:schemeClr val="tx1"/>
-    </cs:fontRef>
-    <cs:spPr>
-      <a:ln w="19050" cap="rnd">
-        <a:solidFill>
-          <a:schemeClr val="phClr"/>
-        </a:solidFill>
-        <a:prstDash val="sysDot"/>
-      </a:ln>
-    </cs:spPr>
-  </cs:trendline>
-  <cs:trendlineLabel>
-    <cs:lnRef idx="0"/>
-    <cs:fillRef idx="0"/>
-    <cs:effectRef idx="0"/>
-    <cs:fontRef idx="minor">
-      <a:schemeClr val="tx1">
-        <a:lumMod val="65000"/>
-        <a:lumOff val="35000"/>
-      </a:schemeClr>
-    </cs:fontRef>
-    <cs:defRPr sz="900" kern="1200"/>
-  </cs:trendlineLabel>
-  <cs:upBar>
-    <cs:lnRef idx="0"/>
-    <cs:fillRef idx="0"/>
-    <cs:effectRef idx="0"/>
-    <cs:fontRef idx="minor">
-      <a:schemeClr val="dk1"/>
-    </cs:fontRef>
-    <cs:spPr>
-      <a:solidFill>
-        <a:schemeClr val="lt1"/>
-      </a:solidFill>
-      <a:ln w="9525">
-        <a:solidFill>
-          <a:schemeClr val="tx1">
-            <a:lumMod val="15000"/>
-            <a:lumOff val="85000"/>
-          </a:schemeClr>
-        </a:solidFill>
-      </a:ln>
-    </cs:spPr>
-  </cs:upBar>
-  <cs:valueAxis>
-    <cs:lnRef idx="0"/>
-    <cs:fillRef idx="0"/>
-    <cs:effectRef idx="0"/>
-    <cs:fontRef idx="minor">
-      <a:schemeClr val="tx1">
-        <a:lumMod val="65000"/>
-        <a:lumOff val="35000"/>
-      </a:schemeClr>
-    </cs:fontRef>
-    <cs:defRPr sz="900" kern="1200"/>
-  </cs:valueAxis>
-  <cs:wall>
-    <cs:lnRef idx="0"/>
-    <cs:fillRef idx="0"/>
-    <cs:effectRef idx="0"/>
-    <cs:fontRef idx="minor">
-      <a:schemeClr val="tx1"/>
-    </cs:fontRef>
-    <cs:spPr>
-      <a:noFill/>
-      <a:ln>
-        <a:noFill/>
-      </a:ln>
-    </cs:spPr>
-  </cs:wall>
-</cs:chartStyle>
-</file>
-
-<file path=ppt/charts/style7.xml><?xml version="1.0" encoding="utf-8"?>
-<cs:chartStyle xmlns:cs="http://schemas.microsoft.com/office/drawing/2012/chartStyle" xmlns:a="http://schemas.openxmlformats.org/drawingml/2006/main" id="227">
-  <cs:axisTitle>
-    <cs:lnRef idx="0"/>
-    <cs:fillRef idx="0"/>
-    <cs:effectRef idx="0"/>
-    <cs:fontRef idx="minor">
-      <a:schemeClr val="tx1">
-        <a:lumMod val="65000"/>
-        <a:lumOff val="35000"/>
-      </a:schemeClr>
-    </cs:fontRef>
-    <cs:defRPr sz="1000" kern="1200"/>
-  </cs:axisTitle>
-  <cs:categoryAxis>
-    <cs:lnRef idx="0"/>
-    <cs:fillRef idx="0"/>
-    <cs:effectRef idx="0"/>
-    <cs:fontRef idx="minor">
-      <a:schemeClr val="tx1">
-        <a:lumMod val="65000"/>
-        <a:lumOff val="35000"/>
-      </a:schemeClr>
-    </cs:fontRef>
-    <cs:spPr>
-      <a:ln w="9525" cap="flat" cmpd="sng" algn="ctr">
-        <a:solidFill>
-          <a:schemeClr val="tx1">
-            <a:lumMod val="15000"/>
-            <a:lumOff val="85000"/>
-          </a:schemeClr>
-        </a:solidFill>
-        <a:round/>
-      </a:ln>
-    </cs:spPr>
-    <cs:defRPr sz="900" kern="1200"/>
-  </cs:categoryAxis>
-  <cs:chartArea mods="allowNoFillOverride allowNoLineOverride">
-    <cs:lnRef idx="0"/>
-    <cs:fillRef idx="0"/>
-    <cs:effectRef idx="0"/>
-    <cs:fontRef idx="minor">
-      <a:schemeClr val="tx1"/>
-    </cs:fontRef>
-    <cs:spPr>
-      <a:solidFill>
-        <a:schemeClr val="bg1"/>
-      </a:solidFill>
-      <a:ln w="9525" cap="flat" cmpd="sng" algn="ctr">
-        <a:solidFill>
-          <a:schemeClr val="tx1">
-            <a:lumMod val="15000"/>
-            <a:lumOff val="85000"/>
-          </a:schemeClr>
-        </a:solidFill>
-        <a:round/>
-      </a:ln>
-    </cs:spPr>
-    <cs:defRPr sz="1000" kern="1200"/>
-  </cs:chartArea>
-  <cs:dataLabel>
-    <cs:lnRef idx="0"/>
-    <cs:fillRef idx="0"/>
-    <cs:effectRef idx="0"/>
-    <cs:fontRef idx="minor">
-      <a:schemeClr val="tx1">
-        <a:lumMod val="75000"/>
-        <a:lumOff val="25000"/>
-      </a:schemeClr>
-    </cs:fontRef>
-    <cs:defRPr sz="900" kern="1200"/>
-  </cs:dataLabel>
-  <cs:dataLabelCallout>
-    <cs:lnRef idx="0"/>
-    <cs:fillRef idx="0"/>
-    <cs:effectRef idx="0"/>
-    <cs:fontRef idx="minor">
-      <a:schemeClr val="dk1">
-        <a:lumMod val="65000"/>
-        <a:lumOff val="35000"/>
-      </a:schemeClr>
-    </cs:fontRef>
-    <cs:spPr>
-      <a:solidFill>
-        <a:schemeClr val="lt1"/>
-      </a:solidFill>
-      <a:ln>
-        <a:solidFill>
-          <a:schemeClr val="dk1">
-            <a:lumMod val="25000"/>
-            <a:lumOff val="75000"/>
-          </a:schemeClr>
-        </a:solidFill>
-      </a:ln>
-    </cs:spPr>
-    <cs:defRPr sz="900" kern="1200"/>
-    <cs:bodyPr rot="0" spcFirstLastPara="1" vertOverflow="clip" horzOverflow="clip" vert="horz" wrap="square" lIns="36576" tIns="18288" rIns="36576" bIns="18288" anchor="ctr" anchorCtr="1">
-      <a:spAutoFit/>
-    </cs:bodyPr>
-  </cs:dataLabelCallout>
-  <cs:dataPoint>
-    <cs:lnRef idx="0"/>
-    <cs:fillRef idx="1">
-      <cs:styleClr val="auto"/>
-    </cs:fillRef>
-    <cs:effectRef idx="0"/>
-    <cs:fontRef idx="minor">
-      <a:schemeClr val="tx1"/>
-    </cs:fontRef>
-    <cs:spPr>
-      <a:solidFill>
-        <a:schemeClr val="phClr"/>
-      </a:solidFill>
-    </cs:spPr>
-  </cs:dataPoint>
-  <cs:dataPoint3D>
-    <cs:lnRef idx="0"/>
-    <cs:fillRef idx="1">
-      <cs:styleClr val="auto"/>
-    </cs:fillRef>
-    <cs:effectRef idx="0"/>
-    <cs:fontRef idx="minor">
-      <a:schemeClr val="tx1"/>
-    </cs:fontRef>
-    <cs:spPr>
-      <a:solidFill>
-        <a:schemeClr val="phClr"/>
-      </a:solidFill>
-    </cs:spPr>
-  </cs:dataPoint3D>
-  <cs:dataPointLine>
-    <cs:lnRef idx="0">
-      <cs:styleClr val="auto"/>
-    </cs:lnRef>
-    <cs:fillRef idx="1"/>
-    <cs:effectRef idx="0"/>
-    <cs:fontRef idx="minor">
-      <a:schemeClr val="tx1"/>
-    </cs:fontRef>
-    <cs:spPr>
-      <a:ln w="28575" cap="rnd">
-        <a:solidFill>
-          <a:schemeClr val="phClr"/>
-        </a:solidFill>
-        <a:round/>
-      </a:ln>
-    </cs:spPr>
-  </cs:dataPointLine>
-  <cs:dataPointMarker>
-    <cs:lnRef idx="0">
-      <cs:styleClr val="auto"/>
-    </cs:lnRef>
-    <cs:fillRef idx="1">
-      <cs:styleClr val="auto"/>
-    </cs:fillRef>
-    <cs:effectRef idx="0"/>
-    <cs:fontRef idx="minor">
-      <a:schemeClr val="tx1"/>
-    </cs:fontRef>
-    <cs:spPr>
-      <a:solidFill>
-        <a:schemeClr val="phClr"/>
-      </a:solidFill>
-      <a:ln w="9525">
-        <a:solidFill>
-          <a:schemeClr val="phClr"/>
-        </a:solidFill>
-      </a:ln>
-    </cs:spPr>
-  </cs:dataPointMarker>
-  <cs:dataPointMarkerLayout symbol="circle" size="5"/>
-  <cs:dataPointWireframe>
-    <cs:lnRef idx="0">
-      <cs:styleClr val="auto"/>
-    </cs:lnRef>
-    <cs:fillRef idx="1"/>
-    <cs:effectRef idx="0"/>
-    <cs:fontRef idx="minor">
-      <a:schemeClr val="tx1"/>
-    </cs:fontRef>
-    <cs:spPr>
-      <a:ln w="9525" cap="rnd">
-        <a:solidFill>
-          <a:schemeClr val="phClr"/>
-        </a:solidFill>
-        <a:round/>
-      </a:ln>
-    </cs:spPr>
-  </cs:dataPointWireframe>
-  <cs:dataTable>
-    <cs:lnRef idx="0"/>
-    <cs:fillRef idx="0"/>
-    <cs:effectRef idx="0"/>
-    <cs:fontRef idx="minor">
-      <a:schemeClr val="tx1">
-        <a:lumMod val="65000"/>
-        <a:lumOff val="35000"/>
-      </a:schemeClr>
-    </cs:fontRef>
-    <cs:spPr>
-      <a:noFill/>
-      <a:ln w="9525" cap="flat" cmpd="sng" algn="ctr">
-        <a:solidFill>
-          <a:schemeClr val="tx1">
-            <a:lumMod val="15000"/>
-            <a:lumOff val="85000"/>
-          </a:schemeClr>
-        </a:solidFill>
-        <a:round/>
-      </a:ln>
-    </cs:spPr>
-    <cs:defRPr sz="900" kern="1200"/>
-  </cs:dataTable>
-  <cs:downBar>
-    <cs:lnRef idx="0"/>
-    <cs:fillRef idx="0"/>
-    <cs:effectRef idx="0"/>
-    <cs:fontRef idx="minor">
-      <a:schemeClr val="dk1"/>
-    </cs:fontRef>
-    <cs:spPr>
-      <a:solidFill>
-        <a:schemeClr val="dk1">
-          <a:lumMod val="65000"/>
-          <a:lumOff val="35000"/>
-        </a:schemeClr>
-      </a:solidFill>
-      <a:ln w="9525">
-        <a:solidFill>
-          <a:schemeClr val="tx1">
-            <a:lumMod val="65000"/>
-            <a:lumOff val="35000"/>
-          </a:schemeClr>
-        </a:solidFill>
-      </a:ln>
-    </cs:spPr>
-  </cs:downBar>
-  <cs:dropLine>
-    <cs:lnRef idx="0"/>
-    <cs:fillRef idx="0"/>
-    <cs:effectRef idx="0"/>
-    <cs:fontRef idx="minor">
-      <a:schemeClr val="tx1"/>
-    </cs:fontRef>
-    <cs:spPr>
-      <a:ln w="9525" cap="flat" cmpd="sng" algn="ctr">
-        <a:solidFill>
-          <a:schemeClr val="tx1">
-            <a:lumMod val="35000"/>
-            <a:lumOff val="65000"/>
-          </a:schemeClr>
-        </a:solidFill>
-        <a:round/>
-      </a:ln>
-    </cs:spPr>
-  </cs:dropLine>
-  <cs:errorBar>
-    <cs:lnRef idx="0"/>
-    <cs:fillRef idx="0"/>
-    <cs:effectRef idx="0"/>
-    <cs:fontRef idx="minor">
-      <a:schemeClr val="tx1"/>
-    </cs:fontRef>
-    <cs:spPr>
-      <a:ln w="9525" cap="flat" cmpd="sng" algn="ctr">
-        <a:solidFill>
-          <a:schemeClr val="tx1">
-            <a:lumMod val="65000"/>
-            <a:lumOff val="35000"/>
-          </a:schemeClr>
-        </a:solidFill>
-        <a:round/>
-      </a:ln>
-    </cs:spPr>
-  </cs:errorBar>
-  <cs:floor>
-    <cs:lnRef idx="0"/>
-    <cs:fillRef idx="0"/>
-    <cs:effectRef idx="0"/>
-    <cs:fontRef idx="minor">
-      <a:schemeClr val="tx1"/>
-    </cs:fontRef>
-    <cs:spPr>
-      <a:noFill/>
-      <a:ln>
-        <a:noFill/>
-      </a:ln>
-    </cs:spPr>
-  </cs:floor>
-  <cs:gridlineMajor>
-    <cs:lnRef idx="0"/>
-    <cs:fillRef idx="0"/>
-    <cs:effectRef idx="0"/>
-    <cs:fontRef idx="minor">
-      <a:schemeClr val="tx1"/>
-    </cs:fontRef>
-    <cs:spPr>
-      <a:ln w="9525" cap="flat" cmpd="sng" algn="ctr">
-        <a:solidFill>
-          <a:schemeClr val="tx1">
-            <a:lumMod val="15000"/>
-            <a:lumOff val="85000"/>
-          </a:schemeClr>
-        </a:solidFill>
-        <a:round/>
-      </a:ln>
-    </cs:spPr>
-  </cs:gridlineMajor>
-  <cs:gridlineMinor>
-    <cs:lnRef idx="0"/>
-    <cs:fillRef idx="0"/>
-    <cs:effectRef idx="0"/>
-    <cs:fontRef idx="minor">
-      <a:schemeClr val="tx1"/>
-    </cs:fontRef>
-    <cs:spPr>
-      <a:ln w="9525" cap="flat" cmpd="sng" algn="ctr">
-        <a:solidFill>
-          <a:schemeClr val="tx1">
-            <a:lumMod val="5000"/>
-            <a:lumOff val="95000"/>
-          </a:schemeClr>
-        </a:solidFill>
-        <a:round/>
-      </a:ln>
-    </cs:spPr>
-  </cs:gridlineMinor>
-  <cs:hiLoLine>
-    <cs:lnRef idx="0"/>
-    <cs:fillRef idx="0"/>
-    <cs:effectRef idx="0"/>
-    <cs:fontRef idx="minor">
-      <a:schemeClr val="tx1"/>
-    </cs:fontRef>
-    <cs:spPr>
-      <a:ln w="9525" cap="flat" cmpd="sng" algn="ctr">
-        <a:solidFill>
-          <a:schemeClr val="tx1">
-            <a:lumMod val="75000"/>
-            <a:lumOff val="25000"/>
-          </a:schemeClr>
-        </a:solidFill>
-        <a:round/>
-      </a:ln>
-    </cs:spPr>
-  </cs:hiLoLine>
-  <cs:leaderLine>
-    <cs:lnRef idx="0"/>
-    <cs:fillRef idx="0"/>
-    <cs:effectRef idx="0"/>
-    <cs:fontRef idx="minor">
-      <a:schemeClr val="tx1"/>
-    </cs:fontRef>
-    <cs:spPr>
-      <a:ln w="9525" cap="flat" cmpd="sng" algn="ctr">
-        <a:solidFill>
-          <a:schemeClr val="tx1">
-            <a:lumMod val="35000"/>
-            <a:lumOff val="65000"/>
-          </a:schemeClr>
-        </a:solidFill>
-        <a:round/>
-      </a:ln>
-    </cs:spPr>
-  </cs:leaderLine>
-  <cs:legend>
-    <cs:lnRef idx="0"/>
-    <cs:fillRef idx="0"/>
-    <cs:effectRef idx="0"/>
-    <cs:fontRef idx="minor">
-      <a:schemeClr val="tx1">
-        <a:lumMod val="65000"/>
-        <a:lumOff val="35000"/>
-      </a:schemeClr>
-    </cs:fontRef>
-    <cs:defRPr sz="900" kern="1200"/>
-  </cs:legend>
-  <cs:plotArea mods="allowNoFillOverride allowNoLineOverride">
-    <cs:lnRef idx="0"/>
-    <cs:fillRef idx="0"/>
-    <cs:effectRef idx="0"/>
-    <cs:fontRef idx="minor">
-      <a:schemeClr val="tx1"/>
-    </cs:fontRef>
-  </cs:plotArea>
-  <cs:plotArea3D mods="allowNoFillOverride allowNoLineOverride">
-    <cs:lnRef idx="0"/>
-    <cs:fillRef idx="0"/>
-    <cs:effectRef idx="0"/>
-    <cs:fontRef idx="minor">
-      <a:schemeClr val="tx1"/>
-    </cs:fontRef>
-  </cs:plotArea3D>
-  <cs:seriesAxis>
-    <cs:lnRef idx="0"/>
-    <cs:fillRef idx="0"/>
-    <cs:effectRef idx="0"/>
-    <cs:fontRef idx="minor">
-      <a:schemeClr val="tx1">
-        <a:lumMod val="65000"/>
-        <a:lumOff val="35000"/>
-      </a:schemeClr>
-    </cs:fontRef>
-    <cs:defRPr sz="900" kern="1200"/>
-  </cs:seriesAxis>
-  <cs:seriesLine>
-    <cs:lnRef idx="0"/>
-    <cs:fillRef idx="0"/>
-    <cs:effectRef idx="0"/>
-    <cs:fontRef idx="minor">
-      <a:schemeClr val="tx1"/>
-    </cs:fontRef>
-    <cs:spPr>
-      <a:ln w="9525" cap="flat" cmpd="sng" algn="ctr">
-        <a:solidFill>
-          <a:schemeClr val="tx1">
-            <a:lumMod val="35000"/>
-            <a:lumOff val="65000"/>
-          </a:schemeClr>
-        </a:solidFill>
-        <a:round/>
-      </a:ln>
-    </cs:spPr>
-  </cs:seriesLine>
-  <cs:title>
-    <cs:lnRef idx="0"/>
-    <cs:fillRef idx="0"/>
-    <cs:effectRef idx="0"/>
-    <cs:fontRef idx="minor">
-      <a:schemeClr val="tx1">
-        <a:lumMod val="65000"/>
-        <a:lumOff val="35000"/>
-      </a:schemeClr>
-    </cs:fontRef>
-    <cs:defRPr sz="1400" b="0" kern="1200" spc="0" baseline="0"/>
-  </cs:title>
-  <cs:trendline>
-    <cs:lnRef idx="0">
-      <cs:styleClr val="auto"/>
-    </cs:lnRef>
-    <cs:fillRef idx="0"/>
-    <cs:effectRef idx="0"/>
-    <cs:fontRef idx="minor">
-      <a:schemeClr val="tx1"/>
-    </cs:fontRef>
-    <cs:spPr>
-      <a:ln w="19050" cap="rnd">
-        <a:solidFill>
-          <a:schemeClr val="phClr"/>
-        </a:solidFill>
-        <a:prstDash val="sysDot"/>
-      </a:ln>
-    </cs:spPr>
-  </cs:trendline>
-  <cs:trendlineLabel>
-    <cs:lnRef idx="0"/>
-    <cs:fillRef idx="0"/>
-    <cs:effectRef idx="0"/>
-    <cs:fontRef idx="minor">
-      <a:schemeClr val="tx1">
-        <a:lumMod val="65000"/>
-        <a:lumOff val="35000"/>
-      </a:schemeClr>
-    </cs:fontRef>
-    <cs:defRPr sz="900" kern="1200"/>
-  </cs:trendlineLabel>
-  <cs:upBar>
-    <cs:lnRef idx="0"/>
-    <cs:fillRef idx="0"/>
-    <cs:effectRef idx="0"/>
-    <cs:fontRef idx="minor">
-      <a:schemeClr val="dk1"/>
-    </cs:fontRef>
-    <cs:spPr>
-      <a:solidFill>
-        <a:schemeClr val="lt1"/>
-      </a:solidFill>
-      <a:ln w="9525">
-        <a:solidFill>
-          <a:schemeClr val="tx1">
-            <a:lumMod val="15000"/>
-            <a:lumOff val="85000"/>
-          </a:schemeClr>
-        </a:solidFill>
-      </a:ln>
-    </cs:spPr>
-  </cs:upBar>
-  <cs:valueAxis>
-    <cs:lnRef idx="0"/>
-    <cs:fillRef idx="0"/>
-    <cs:effectRef idx="0"/>
-    <cs:fontRef idx="minor">
-      <a:schemeClr val="tx1">
-        <a:lumMod val="65000"/>
-        <a:lumOff val="35000"/>
-      </a:schemeClr>
-    </cs:fontRef>
-    <cs:defRPr sz="900" kern="1200"/>
-  </cs:valueAxis>
-  <cs:wall>
-    <cs:lnRef idx="0"/>
-    <cs:fillRef idx="0"/>
-    <cs:effectRef idx="0"/>
-    <cs:fontRef idx="minor">
-      <a:schemeClr val="tx1"/>
-    </cs:fontRef>
-    <cs:spPr>
-      <a:noFill/>
-      <a:ln>
-        <a:noFill/>
-      </a:ln>
-    </cs:spPr>
-  </cs:wall>
-</cs:chartStyle>
-</file>
-
-<file path=ppt/charts/style8.xml><?xml version="1.0" encoding="utf-8"?>
+<file path=ppt/charts/style4.xml><?xml version="1.0" encoding="utf-8"?>
 <cs:chartStyle xmlns:cs="http://schemas.microsoft.com/office/drawing/2012/chartStyle" xmlns:a="http://schemas.openxmlformats.org/drawingml/2006/main" id="227">
   <cs:axisTitle>
     <cs:lnRef idx="0"/>
@@ -9493,7 +5036,7 @@
           <a:p>
             <a:fld id="{4CDE23C7-78A4-413A-A84B-93D4CC0A9EB1}" type="datetimeFigureOut">
               <a:rPr lang="en-US" smtClean="0"/>
-              <a:t>4/22/2023</a:t>
+              <a:t>4/23/2023</a:t>
             </a:fld>
             <a:endParaRPr lang="en-US"/>
           </a:p>
@@ -9696,7 +5239,7 @@
           <a:p>
             <a:fld id="{4CDE23C7-78A4-413A-A84B-93D4CC0A9EB1}" type="datetimeFigureOut">
               <a:rPr lang="en-US" smtClean="0"/>
-              <a:t>4/22/2023</a:t>
+              <a:t>4/23/2023</a:t>
             </a:fld>
             <a:endParaRPr lang="en-US"/>
           </a:p>
@@ -9904,7 +5447,7 @@
           <a:p>
             <a:fld id="{4CDE23C7-78A4-413A-A84B-93D4CC0A9EB1}" type="datetimeFigureOut">
               <a:rPr lang="en-US" smtClean="0"/>
-              <a:t>4/22/2023</a:t>
+              <a:t>4/23/2023</a:t>
             </a:fld>
             <a:endParaRPr lang="en-US"/>
           </a:p>
@@ -10102,7 +5645,7 @@
           <a:p>
             <a:fld id="{4CDE23C7-78A4-413A-A84B-93D4CC0A9EB1}" type="datetimeFigureOut">
               <a:rPr lang="en-US" smtClean="0"/>
-              <a:t>4/22/2023</a:t>
+              <a:t>4/23/2023</a:t>
             </a:fld>
             <a:endParaRPr lang="en-US"/>
           </a:p>
@@ -10379,7 +5922,7 @@
           <a:p>
             <a:fld id="{4CDE23C7-78A4-413A-A84B-93D4CC0A9EB1}" type="datetimeFigureOut">
               <a:rPr lang="en-US" smtClean="0"/>
-              <a:t>4/22/2023</a:t>
+              <a:t>4/23/2023</a:t>
             </a:fld>
             <a:endParaRPr lang="en-US"/>
           </a:p>
@@ -10644,7 +6187,7 @@
           <a:p>
             <a:fld id="{4CDE23C7-78A4-413A-A84B-93D4CC0A9EB1}" type="datetimeFigureOut">
               <a:rPr lang="en-US" smtClean="0"/>
-              <a:t>4/22/2023</a:t>
+              <a:t>4/23/2023</a:t>
             </a:fld>
             <a:endParaRPr lang="en-US"/>
           </a:p>
@@ -11060,7 +6603,7 @@
           <a:p>
             <a:fld id="{4CDE23C7-78A4-413A-A84B-93D4CC0A9EB1}" type="datetimeFigureOut">
               <a:rPr lang="en-US" smtClean="0"/>
-              <a:t>4/22/2023</a:t>
+              <a:t>4/23/2023</a:t>
             </a:fld>
             <a:endParaRPr lang="en-US"/>
           </a:p>
@@ -11201,7 +6744,7 @@
           <a:p>
             <a:fld id="{4CDE23C7-78A4-413A-A84B-93D4CC0A9EB1}" type="datetimeFigureOut">
               <a:rPr lang="en-US" smtClean="0"/>
-              <a:t>4/22/2023</a:t>
+              <a:t>4/23/2023</a:t>
             </a:fld>
             <a:endParaRPr lang="en-US"/>
           </a:p>
@@ -11314,7 +6857,7 @@
           <a:p>
             <a:fld id="{4CDE23C7-78A4-413A-A84B-93D4CC0A9EB1}" type="datetimeFigureOut">
               <a:rPr lang="en-US" smtClean="0"/>
-              <a:t>4/22/2023</a:t>
+              <a:t>4/23/2023</a:t>
             </a:fld>
             <a:endParaRPr lang="en-US"/>
           </a:p>
@@ -11625,7 +7168,7 @@
           <a:p>
             <a:fld id="{4CDE23C7-78A4-413A-A84B-93D4CC0A9EB1}" type="datetimeFigureOut">
               <a:rPr lang="en-US" smtClean="0"/>
-              <a:t>4/22/2023</a:t>
+              <a:t>4/23/2023</a:t>
             </a:fld>
             <a:endParaRPr lang="en-US"/>
           </a:p>
@@ -11913,7 +7456,7 @@
           <a:p>
             <a:fld id="{4CDE23C7-78A4-413A-A84B-93D4CC0A9EB1}" type="datetimeFigureOut">
               <a:rPr lang="en-US" smtClean="0"/>
-              <a:t>4/22/2023</a:t>
+              <a:t>4/23/2023</a:t>
             </a:fld>
             <a:endParaRPr lang="en-US"/>
           </a:p>
@@ -12153,7 +7696,7 @@
             <a:fld id="{4CDE23C7-78A4-413A-A84B-93D4CC0A9EB1}" type="datetimeFigureOut">
               <a:rPr lang="en-US" smtClean="0"/>
               <a:pPr/>
-              <a:t>4/22/2023</a:t>
+              <a:t>4/23/2023</a:t>
             </a:fld>
             <a:endParaRPr lang="en-US" dirty="0"/>
           </a:p>
@@ -12817,7 +8360,7 @@
         </p:blipFill>
         <p:spPr>
           <a:xfrm>
-            <a:off x="-4109914" y="0"/>
+            <a:off x="-4251137" y="0"/>
             <a:ext cx="12191979" cy="6858000"/>
           </a:xfrm>
           <a:prstGeom prst="rect">
@@ -12843,7 +8386,7 @@
         </p:nvSpPr>
         <p:spPr>
           <a:xfrm>
-            <a:off x="6729984" y="952499"/>
+            <a:off x="8082065" y="952499"/>
             <a:ext cx="4814316" cy="2476501"/>
           </a:xfrm>
         </p:spPr>
@@ -12852,14 +8395,14 @@
           <a:lstStyle/>
           <a:p>
             <a:r>
-              <a:rPr lang="es-ES" dirty="0">
+              <a:rPr lang="es-ES" b="1" dirty="0">
                 <a:solidFill>
                   <a:srgbClr val="FFFFFF"/>
                 </a:solidFill>
               </a:rPr>
               <a:t>Proyecto Hilos</a:t>
             </a:r>
-            <a:endParaRPr lang="es-GT" dirty="0">
+            <a:endParaRPr lang="es-GT" b="1" dirty="0">
               <a:solidFill>
                 <a:srgbClr val="FFFFFF"/>
               </a:solidFill>
@@ -12890,30 +8433,34 @@
           </a:xfrm>
         </p:spPr>
         <p:txBody>
-          <a:bodyPr anchor="b"/>
+          <a:bodyPr anchor="b">
+            <a:normAutofit/>
+          </a:bodyPr>
           <a:lstStyle/>
           <a:p>
+            <a:pPr algn="just"/>
             <a:r>
-              <a:rPr lang="es-ES" dirty="0">
+              <a:rPr lang="es-ES" sz="1600" b="1" dirty="0">
                 <a:solidFill>
                   <a:srgbClr val="FFFFFF"/>
                 </a:solidFill>
                 <a:latin typeface="Amasis MT Pro Medium" panose="02040604050005020304" pitchFamily="18" charset="0"/>
               </a:rPr>
-              <a:t>Carlos Manuel Alvarado Andrade, 20200118</a:t>
+              <a:t>                    Carlos Manuel Alvarado Andrade, 20200118</a:t>
             </a:r>
           </a:p>
           <a:p>
+            <a:pPr algn="just"/>
             <a:r>
-              <a:rPr lang="es-ES" dirty="0">
+              <a:rPr lang="es-ES" sz="1600" b="1" dirty="0">
                 <a:solidFill>
                   <a:srgbClr val="FFFFFF"/>
                 </a:solidFill>
                 <a:latin typeface="Amasis MT Pro Medium" panose="02040604050005020304" pitchFamily="18" charset="0"/>
               </a:rPr>
-              <a:t>Mario Enrique Pisquiy Gómez, 20200399</a:t>
+              <a:t>                     Mario Enrique Pisquiy Gómez, 20200399</a:t>
             </a:r>
-            <a:endParaRPr lang="es-GT" dirty="0">
+            <a:endParaRPr lang="es-GT" sz="1600" b="1" dirty="0">
               <a:solidFill>
                 <a:srgbClr val="FFFFFF"/>
               </a:solidFill>
@@ -13165,12 +8712,12 @@
                     <a:p>
                       <a:pPr algn="l" fontAlgn="b"/>
                       <a:r>
-                        <a:rPr lang="es-GT" sz="1200" u="none" strike="noStrike">
+                        <a:rPr lang="es-GT" sz="1200" u="none" strike="noStrike" dirty="0">
                           <a:effectLst/>
                         </a:rPr>
                         <a:t>Paralelización</a:t>
                       </a:r>
-                      <a:endParaRPr lang="es-GT" sz="1200" b="0" i="0" u="none" strike="noStrike">
+                      <a:endParaRPr lang="es-GT" sz="1200" b="0" i="0" u="none" strike="noStrike" dirty="0">
                         <a:solidFill>
                           <a:srgbClr val="000000"/>
                         </a:solidFill>
@@ -13287,12 +8834,12 @@
                     <a:p>
                       <a:pPr algn="l" fontAlgn="b"/>
                       <a:r>
-                        <a:rPr lang="es-GT" sz="1200" u="none" strike="noStrike">
+                        <a:rPr lang="es-GT" sz="1200" u="none" strike="noStrike" dirty="0">
                           <a:effectLst/>
                         </a:rPr>
                         <a:t> </a:t>
                       </a:r>
-                      <a:endParaRPr lang="es-GT" sz="1200" b="0" i="0" u="none" strike="noStrike">
+                      <a:endParaRPr lang="es-GT" sz="1200" b="0" i="0" u="none" strike="noStrike" dirty="0">
                         <a:solidFill>
                           <a:srgbClr val="000000"/>
                         </a:solidFill>
@@ -13409,12 +8956,12 @@
                     <a:p>
                       <a:pPr algn="l" fontAlgn="b"/>
                       <a:r>
-                        <a:rPr lang="es-GT" sz="1200" u="none" strike="noStrike">
+                        <a:rPr lang="es-GT" sz="1200" u="none" strike="noStrike" dirty="0">
                           <a:effectLst/>
                         </a:rPr>
                         <a:t>Archivos</a:t>
                       </a:r>
-                      <a:endParaRPr lang="es-GT" sz="1200" b="0" i="0" u="none" strike="noStrike">
+                      <a:endParaRPr lang="es-GT" sz="1200" b="0" i="0" u="none" strike="noStrike" dirty="0">
                         <a:solidFill>
                           <a:srgbClr val="000000"/>
                         </a:solidFill>
@@ -13554,12 +9101,24 @@
                     <a:p>
                       <a:pPr algn="l" fontAlgn="b"/>
                       <a:r>
-                        <a:rPr lang="es-GT" sz="1200" u="none" strike="noStrike">
+                        <a:rPr lang="es-GT" sz="1200" u="none" strike="noStrike" dirty="0">
                           <a:effectLst/>
                         </a:rPr>
-                        <a:t>2 core 2 hilos</a:t>
+                        <a:t>2 </a:t>
                       </a:r>
-                      <a:endParaRPr lang="es-GT" sz="1200" b="0" i="0" u="none" strike="noStrike">
+                      <a:r>
+                        <a:rPr lang="es-GT" sz="1200" u="none" strike="noStrike" dirty="0" err="1">
+                          <a:effectLst/>
+                        </a:rPr>
+                        <a:t>core</a:t>
+                      </a:r>
+                      <a:r>
+                        <a:rPr lang="es-GT" sz="1200" u="none" strike="noStrike" dirty="0">
+                          <a:effectLst/>
+                        </a:rPr>
+                        <a:t> 2 hilos</a:t>
+                      </a:r>
+                      <a:endParaRPr lang="es-GT" sz="1200" b="0" i="0" u="none" strike="noStrike" dirty="0">
                         <a:solidFill>
                           <a:srgbClr val="000000"/>
                         </a:solidFill>
@@ -13676,12 +9235,24 @@
                     <a:p>
                       <a:pPr algn="l" fontAlgn="b"/>
                       <a:r>
-                        <a:rPr lang="es-GT" sz="1200" u="none" strike="noStrike">
+                        <a:rPr lang="es-GT" sz="1200" u="none" strike="noStrike" dirty="0">
                           <a:effectLst/>
                         </a:rPr>
-                        <a:t>2 core 4 hilos</a:t>
+                        <a:t>2 </a:t>
                       </a:r>
-                      <a:endParaRPr lang="es-GT" sz="1200" b="0" i="0" u="none" strike="noStrike">
+                      <a:r>
+                        <a:rPr lang="es-GT" sz="1200" u="none" strike="noStrike" dirty="0" err="1">
+                          <a:effectLst/>
+                        </a:rPr>
+                        <a:t>core</a:t>
+                      </a:r>
+                      <a:r>
+                        <a:rPr lang="es-GT" sz="1200" u="none" strike="noStrike" dirty="0">
+                          <a:effectLst/>
+                        </a:rPr>
+                        <a:t> 4 hilos</a:t>
+                      </a:r>
+                      <a:endParaRPr lang="es-GT" sz="1200" b="0" i="0" u="none" strike="noStrike" dirty="0">
                         <a:solidFill>
                           <a:srgbClr val="000000"/>
                         </a:solidFill>
@@ -13920,12 +9491,24 @@
                     <a:p>
                       <a:pPr algn="l" fontAlgn="b"/>
                       <a:r>
-                        <a:rPr lang="es-GT" sz="1200" u="none" strike="noStrike">
+                        <a:rPr lang="es-GT" sz="1200" u="none" strike="noStrike" dirty="0">
                           <a:effectLst/>
                         </a:rPr>
-                        <a:t>4 core 8 hilos</a:t>
+                        <a:t>4 </a:t>
                       </a:r>
-                      <a:endParaRPr lang="es-GT" sz="1200" b="0" i="0" u="none" strike="noStrike">
+                      <a:r>
+                        <a:rPr lang="es-GT" sz="1200" u="none" strike="noStrike" dirty="0" err="1">
+                          <a:effectLst/>
+                        </a:rPr>
+                        <a:t>core</a:t>
+                      </a:r>
+                      <a:r>
+                        <a:rPr lang="es-GT" sz="1200" u="none" strike="noStrike" dirty="0">
+                          <a:effectLst/>
+                        </a:rPr>
+                        <a:t> 8 hilos</a:t>
+                      </a:r>
+                      <a:endParaRPr lang="es-GT" sz="1200" b="0" i="0" u="none" strike="noStrike" dirty="0">
                         <a:solidFill>
                           <a:srgbClr val="000000"/>
                         </a:solidFill>
@@ -14164,12 +9747,24 @@
                     <a:p>
                       <a:pPr algn="l" fontAlgn="b"/>
                       <a:r>
-                        <a:rPr lang="es-GT" sz="1200" u="none" strike="noStrike">
+                        <a:rPr lang="es-GT" sz="1200" u="none" strike="noStrike" dirty="0">
                           <a:effectLst/>
                         </a:rPr>
-                        <a:t>2 core 2 hilos</a:t>
+                        <a:t>2 </a:t>
                       </a:r>
-                      <a:endParaRPr lang="es-GT" sz="1200" b="0" i="0" u="none" strike="noStrike">
+                      <a:r>
+                        <a:rPr lang="es-GT" sz="1200" u="none" strike="noStrike" dirty="0" err="1">
+                          <a:effectLst/>
+                        </a:rPr>
+                        <a:t>core</a:t>
+                      </a:r>
+                      <a:r>
+                        <a:rPr lang="es-GT" sz="1200" u="none" strike="noStrike" dirty="0">
+                          <a:effectLst/>
+                        </a:rPr>
+                        <a:t> 2 hilos</a:t>
+                      </a:r>
+                      <a:endParaRPr lang="es-GT" sz="1200" b="0" i="0" u="none" strike="noStrike" dirty="0">
                         <a:solidFill>
                           <a:srgbClr val="000000"/>
                         </a:solidFill>
@@ -14286,12 +9881,24 @@
                     <a:p>
                       <a:pPr algn="l" fontAlgn="b"/>
                       <a:r>
-                        <a:rPr lang="es-GT" sz="1200" u="none" strike="noStrike">
+                        <a:rPr lang="es-GT" sz="1200" u="none" strike="noStrike" dirty="0">
                           <a:effectLst/>
                         </a:rPr>
-                        <a:t>2 core 4 hilos</a:t>
+                        <a:t>2 </a:t>
                       </a:r>
-                      <a:endParaRPr lang="es-GT" sz="1200" b="0" i="0" u="none" strike="noStrike">
+                      <a:r>
+                        <a:rPr lang="es-GT" sz="1200" u="none" strike="noStrike" dirty="0" err="1">
+                          <a:effectLst/>
+                        </a:rPr>
+                        <a:t>core</a:t>
+                      </a:r>
+                      <a:r>
+                        <a:rPr lang="es-GT" sz="1200" u="none" strike="noStrike" dirty="0">
+                          <a:effectLst/>
+                        </a:rPr>
+                        <a:t> 4 hilos</a:t>
+                      </a:r>
+                      <a:endParaRPr lang="es-GT" sz="1200" b="0" i="0" u="none" strike="noStrike" dirty="0">
                         <a:solidFill>
                           <a:srgbClr val="000000"/>
                         </a:solidFill>
@@ -14408,12 +10015,24 @@
                     <a:p>
                       <a:pPr algn="l" fontAlgn="b"/>
                       <a:r>
-                        <a:rPr lang="es-GT" sz="1200" u="none" strike="noStrike">
+                        <a:rPr lang="es-GT" sz="1200" u="none" strike="noStrike" dirty="0">
                           <a:effectLst/>
                         </a:rPr>
-                        <a:t>2 core 8 hilos</a:t>
+                        <a:t>2 </a:t>
                       </a:r>
-                      <a:endParaRPr lang="es-GT" sz="1200" b="0" i="0" u="none" strike="noStrike">
+                      <a:r>
+                        <a:rPr lang="es-GT" sz="1200" u="none" strike="noStrike" dirty="0" err="1">
+                          <a:effectLst/>
+                        </a:rPr>
+                        <a:t>core</a:t>
+                      </a:r>
+                      <a:r>
+                        <a:rPr lang="es-GT" sz="1200" u="none" strike="noStrike" dirty="0">
+                          <a:effectLst/>
+                        </a:rPr>
+                        <a:t> 8 hilos</a:t>
+                      </a:r>
+                      <a:endParaRPr lang="es-GT" sz="1200" b="0" i="0" u="none" strike="noStrike" dirty="0">
                         <a:solidFill>
                           <a:srgbClr val="000000"/>
                         </a:solidFill>
@@ -14553,12 +10172,12 @@
                     <a:p>
                       <a:pPr algn="r" fontAlgn="b"/>
                       <a:r>
-                        <a:rPr lang="es-GT" sz="1200" u="none" strike="noStrike">
+                        <a:rPr lang="es-GT" sz="1200" u="none" strike="noStrike" dirty="0">
                           <a:effectLst/>
                         </a:rPr>
                         <a:t>1.000080474</a:t>
                       </a:r>
-                      <a:endParaRPr lang="es-GT" sz="1200" b="0" i="0" u="none" strike="noStrike">
+                      <a:endParaRPr lang="es-GT" sz="1200" b="0" i="0" u="none" strike="noStrike" dirty="0">
                         <a:solidFill>
                           <a:srgbClr val="000000"/>
                         </a:solidFill>
@@ -14576,12 +10195,12 @@
                     <a:p>
                       <a:pPr algn="l" fontAlgn="b"/>
                       <a:r>
-                        <a:rPr lang="es-GT" sz="1200" u="none" strike="noStrike">
+                        <a:rPr lang="es-GT" sz="1200" u="none" strike="noStrike" dirty="0">
                           <a:effectLst/>
                         </a:rPr>
                         <a:t> </a:t>
                       </a:r>
-                      <a:endParaRPr lang="es-GT" sz="1200" b="0" i="0" u="none" strike="noStrike">
+                      <a:endParaRPr lang="es-GT" sz="1200" b="0" i="0" u="none" strike="noStrike" dirty="0">
                         <a:solidFill>
                           <a:srgbClr val="000000"/>
                         </a:solidFill>
@@ -14744,66 +10363,66 @@
           </a:graphicData>
         </a:graphic>
       </p:graphicFrame>
-      <p:graphicFrame>
-        <p:nvGraphicFramePr>
-          <p:cNvPr id="6" name="Gráfico 5">
+      <p:pic>
+        <p:nvPicPr>
+          <p:cNvPr id="3" name="Imagen 2">
             <a:extLst>
               <a:ext uri="{FF2B5EF4-FFF2-40B4-BE49-F238E27FC236}">
-                <a16:creationId xmlns:a16="http://schemas.microsoft.com/office/drawing/2014/main" id="{7CCF80C8-7C5C-2A35-0AD8-325C7DACB1E6}"/>
+                <a16:creationId xmlns:a16="http://schemas.microsoft.com/office/drawing/2014/main" id="{0C5C66A3-08DB-A1D8-A767-C731AA7D50DA}"/>
               </a:ext>
             </a:extLst>
           </p:cNvPr>
-          <p:cNvGraphicFramePr>
-            <a:graphicFrameLocks/>
-          </p:cNvGraphicFramePr>
-          <p:nvPr>
-            <p:extLst>
-              <p:ext uri="{D42A27DB-BD31-4B8C-83A1-F6EECF244321}">
-                <p14:modId xmlns:p14="http://schemas.microsoft.com/office/powerpoint/2010/main" val="108554265"/>
-              </p:ext>
-            </p:extLst>
-          </p:nvPr>
-        </p:nvGraphicFramePr>
-        <p:xfrm>
-          <a:off x="722467" y="3856589"/>
-          <a:ext cx="4233846" cy="2366690"/>
-        </p:xfrm>
-        <a:graphic>
-          <a:graphicData uri="http://schemas.openxmlformats.org/drawingml/2006/chart">
-            <c:chart xmlns:c="http://schemas.openxmlformats.org/drawingml/2006/chart" xmlns:r="http://schemas.openxmlformats.org/officeDocument/2006/relationships" r:id="rId4"/>
-          </a:graphicData>
-        </a:graphic>
-      </p:graphicFrame>
-      <p:graphicFrame>
-        <p:nvGraphicFramePr>
-          <p:cNvPr id="7" name="Gráfico 6">
+          <p:cNvPicPr>
+            <a:picLocks noChangeAspect="1"/>
+          </p:cNvPicPr>
+          <p:nvPr/>
+        </p:nvPicPr>
+        <p:blipFill>
+          <a:blip r:embed="rId4"/>
+          <a:stretch>
+            <a:fillRect/>
+          </a:stretch>
+        </p:blipFill>
+        <p:spPr>
+          <a:xfrm>
+            <a:off x="548636" y="3537284"/>
+            <a:ext cx="3995531" cy="2411356"/>
+          </a:xfrm>
+          <a:prstGeom prst="rect">
+            <a:avLst/>
+          </a:prstGeom>
+        </p:spPr>
+      </p:pic>
+      <p:pic>
+        <p:nvPicPr>
+          <p:cNvPr id="8" name="Imagen 7">
             <a:extLst>
               <a:ext uri="{FF2B5EF4-FFF2-40B4-BE49-F238E27FC236}">
-                <a16:creationId xmlns:a16="http://schemas.microsoft.com/office/drawing/2014/main" id="{D7D1E9FB-8C6B-9981-44C5-179A8BB5795E}"/>
+                <a16:creationId xmlns:a16="http://schemas.microsoft.com/office/drawing/2014/main" id="{42B348F4-305E-88AB-4D57-626F6A002B99}"/>
               </a:ext>
             </a:extLst>
           </p:cNvPr>
-          <p:cNvGraphicFramePr>
-            <a:graphicFrameLocks/>
-          </p:cNvGraphicFramePr>
-          <p:nvPr>
-            <p:extLst>
-              <p:ext uri="{D42A27DB-BD31-4B8C-83A1-F6EECF244321}">
-                <p14:modId xmlns:p14="http://schemas.microsoft.com/office/powerpoint/2010/main" val="4048933718"/>
-              </p:ext>
-            </p:extLst>
-          </p:nvPr>
-        </p:nvGraphicFramePr>
-        <p:xfrm>
-          <a:off x="6046468" y="3856589"/>
-          <a:ext cx="4151079" cy="2366690"/>
-        </p:xfrm>
-        <a:graphic>
-          <a:graphicData uri="http://schemas.openxmlformats.org/drawingml/2006/chart">
-            <c:chart xmlns:c="http://schemas.openxmlformats.org/drawingml/2006/chart" xmlns:r="http://schemas.openxmlformats.org/officeDocument/2006/relationships" r:id="rId5"/>
-          </a:graphicData>
-        </a:graphic>
-      </p:graphicFrame>
+          <p:cNvPicPr>
+            <a:picLocks noChangeAspect="1"/>
+          </p:cNvPicPr>
+          <p:nvPr/>
+        </p:nvPicPr>
+        <p:blipFill>
+          <a:blip r:embed="rId5"/>
+          <a:stretch>
+            <a:fillRect/>
+          </a:stretch>
+        </p:blipFill>
+        <p:spPr>
+          <a:xfrm>
+            <a:off x="6096000" y="3856589"/>
+            <a:ext cx="3882189" cy="2391017"/>
+          </a:xfrm>
+          <a:prstGeom prst="rect">
+            <a:avLst/>
+          </a:prstGeom>
+        </p:spPr>
+      </p:pic>
     </p:spTree>
     <p:extLst>
       <p:ext uri="{BB962C8B-B14F-4D97-AF65-F5344CB8AC3E}">
@@ -14834,66 +10453,6 @@
           <a:chExt cx="0" cy="0"/>
         </a:xfrm>
       </p:grpSpPr>
-      <p:graphicFrame>
-        <p:nvGraphicFramePr>
-          <p:cNvPr id="10" name="Chart 1">
-            <a:extLst>
-              <a:ext uri="{FF2B5EF4-FFF2-40B4-BE49-F238E27FC236}">
-                <a16:creationId xmlns:a16="http://schemas.microsoft.com/office/drawing/2014/main" id="{6110AEF7-B6A6-404D-9C58-9E9CEE6BF571}"/>
-              </a:ext>
-            </a:extLst>
-          </p:cNvPr>
-          <p:cNvGraphicFramePr>
-            <a:graphicFrameLocks/>
-          </p:cNvGraphicFramePr>
-          <p:nvPr>
-            <p:extLst>
-              <p:ext uri="{D42A27DB-BD31-4B8C-83A1-F6EECF244321}">
-                <p14:modId xmlns:p14="http://schemas.microsoft.com/office/powerpoint/2010/main" val="571468039"/>
-              </p:ext>
-            </p:extLst>
-          </p:nvPr>
-        </p:nvGraphicFramePr>
-        <p:xfrm>
-          <a:off x="186502" y="1532065"/>
-          <a:ext cx="4925240" cy="2358747"/>
-        </p:xfrm>
-        <a:graphic>
-          <a:graphicData uri="http://schemas.openxmlformats.org/drawingml/2006/chart">
-            <c:chart xmlns:c="http://schemas.openxmlformats.org/drawingml/2006/chart" xmlns:r="http://schemas.openxmlformats.org/officeDocument/2006/relationships" r:id="rId2"/>
-          </a:graphicData>
-        </a:graphic>
-      </p:graphicFrame>
-      <p:graphicFrame>
-        <p:nvGraphicFramePr>
-          <p:cNvPr id="11" name="Chart 9">
-            <a:extLst>
-              <a:ext uri="{FF2B5EF4-FFF2-40B4-BE49-F238E27FC236}">
-                <a16:creationId xmlns:a16="http://schemas.microsoft.com/office/drawing/2014/main" id="{D140BB71-A83A-3747-AE86-83393FBE62E6}"/>
-              </a:ext>
-            </a:extLst>
-          </p:cNvPr>
-          <p:cNvGraphicFramePr>
-            <a:graphicFrameLocks/>
-          </p:cNvGraphicFramePr>
-          <p:nvPr>
-            <p:extLst>
-              <p:ext uri="{D42A27DB-BD31-4B8C-83A1-F6EECF244321}">
-                <p14:modId xmlns:p14="http://schemas.microsoft.com/office/powerpoint/2010/main" val="1650708520"/>
-              </p:ext>
-            </p:extLst>
-          </p:nvPr>
-        </p:nvGraphicFramePr>
-        <p:xfrm>
-          <a:off x="5908434" y="1447893"/>
-          <a:ext cx="4362001" cy="2358746"/>
-        </p:xfrm>
-        <a:graphic>
-          <a:graphicData uri="http://schemas.openxmlformats.org/drawingml/2006/chart">
-            <c:chart xmlns:c="http://schemas.openxmlformats.org/drawingml/2006/chart" xmlns:r="http://schemas.openxmlformats.org/officeDocument/2006/relationships" r:id="rId3"/>
-          </a:graphicData>
-        </a:graphic>
-      </p:graphicFrame>
       <p:sp>
         <p:nvSpPr>
           <p:cNvPr id="2" name="Título 1">
@@ -14925,292 +10484,211 @@
       </p:sp>
       <p:sp>
         <p:nvSpPr>
-          <p:cNvPr id="5" name="Rectangle 10">
+          <p:cNvPr id="4" name="CuadroTexto 3">
             <a:extLst>
               <a:ext uri="{FF2B5EF4-FFF2-40B4-BE49-F238E27FC236}">
-                <a16:creationId xmlns:a16="http://schemas.microsoft.com/office/drawing/2014/main" id="{765EF3AF-1027-7E4D-9EF7-3EBD8DCE64A7}"/>
+                <a16:creationId xmlns:a16="http://schemas.microsoft.com/office/drawing/2014/main" id="{2242208A-609D-B209-6647-EED9E8C74B27}"/>
               </a:ext>
             </a:extLst>
           </p:cNvPr>
-          <p:cNvSpPr/>
+          <p:cNvSpPr txBox="1"/>
           <p:nvPr/>
         </p:nvSpPr>
         <p:spPr>
           <a:xfrm>
-            <a:off x="5908434" y="1532065"/>
-            <a:ext cx="864918" cy="179103"/>
+            <a:off x="10270435" y="1447893"/>
+            <a:ext cx="1521827" cy="3693319"/>
+          </a:xfrm>
+          <a:prstGeom prst="rect">
+            <a:avLst/>
+          </a:prstGeom>
+          <a:noFill/>
+        </p:spPr>
+        <p:txBody>
+          <a:bodyPr wrap="square" rtlCol="0">
+            <a:spAutoFit/>
+          </a:bodyPr>
+          <a:lstStyle/>
+          <a:p>
+            <a:r>
+              <a:rPr lang="es-ES" dirty="0"/>
+              <a:t>Procesador M2</a:t>
+            </a:r>
+          </a:p>
+          <a:p>
+            <a:r>
+              <a:rPr lang="es-ES" dirty="0"/>
+              <a:t>Tiempo en ms</a:t>
+            </a:r>
+          </a:p>
+          <a:p>
+            <a:endParaRPr lang="es-ES" dirty="0"/>
+          </a:p>
+          <a:p>
+            <a:endParaRPr lang="es-ES" dirty="0"/>
+          </a:p>
+          <a:p>
+            <a:endParaRPr lang="es-ES" dirty="0"/>
+          </a:p>
+          <a:p>
+            <a:endParaRPr lang="es-ES" dirty="0"/>
+          </a:p>
+          <a:p>
+            <a:endParaRPr lang="es-ES" dirty="0"/>
+          </a:p>
+          <a:p>
+            <a:r>
+              <a:rPr lang="es-ES" dirty="0"/>
+              <a:t>Procesador Ryzen 5</a:t>
+            </a:r>
+          </a:p>
+          <a:p>
+            <a:r>
+              <a:rPr lang="es-ES" dirty="0"/>
+              <a:t>Tiempo en ms</a:t>
+            </a:r>
+            <a:endParaRPr lang="es-GT" dirty="0"/>
+          </a:p>
+        </p:txBody>
+      </p:sp>
+      <p:sp>
+        <p:nvSpPr>
+          <p:cNvPr id="6" name="CuadroTexto 5">
+            <a:extLst>
+              <a:ext uri="{FF2B5EF4-FFF2-40B4-BE49-F238E27FC236}">
+                <a16:creationId xmlns:a16="http://schemas.microsoft.com/office/drawing/2014/main" id="{D27F2244-FB9B-E037-D727-B326A3B7F4D4}"/>
+              </a:ext>
+            </a:extLst>
+          </p:cNvPr>
+          <p:cNvSpPr txBox="1"/>
+          <p:nvPr/>
+        </p:nvSpPr>
+        <p:spPr>
+          <a:xfrm>
+            <a:off x="5908434" y="1489900"/>
+            <a:ext cx="1125341" cy="369332"/>
+          </a:xfrm>
+          <a:prstGeom prst="rect">
+            <a:avLst/>
+          </a:prstGeom>
+          <a:noFill/>
+        </p:spPr>
+        <p:txBody>
+          <a:bodyPr wrap="square" rtlCol="0">
+            <a:spAutoFit/>
+          </a:bodyPr>
+          <a:lstStyle/>
+          <a:p>
+            <a:r>
+              <a:rPr lang="es-ES" dirty="0"/>
+              <a:t>Archivos</a:t>
+            </a:r>
+            <a:endParaRPr lang="es-GT" dirty="0"/>
+          </a:p>
+        </p:txBody>
+      </p:sp>
+      <p:sp>
+        <p:nvSpPr>
+          <p:cNvPr id="12" name="CuadroTexto 11">
+            <a:extLst>
+              <a:ext uri="{FF2B5EF4-FFF2-40B4-BE49-F238E27FC236}">
+                <a16:creationId xmlns:a16="http://schemas.microsoft.com/office/drawing/2014/main" id="{B7F0F889-0FFF-450A-6024-83B0B2784229}"/>
+              </a:ext>
+            </a:extLst>
+          </p:cNvPr>
+          <p:cNvSpPr txBox="1"/>
+          <p:nvPr/>
+        </p:nvSpPr>
+        <p:spPr>
+          <a:xfrm>
+            <a:off x="399738" y="1570336"/>
+            <a:ext cx="1284683" cy="369332"/>
+          </a:xfrm>
+          <a:prstGeom prst="rect">
+            <a:avLst/>
+          </a:prstGeom>
+          <a:noFill/>
+        </p:spPr>
+        <p:txBody>
+          <a:bodyPr wrap="square" rtlCol="0">
+            <a:spAutoFit/>
+          </a:bodyPr>
+          <a:lstStyle/>
+          <a:p>
+            <a:r>
+              <a:rPr lang="es-ES" dirty="0"/>
+              <a:t>Funciones</a:t>
+            </a:r>
+            <a:endParaRPr lang="es-GT" dirty="0"/>
+          </a:p>
+        </p:txBody>
+      </p:sp>
+      <p:pic>
+        <p:nvPicPr>
+          <p:cNvPr id="13" name="Imagen 12">
+            <a:extLst>
+              <a:ext uri="{FF2B5EF4-FFF2-40B4-BE49-F238E27FC236}">
+                <a16:creationId xmlns:a16="http://schemas.microsoft.com/office/drawing/2014/main" id="{E6A155FC-3861-8879-CAD7-1B313C7CEB61}"/>
+              </a:ext>
+            </a:extLst>
+          </p:cNvPr>
+          <p:cNvPicPr>
+            <a:picLocks noChangeAspect="1"/>
+          </p:cNvPicPr>
+          <p:nvPr/>
+        </p:nvPicPr>
+        <p:blipFill>
+          <a:blip r:embed="rId2"/>
+          <a:stretch>
+            <a:fillRect/>
+          </a:stretch>
+        </p:blipFill>
+        <p:spPr>
+          <a:xfrm>
+            <a:off x="5908434" y="3824985"/>
+            <a:ext cx="4027225" cy="2341971"/>
           </a:xfrm>
           <a:prstGeom prst="rect">
             <a:avLst/>
           </a:prstGeom>
         </p:spPr>
-        <p:style>
-          <a:lnRef idx="2">
-            <a:schemeClr val="accent3">
-              <a:shade val="50000"/>
-            </a:schemeClr>
-          </a:lnRef>
-          <a:fillRef idx="1">
-            <a:schemeClr val="accent3"/>
-          </a:fillRef>
-          <a:effectRef idx="0">
-            <a:schemeClr val="accent3"/>
-          </a:effectRef>
-          <a:fontRef idx="minor">
-            <a:schemeClr val="lt1"/>
-          </a:fontRef>
-        </p:style>
-        <p:txBody>
-          <a:bodyPr rtlCol="0" anchor="t"/>
-          <a:lstStyle>
-            <a:lvl1pPr marL="0" indent="0">
-              <a:defRPr sz="1100">
-                <a:solidFill>
-                  <a:schemeClr val="lt1"/>
-                </a:solidFill>
-                <a:latin typeface="+mn-lt"/>
-                <a:ea typeface="+mn-ea"/>
-                <a:cs typeface="+mn-cs"/>
-              </a:defRPr>
-            </a:lvl1pPr>
-            <a:lvl2pPr marL="457200" indent="0">
-              <a:defRPr sz="1100">
-                <a:solidFill>
-                  <a:schemeClr val="lt1"/>
-                </a:solidFill>
-                <a:latin typeface="+mn-lt"/>
-                <a:ea typeface="+mn-ea"/>
-                <a:cs typeface="+mn-cs"/>
-              </a:defRPr>
-            </a:lvl2pPr>
-            <a:lvl3pPr marL="914400" indent="0">
-              <a:defRPr sz="1100">
-                <a:solidFill>
-                  <a:schemeClr val="lt1"/>
-                </a:solidFill>
-                <a:latin typeface="+mn-lt"/>
-                <a:ea typeface="+mn-ea"/>
-                <a:cs typeface="+mn-cs"/>
-              </a:defRPr>
-            </a:lvl3pPr>
-            <a:lvl4pPr marL="1371600" indent="0">
-              <a:defRPr sz="1100">
-                <a:solidFill>
-                  <a:schemeClr val="lt1"/>
-                </a:solidFill>
-                <a:latin typeface="+mn-lt"/>
-                <a:ea typeface="+mn-ea"/>
-                <a:cs typeface="+mn-cs"/>
-              </a:defRPr>
-            </a:lvl4pPr>
-            <a:lvl5pPr marL="1828800" indent="0">
-              <a:defRPr sz="1100">
-                <a:solidFill>
-                  <a:schemeClr val="lt1"/>
-                </a:solidFill>
-                <a:latin typeface="+mn-lt"/>
-                <a:ea typeface="+mn-ea"/>
-                <a:cs typeface="+mn-cs"/>
-              </a:defRPr>
-            </a:lvl5pPr>
-            <a:lvl6pPr marL="2286000" indent="0">
-              <a:defRPr sz="1100">
-                <a:solidFill>
-                  <a:schemeClr val="lt1"/>
-                </a:solidFill>
-                <a:latin typeface="+mn-lt"/>
-                <a:ea typeface="+mn-ea"/>
-                <a:cs typeface="+mn-cs"/>
-              </a:defRPr>
-            </a:lvl6pPr>
-            <a:lvl7pPr marL="2743200" indent="0">
-              <a:defRPr sz="1100">
-                <a:solidFill>
-                  <a:schemeClr val="lt1"/>
-                </a:solidFill>
-                <a:latin typeface="+mn-lt"/>
-                <a:ea typeface="+mn-ea"/>
-                <a:cs typeface="+mn-cs"/>
-              </a:defRPr>
-            </a:lvl7pPr>
-            <a:lvl8pPr marL="3200400" indent="0">
-              <a:defRPr sz="1100">
-                <a:solidFill>
-                  <a:schemeClr val="lt1"/>
-                </a:solidFill>
-                <a:latin typeface="+mn-lt"/>
-                <a:ea typeface="+mn-ea"/>
-                <a:cs typeface="+mn-cs"/>
-              </a:defRPr>
-            </a:lvl8pPr>
-            <a:lvl9pPr marL="3657600" indent="0">
-              <a:defRPr sz="1100">
-                <a:solidFill>
-                  <a:schemeClr val="lt1"/>
-                </a:solidFill>
-                <a:latin typeface="+mn-lt"/>
-                <a:ea typeface="+mn-ea"/>
-                <a:cs typeface="+mn-cs"/>
-              </a:defRPr>
-            </a:lvl9pPr>
-          </a:lstStyle>
-          <a:p>
-            <a:pPr algn="l"/>
-            <a:r>
-              <a:rPr lang="en-US" sz="1100" dirty="0" err="1"/>
-              <a:t>Archivos</a:t>
-            </a:r>
-            <a:endParaRPr lang="en-US" sz="1100" dirty="0"/>
-          </a:p>
-        </p:txBody>
-      </p:sp>
-      <p:sp>
-        <p:nvSpPr>
-          <p:cNvPr id="7" name="Rectangle 5">
+      </p:pic>
+      <p:pic>
+        <p:nvPicPr>
+          <p:cNvPr id="14" name="Imagen 13">
             <a:extLst>
               <a:ext uri="{FF2B5EF4-FFF2-40B4-BE49-F238E27FC236}">
-                <a16:creationId xmlns:a16="http://schemas.microsoft.com/office/drawing/2014/main" id="{26E78742-8CED-E545-9945-DD2BC568CCFF}"/>
+                <a16:creationId xmlns:a16="http://schemas.microsoft.com/office/drawing/2014/main" id="{647ED221-318C-BBDE-8FC4-81192A7BCD4F}"/>
               </a:ext>
             </a:extLst>
           </p:cNvPr>
-          <p:cNvSpPr/>
+          <p:cNvPicPr>
+            <a:picLocks noChangeAspect="1"/>
+          </p:cNvPicPr>
           <p:nvPr/>
-        </p:nvSpPr>
+        </p:nvPicPr>
+        <p:blipFill>
+          <a:blip r:embed="rId3"/>
+          <a:stretch>
+            <a:fillRect/>
+          </a:stretch>
+        </p:blipFill>
         <p:spPr>
           <a:xfrm>
-            <a:off x="399738" y="1599962"/>
-            <a:ext cx="931748" cy="211772"/>
+            <a:off x="633613" y="3806638"/>
+            <a:ext cx="4272686" cy="2464415"/>
           </a:xfrm>
           <a:prstGeom prst="rect">
             <a:avLst/>
           </a:prstGeom>
         </p:spPr>
-        <p:style>
-          <a:lnRef idx="2">
-            <a:schemeClr val="accent3">
-              <a:shade val="50000"/>
-            </a:schemeClr>
-          </a:lnRef>
-          <a:fillRef idx="1">
-            <a:schemeClr val="accent3"/>
-          </a:fillRef>
-          <a:effectRef idx="0">
-            <a:schemeClr val="accent3"/>
-          </a:effectRef>
-          <a:fontRef idx="minor">
-            <a:schemeClr val="lt1"/>
-          </a:fontRef>
-        </p:style>
-        <p:txBody>
-          <a:bodyPr rtlCol="0" anchor="t"/>
-          <a:lstStyle>
-            <a:lvl1pPr marL="0" indent="0">
-              <a:defRPr sz="1100">
-                <a:solidFill>
-                  <a:schemeClr val="lt1"/>
-                </a:solidFill>
-                <a:latin typeface="+mn-lt"/>
-                <a:ea typeface="+mn-ea"/>
-                <a:cs typeface="+mn-cs"/>
-              </a:defRPr>
-            </a:lvl1pPr>
-            <a:lvl2pPr marL="457200" indent="0">
-              <a:defRPr sz="1100">
-                <a:solidFill>
-                  <a:schemeClr val="lt1"/>
-                </a:solidFill>
-                <a:latin typeface="+mn-lt"/>
-                <a:ea typeface="+mn-ea"/>
-                <a:cs typeface="+mn-cs"/>
-              </a:defRPr>
-            </a:lvl2pPr>
-            <a:lvl3pPr marL="914400" indent="0">
-              <a:defRPr sz="1100">
-                <a:solidFill>
-                  <a:schemeClr val="lt1"/>
-                </a:solidFill>
-                <a:latin typeface="+mn-lt"/>
-                <a:ea typeface="+mn-ea"/>
-                <a:cs typeface="+mn-cs"/>
-              </a:defRPr>
-            </a:lvl3pPr>
-            <a:lvl4pPr marL="1371600" indent="0">
-              <a:defRPr sz="1100">
-                <a:solidFill>
-                  <a:schemeClr val="lt1"/>
-                </a:solidFill>
-                <a:latin typeface="+mn-lt"/>
-                <a:ea typeface="+mn-ea"/>
-                <a:cs typeface="+mn-cs"/>
-              </a:defRPr>
-            </a:lvl4pPr>
-            <a:lvl5pPr marL="1828800" indent="0">
-              <a:defRPr sz="1100">
-                <a:solidFill>
-                  <a:schemeClr val="lt1"/>
-                </a:solidFill>
-                <a:latin typeface="+mn-lt"/>
-                <a:ea typeface="+mn-ea"/>
-                <a:cs typeface="+mn-cs"/>
-              </a:defRPr>
-            </a:lvl5pPr>
-            <a:lvl6pPr marL="2286000" indent="0">
-              <a:defRPr sz="1100">
-                <a:solidFill>
-                  <a:schemeClr val="lt1"/>
-                </a:solidFill>
-                <a:latin typeface="+mn-lt"/>
-                <a:ea typeface="+mn-ea"/>
-                <a:cs typeface="+mn-cs"/>
-              </a:defRPr>
-            </a:lvl6pPr>
-            <a:lvl7pPr marL="2743200" indent="0">
-              <a:defRPr sz="1100">
-                <a:solidFill>
-                  <a:schemeClr val="lt1"/>
-                </a:solidFill>
-                <a:latin typeface="+mn-lt"/>
-                <a:ea typeface="+mn-ea"/>
-                <a:cs typeface="+mn-cs"/>
-              </a:defRPr>
-            </a:lvl7pPr>
-            <a:lvl8pPr marL="3200400" indent="0">
-              <a:defRPr sz="1100">
-                <a:solidFill>
-                  <a:schemeClr val="lt1"/>
-                </a:solidFill>
-                <a:latin typeface="+mn-lt"/>
-                <a:ea typeface="+mn-ea"/>
-                <a:cs typeface="+mn-cs"/>
-              </a:defRPr>
-            </a:lvl8pPr>
-            <a:lvl9pPr marL="3657600" indent="0">
-              <a:defRPr sz="1100">
-                <a:solidFill>
-                  <a:schemeClr val="lt1"/>
-                </a:solidFill>
-                <a:latin typeface="+mn-lt"/>
-                <a:ea typeface="+mn-ea"/>
-                <a:cs typeface="+mn-cs"/>
-              </a:defRPr>
-            </a:lvl9pPr>
-          </a:lstStyle>
-          <a:p>
-            <a:pPr algn="l"/>
-            <a:r>
-              <a:rPr lang="en-US" sz="1100" dirty="0" err="1"/>
-              <a:t>Funciones</a:t>
-            </a:r>
-            <a:endParaRPr lang="en-US" sz="1100" dirty="0"/>
-          </a:p>
-        </p:txBody>
-      </p:sp>
+      </p:pic>
       <p:graphicFrame>
         <p:nvGraphicFramePr>
-          <p:cNvPr id="8" name="Gráfico 7">
+          <p:cNvPr id="17" name="Chart 1">
             <a:extLst>
               <a:ext uri="{FF2B5EF4-FFF2-40B4-BE49-F238E27FC236}">
-                <a16:creationId xmlns:a16="http://schemas.microsoft.com/office/drawing/2014/main" id="{39EBC291-D448-4CCA-B5B8-8C6C72251DF6}"/>
+                <a16:creationId xmlns:a16="http://schemas.microsoft.com/office/drawing/2014/main" id="{6110AEF7-B6A6-404D-9C58-9E9CEE6BF571}"/>
               </a:ext>
             </a:extLst>
           </p:cNvPr>
@@ -15220,14 +10698,14 @@
           <p:nvPr>
             <p:extLst>
               <p:ext uri="{D42A27DB-BD31-4B8C-83A1-F6EECF244321}">
-                <p14:modId xmlns:p14="http://schemas.microsoft.com/office/powerpoint/2010/main" val="2247758566"/>
+                <p14:modId xmlns:p14="http://schemas.microsoft.com/office/powerpoint/2010/main" val="1331867655"/>
               </p:ext>
             </p:extLst>
           </p:nvPr>
         </p:nvGraphicFramePr>
         <p:xfrm>
-          <a:off x="5908434" y="3806639"/>
-          <a:ext cx="4316465" cy="2341971"/>
+          <a:off x="490773" y="1570335"/>
+          <a:ext cx="4594574" cy="2236303"/>
         </p:xfrm>
         <a:graphic>
           <a:graphicData uri="http://schemas.openxmlformats.org/drawingml/2006/chart">
@@ -15237,10 +10715,10 @@
       </p:graphicFrame>
       <p:graphicFrame>
         <p:nvGraphicFramePr>
-          <p:cNvPr id="9" name="Gráfico 8">
+          <p:cNvPr id="20" name="Chart 9">
             <a:extLst>
               <a:ext uri="{FF2B5EF4-FFF2-40B4-BE49-F238E27FC236}">
-                <a16:creationId xmlns:a16="http://schemas.microsoft.com/office/drawing/2014/main" id="{EABF9CE2-5DAD-4930-A416-8C43987ABE78}"/>
+                <a16:creationId xmlns:a16="http://schemas.microsoft.com/office/drawing/2014/main" id="{D140BB71-A83A-3747-AE86-83393FBE62E6}"/>
               </a:ext>
             </a:extLst>
           </p:cNvPr>
@@ -15250,14 +10728,14 @@
           <p:nvPr>
             <p:extLst>
               <p:ext uri="{D42A27DB-BD31-4B8C-83A1-F6EECF244321}">
-                <p14:modId xmlns:p14="http://schemas.microsoft.com/office/powerpoint/2010/main" val="1066766562"/>
+                <p14:modId xmlns:p14="http://schemas.microsoft.com/office/powerpoint/2010/main" val="2834481262"/>
               </p:ext>
             </p:extLst>
           </p:nvPr>
         </p:nvGraphicFramePr>
         <p:xfrm>
-          <a:off x="399738" y="3890812"/>
-          <a:ext cx="4628601" cy="2358746"/>
+          <a:off x="6205022" y="1412530"/>
+          <a:ext cx="3858141" cy="2341971"/>
         </p:xfrm>
         <a:graphic>
           <a:graphicData uri="http://schemas.openxmlformats.org/drawingml/2006/chart">
@@ -15399,7 +10877,7 @@
             </a:r>
             <a:r>
               <a:rPr lang="es-GT" dirty="0"/>
-              <a:t> y 4 hilos a 4 </a:t>
+              <a:t> y 4 hilos a 2 </a:t>
             </a:r>
             <a:r>
               <a:rPr lang="es-GT" dirty="0" err="1"/>
@@ -15441,8 +10919,13 @@
             </a:r>
             <a:r>
               <a:rPr lang="es-GT" dirty="0"/>
-              <a:t> 2 hilos, y contrastarlo con el escenario secuencial, la mejora es del 33% en velocidad</a:t>
+              <a:t> 2 hilos, y contrastarlo con el escenario secuencial, la mejora es del 33% en velocidad, según la ley de </a:t>
             </a:r>
+            <a:r>
+              <a:rPr lang="es-GT" dirty="0" err="1"/>
+              <a:t>Amdals</a:t>
+            </a:r>
+            <a:endParaRPr lang="es-GT" dirty="0"/>
           </a:p>
         </p:txBody>
       </p:sp>
@@ -15498,7 +10981,7 @@
           <a:lstStyle/>
           <a:p>
             <a:r>
-              <a:rPr lang="es-ES"/>
+              <a:rPr lang="es-ES" dirty="0"/>
               <a:t>Resultados</a:t>
             </a:r>
             <a:endParaRPr lang="es-GT" dirty="0"/>
@@ -15531,14 +11014,25 @@
             </a:pPr>
             <a:r>
               <a:rPr lang="es-ES" dirty="0"/>
-              <a:t>4.</a:t>
+              <a:t>En la columna ‘Diferencia del caso base 2 </a:t>
+            </a:r>
+            <a:r>
+              <a:rPr lang="es-ES" dirty="0" err="1"/>
+              <a:t>cores</a:t>
+            </a:r>
+            <a:r>
+              <a:rPr lang="es-ES" dirty="0"/>
+              <a:t>’ se aprecia el factor teórico que mejora por cada escenario</a:t>
             </a:r>
           </a:p>
           <a:p>
             <a:pPr marL="0" indent="0">
               <a:buNone/>
             </a:pPr>
-            <a:endParaRPr lang="es-ES" dirty="0"/>
+            <a:r>
+              <a:rPr lang="es-ES" dirty="0"/>
+              <a:t>4.</a:t>
+            </a:r>
           </a:p>
           <a:p>
             <a:pPr marL="0" indent="0">
@@ -15579,14 +11073,14 @@
           <p:nvPr>
             <p:extLst>
               <p:ext uri="{D42A27DB-BD31-4B8C-83A1-F6EECF244321}">
-                <p14:modId xmlns:p14="http://schemas.microsoft.com/office/powerpoint/2010/main" val="3364045812"/>
+                <p14:modId xmlns:p14="http://schemas.microsoft.com/office/powerpoint/2010/main" val="2323342481"/>
               </p:ext>
             </p:extLst>
           </p:nvPr>
         </p:nvGraphicFramePr>
         <p:xfrm>
-          <a:off x="1830167" y="2028824"/>
-          <a:ext cx="6272823" cy="1713180"/>
+          <a:off x="1549820" y="3075387"/>
+          <a:ext cx="5866703" cy="1384320"/>
         </p:xfrm>
         <a:graphic>
           <a:graphicData uri="http://schemas.openxmlformats.org/drawingml/2006/table">
@@ -15595,28 +11089,28 @@
                 <a:tableStyleId>{5C22544A-7EE6-4342-B048-85BDC9FD1C3A}</a:tableStyleId>
               </a:tblPr>
               <a:tblGrid>
-                <a:gridCol w="1430074">
+                <a:gridCol w="1337487">
                   <a:extLst>
                     <a:ext uri="{9D8B030D-6E8A-4147-A177-3AD203B41FA5}">
                       <a16:colId xmlns:a16="http://schemas.microsoft.com/office/drawing/2014/main" val="2800755917"/>
                     </a:ext>
                   </a:extLst>
                 </a:gridCol>
-                <a:gridCol w="1072555">
+                <a:gridCol w="1003115">
                   <a:extLst>
                     <a:ext uri="{9D8B030D-6E8A-4147-A177-3AD203B41FA5}">
                       <a16:colId xmlns:a16="http://schemas.microsoft.com/office/drawing/2014/main" val="255537346"/>
                     </a:ext>
                   </a:extLst>
                 </a:gridCol>
-                <a:gridCol w="1072555">
+                <a:gridCol w="1003115">
                   <a:extLst>
                     <a:ext uri="{9D8B030D-6E8A-4147-A177-3AD203B41FA5}">
                       <a16:colId xmlns:a16="http://schemas.microsoft.com/office/drawing/2014/main" val="111654969"/>
                     </a:ext>
                   </a:extLst>
                 </a:gridCol>
-                <a:gridCol w="2697639">
+                <a:gridCol w="2522986">
                   <a:extLst>
                     <a:ext uri="{9D8B030D-6E8A-4147-A177-3AD203B41FA5}">
                       <a16:colId xmlns:a16="http://schemas.microsoft.com/office/drawing/2014/main" val="3045023708"/>
@@ -15624,7 +11118,7 @@
                   </a:extLst>
                 </a:gridCol>
               </a:tblGrid>
-              <a:tr h="428295">
+              <a:tr h="346080">
                 <a:tc>
                   <a:txBody>
                     <a:bodyPr/>
@@ -15632,12 +11126,12 @@
                     <a:p>
                       <a:pPr algn="l" fontAlgn="b"/>
                       <a:r>
-                        <a:rPr lang="es-GT" sz="1200" u="none" strike="noStrike">
+                        <a:rPr lang="es-GT" sz="1200" u="none" strike="noStrike" dirty="0">
                           <a:effectLst/>
                         </a:rPr>
                         <a:t>Paralelización</a:t>
                       </a:r>
-                      <a:endParaRPr lang="es-GT" sz="1200" b="0" i="0" u="none" strike="noStrike">
+                      <a:endParaRPr lang="es-GT" sz="1200" b="0" i="0" u="none" strike="noStrike" dirty="0">
                         <a:solidFill>
                           <a:srgbClr val="000000"/>
                         </a:solidFill>
@@ -15723,7 +11217,7 @@
                   </a:ext>
                 </a:extLst>
               </a:tr>
-              <a:tr h="428295">
+              <a:tr h="346080">
                 <a:tc>
                   <a:txBody>
                     <a:bodyPr/>
@@ -15822,7 +11316,7 @@
                   </a:ext>
                 </a:extLst>
               </a:tr>
-              <a:tr h="428295">
+              <a:tr h="346080">
                 <a:tc>
                   <a:txBody>
                     <a:bodyPr/>
@@ -15853,12 +11347,24 @@
                     <a:p>
                       <a:pPr algn="l" fontAlgn="b"/>
                       <a:r>
-                        <a:rPr lang="es-GT" sz="1200" u="none" strike="noStrike">
+                        <a:rPr lang="es-GT" sz="1200" u="none" strike="noStrike" dirty="0">
                           <a:effectLst/>
                         </a:rPr>
-                        <a:t>2 core 4 hilos</a:t>
+                        <a:t>2 </a:t>
                       </a:r>
-                      <a:endParaRPr lang="es-GT" sz="1200" b="0" i="0" u="none" strike="noStrike">
+                      <a:r>
+                        <a:rPr lang="es-GT" sz="1200" u="none" strike="noStrike" dirty="0" err="1">
+                          <a:effectLst/>
+                        </a:rPr>
+                        <a:t>core</a:t>
+                      </a:r>
+                      <a:r>
+                        <a:rPr lang="es-GT" sz="1200" u="none" strike="noStrike" dirty="0">
+                          <a:effectLst/>
+                        </a:rPr>
+                        <a:t> 4 hilos</a:t>
+                      </a:r>
+                      <a:endParaRPr lang="es-GT" sz="1200" b="0" i="0" u="none" strike="noStrike" dirty="0">
                         <a:solidFill>
                           <a:srgbClr val="000000"/>
                         </a:solidFill>
@@ -15921,7 +11427,7 @@
                   </a:ext>
                 </a:extLst>
               </a:tr>
-              <a:tr h="428295">
+              <a:tr h="346080">
                 <a:tc>
                   <a:txBody>
                     <a:bodyPr/>
@@ -16039,14 +11545,14 @@
           <p:nvPr>
             <p:extLst>
               <p:ext uri="{D42A27DB-BD31-4B8C-83A1-F6EECF244321}">
-                <p14:modId xmlns:p14="http://schemas.microsoft.com/office/powerpoint/2010/main" val="723652292"/>
+                <p14:modId xmlns:p14="http://schemas.microsoft.com/office/powerpoint/2010/main" val="701548919"/>
               </p:ext>
             </p:extLst>
           </p:nvPr>
         </p:nvGraphicFramePr>
         <p:xfrm>
-          <a:off x="1817466" y="4043362"/>
-          <a:ext cx="6285524" cy="1611848"/>
+          <a:off x="1549819" y="4830312"/>
+          <a:ext cx="5866702" cy="1227588"/>
         </p:xfrm>
         <a:graphic>
           <a:graphicData uri="http://schemas.openxmlformats.org/drawingml/2006/table">
@@ -16055,28 +11561,28 @@
                 <a:tableStyleId>{5C22544A-7EE6-4342-B048-85BDC9FD1C3A}</a:tableStyleId>
               </a:tblPr>
               <a:tblGrid>
-                <a:gridCol w="1432969">
+                <a:gridCol w="1337486">
                   <a:extLst>
                     <a:ext uri="{9D8B030D-6E8A-4147-A177-3AD203B41FA5}">
                       <a16:colId xmlns:a16="http://schemas.microsoft.com/office/drawing/2014/main" val="1964901182"/>
                     </a:ext>
                   </a:extLst>
                 </a:gridCol>
-                <a:gridCol w="1074727">
+                <a:gridCol w="1003115">
                   <a:extLst>
                     <a:ext uri="{9D8B030D-6E8A-4147-A177-3AD203B41FA5}">
                       <a16:colId xmlns:a16="http://schemas.microsoft.com/office/drawing/2014/main" val="3110098623"/>
                     </a:ext>
                   </a:extLst>
                 </a:gridCol>
-                <a:gridCol w="1074727">
+                <a:gridCol w="1003115">
                   <a:extLst>
                     <a:ext uri="{9D8B030D-6E8A-4147-A177-3AD203B41FA5}">
                       <a16:colId xmlns:a16="http://schemas.microsoft.com/office/drawing/2014/main" val="2288034779"/>
                     </a:ext>
                   </a:extLst>
                 </a:gridCol>
-                <a:gridCol w="2703101">
+                <a:gridCol w="2522986">
                   <a:extLst>
                     <a:ext uri="{9D8B030D-6E8A-4147-A177-3AD203B41FA5}">
                       <a16:colId xmlns:a16="http://schemas.microsoft.com/office/drawing/2014/main" val="3445921505"/>
@@ -16084,7 +11590,7 @@
                   </a:extLst>
                 </a:gridCol>
               </a:tblGrid>
-              <a:tr h="402962">
+              <a:tr h="306897">
                 <a:tc>
                   <a:txBody>
                     <a:bodyPr/>
@@ -16092,12 +11598,12 @@
                     <a:p>
                       <a:pPr algn="l" fontAlgn="b"/>
                       <a:r>
-                        <a:rPr lang="es-GT" sz="1200" u="none" strike="noStrike">
+                        <a:rPr lang="es-GT" sz="1200" u="none" strike="noStrike" dirty="0">
                           <a:effectLst/>
                         </a:rPr>
                         <a:t>Paralelización</a:t>
                       </a:r>
-                      <a:endParaRPr lang="es-GT" sz="1200" b="0" i="0" u="none" strike="noStrike">
+                      <a:endParaRPr lang="es-GT" sz="1200" b="0" i="0" u="none" strike="noStrike" dirty="0">
                         <a:solidFill>
                           <a:srgbClr val="000000"/>
                         </a:solidFill>
@@ -16183,7 +11689,7 @@
                   </a:ext>
                 </a:extLst>
               </a:tr>
-              <a:tr h="402962">
+              <a:tr h="306897">
                 <a:tc>
                   <a:txBody>
                     <a:bodyPr/>
@@ -16282,7 +11788,7 @@
                   </a:ext>
                 </a:extLst>
               </a:tr>
-              <a:tr h="402962">
+              <a:tr h="306897">
                 <a:tc>
                   <a:txBody>
                     <a:bodyPr/>
@@ -16381,7 +11887,7 @@
                   </a:ext>
                 </a:extLst>
               </a:tr>
-              <a:tr h="402962">
+              <a:tr h="306897">
                 <a:tc>
                   <a:txBody>
                     <a:bodyPr/>
